--- a/pptx-version/main.pptx
+++ b/pptx-version/main.pptx
@@ -104,6 +104,11 @@
       </a:defRPr>
     </a:lvl9pPr>
   </p:defaultTextStyle>
+  <p:extLst>
+    <p:ext uri="{EFAFB233-063F-42B5-8137-9DF3F51BA10A}">
+      <p15:sldGuideLst xmlns:p15="http://schemas.microsoft.com/office/powerpoint/2012/main"/>
+    </p:ext>
+  </p:extLst>
 </p:presentation>
 </file>
 
@@ -2171,70 +2176,24 @@
           <a:bodyPr lIns="90000" tIns="45000" rIns="90000" bIns="45000"/>
           <a:lstStyle/>
           <a:p>
-            <a:pPr>
-              <a:lnSpc>
-                <a:spcPct val="100000"/>
-              </a:lnSpc>
-            </a:pPr>
-            <a:r>
-              <a:rPr lang="en-US" sz="6600" b="1" strike="noStrike" spc="-1">
-                <a:solidFill>
-                  <a:srgbClr val="FFFFFF"/>
-                </a:solidFill>
-                <a:uFill>
-                  <a:solidFill>
-                    <a:srgbClr val="FFFFFF"/>
-                  </a:solidFill>
-                </a:uFill>
-                <a:latin typeface="Arial"/>
-                <a:ea typeface="DejaVu Sans"/>
-              </a:rPr>
-              <a:t>Weighting Explicit and Latent Concepts in </a:t>
-            </a:r>
-            <a:endParaRPr lang="en-US" sz="1800" b="0" strike="noStrike" spc="-1">
-              <a:solidFill>
-                <a:srgbClr val="000000"/>
-              </a:solidFill>
-              <a:uFill>
-                <a:solidFill>
-                  <a:srgbClr val="FFFFFF"/>
-                </a:solidFill>
-              </a:uFill>
-              <a:latin typeface="Arial"/>
-            </a:endParaRPr>
-          </a:p>
-          <a:p>
             <a:pPr algn="ctr">
               <a:lnSpc>
                 <a:spcPct val="100000"/>
               </a:lnSpc>
             </a:pPr>
             <a:r>
-              <a:rPr lang="en-US" sz="6600" b="1" strike="noStrike" spc="-1">
-                <a:solidFill>
-                  <a:srgbClr val="FFFFFF"/>
-                </a:solidFill>
-                <a:uFill>
-                  <a:solidFill>
-                    <a:srgbClr val="FFFFFF"/>
-                  </a:solidFill>
-                </a:uFill>
-                <a:latin typeface="Arial"/>
-                <a:ea typeface="DejaVu Sans"/>
-              </a:rPr>
-              <a:t>Clinical Decision Support Queries</a:t>
-            </a:r>
-            <a:endParaRPr lang="en-US" sz="1800" b="0" strike="noStrike" spc="-1">
-              <a:solidFill>
-                <a:srgbClr val="000000"/>
-              </a:solidFill>
-              <a:uFill>
-                <a:solidFill>
-                  <a:srgbClr val="FFFFFF"/>
-                </a:solidFill>
-              </a:uFill>
-              <a:latin typeface="Arial"/>
-            </a:endParaRPr>
+              <a:rPr lang="en-US" sz="6600" b="1" spc="-1" dirty="0">
+                <a:solidFill>
+                  <a:srgbClr val="FFFFFF"/>
+                </a:solidFill>
+                <a:uFill>
+                  <a:solidFill>
+                    <a:srgbClr val="FFFFFF"/>
+                  </a:solidFill>
+                </a:uFill>
+              </a:rPr>
+              <a:t>Intelligent Information Retrieval System for </a:t>
+            </a:r>
           </a:p>
           <a:p>
             <a:pPr algn="ctr">
@@ -2243,31 +2202,18 @@
               </a:lnSpc>
             </a:pPr>
             <a:r>
-              <a:rPr lang="en-US" sz="4400" b="1" strike="noStrike" spc="-1">
-                <a:solidFill>
-                  <a:srgbClr val="FFFFFF"/>
-                </a:solidFill>
-                <a:uFill>
-                  <a:solidFill>
-                    <a:srgbClr val="FFFFFF"/>
-                  </a:solidFill>
-                </a:uFill>
-                <a:latin typeface="Arial"/>
-                <a:ea typeface="DejaVu Sans"/>
-              </a:rPr>
-              <a:t>Saeid Balaneshin-kordan and Alexander Kotov</a:t>
-            </a:r>
-            <a:endParaRPr lang="en-US" sz="1800" b="0" strike="noStrike" spc="-1">
-              <a:solidFill>
-                <a:srgbClr val="000000"/>
-              </a:solidFill>
-              <a:uFill>
-                <a:solidFill>
-                  <a:srgbClr val="FFFFFF"/>
-                </a:solidFill>
-              </a:uFill>
-              <a:latin typeface="Arial"/>
-            </a:endParaRPr>
+              <a:rPr lang="en-US" sz="6600" b="1" spc="-1" dirty="0">
+                <a:solidFill>
+                  <a:srgbClr val="FFFFFF"/>
+                </a:solidFill>
+                <a:uFill>
+                  <a:solidFill>
+                    <a:srgbClr val="FFFFFF"/>
+                  </a:solidFill>
+                </a:uFill>
+              </a:rPr>
+              <a:t>Case-Based Clinical Decision Support Queries</a:t>
+            </a:r>
           </a:p>
           <a:p>
             <a:pPr algn="ctr">
@@ -2276,7 +2222,7 @@
               </a:lnSpc>
             </a:pPr>
             <a:r>
-              <a:rPr lang="en-US" sz="4400" b="1" strike="noStrike" spc="-1">
+              <a:rPr lang="en-US" sz="3600" b="1" strike="noStrike" spc="-1" dirty="0">
                 <a:solidFill>
                   <a:srgbClr val="FFFFFF"/>
                 </a:solidFill>
@@ -2288,9 +2234,87 @@
                 <a:latin typeface="Arial"/>
                 <a:ea typeface="DejaVu Sans"/>
               </a:rPr>
+              <a:t>Saeid </a:t>
+            </a:r>
+            <a:r>
+              <a:rPr lang="en-US" sz="3600" b="1" strike="noStrike" spc="-1" dirty="0" err="1">
+                <a:solidFill>
+                  <a:srgbClr val="FFFFFF"/>
+                </a:solidFill>
+                <a:uFill>
+                  <a:solidFill>
+                    <a:srgbClr val="FFFFFF"/>
+                  </a:solidFill>
+                </a:uFill>
+                <a:latin typeface="Arial"/>
+                <a:ea typeface="DejaVu Sans"/>
+              </a:rPr>
+              <a:t>Balaneshin-kordan</a:t>
+            </a:r>
+            <a:r>
+              <a:rPr lang="en-US" sz="3600" b="1" strike="noStrike" spc="-1" dirty="0">
+                <a:solidFill>
+                  <a:srgbClr val="FFFFFF"/>
+                </a:solidFill>
+                <a:uFill>
+                  <a:solidFill>
+                    <a:srgbClr val="FFFFFF"/>
+                  </a:solidFill>
+                </a:uFill>
+                <a:latin typeface="Arial"/>
+                <a:ea typeface="DejaVu Sans"/>
+              </a:rPr>
+              <a:t> and Alexander </a:t>
+            </a:r>
+            <a:r>
+              <a:rPr lang="en-US" sz="3600" b="1" strike="noStrike" spc="-1" dirty="0" err="1">
+                <a:solidFill>
+                  <a:srgbClr val="FFFFFF"/>
+                </a:solidFill>
+                <a:uFill>
+                  <a:solidFill>
+                    <a:srgbClr val="FFFFFF"/>
+                  </a:solidFill>
+                </a:uFill>
+                <a:latin typeface="Arial"/>
+                <a:ea typeface="DejaVu Sans"/>
+              </a:rPr>
+              <a:t>Kotov</a:t>
+            </a:r>
+            <a:endParaRPr lang="en-US" sz="1400" b="0" strike="noStrike" spc="-1" dirty="0">
+              <a:solidFill>
+                <a:srgbClr val="000000"/>
+              </a:solidFill>
+              <a:uFill>
+                <a:solidFill>
+                  <a:srgbClr val="FFFFFF"/>
+                </a:solidFill>
+              </a:uFill>
+              <a:latin typeface="Arial"/>
+            </a:endParaRPr>
+          </a:p>
+          <a:p>
+            <a:pPr algn="ctr">
+              <a:lnSpc>
+                <a:spcPct val="100000"/>
+              </a:lnSpc>
+            </a:pPr>
+            <a:r>
+              <a:rPr lang="en-US" sz="3600" b="1" strike="noStrike" spc="-1" dirty="0">
+                <a:solidFill>
+                  <a:srgbClr val="FFFFFF"/>
+                </a:solidFill>
+                <a:uFill>
+                  <a:solidFill>
+                    <a:srgbClr val="FFFFFF"/>
+                  </a:solidFill>
+                </a:uFill>
+                <a:latin typeface="Arial"/>
+                <a:ea typeface="DejaVu Sans"/>
+              </a:rPr>
               <a:t>Computer Science Department, Wayne State University, Detroit, MI 48202</a:t>
             </a:r>
-            <a:endParaRPr lang="en-US" sz="1800" b="0" strike="noStrike" spc="-1">
+            <a:endParaRPr lang="en-US" b="0" strike="noStrike" spc="-1" dirty="0">
               <a:solidFill>
                 <a:srgbClr val="000000"/>
               </a:solidFill>
@@ -2587,7 +2611,7 @@
               <a:buChar char=""/>
             </a:pPr>
             <a:r>
-              <a:rPr lang="en-US" sz="3600" b="0" strike="noStrike" spc="-1">
+              <a:rPr lang="en-US" sz="3600" b="0" strike="noStrike" spc="-1" dirty="0">
                 <a:solidFill>
                   <a:srgbClr val="000000"/>
                 </a:solidFill>
@@ -2600,6 +2624,225 @@
                 <a:ea typeface="DejaVu Sans"/>
               </a:rPr>
               <a:t>Accurately answering verbose queries that describe a clinical case and finding articles in a collection of medical literature requires capturing many explicit and latent aspects of complex information needs underlying such queries. </a:t>
+            </a:r>
+            <a:endParaRPr lang="en-US" sz="1800" b="0" strike="noStrike" spc="-1" dirty="0">
+              <a:solidFill>
+                <a:srgbClr val="000000"/>
+              </a:solidFill>
+              <a:uFill>
+                <a:solidFill>
+                  <a:srgbClr val="FFFFFF"/>
+                </a:solidFill>
+              </a:uFill>
+              <a:latin typeface="Arial"/>
+            </a:endParaRPr>
+          </a:p>
+          <a:p>
+            <a:pPr>
+              <a:lnSpc>
+                <a:spcPct val="100000"/>
+              </a:lnSpc>
+            </a:pPr>
+            <a:endParaRPr lang="en-US" sz="1800" b="0" strike="noStrike" spc="-1" dirty="0">
+              <a:solidFill>
+                <a:srgbClr val="000000"/>
+              </a:solidFill>
+              <a:uFill>
+                <a:solidFill>
+                  <a:srgbClr val="FFFFFF"/>
+                </a:solidFill>
+              </a:uFill>
+              <a:latin typeface="Arial"/>
+            </a:endParaRPr>
+          </a:p>
+          <a:p>
+            <a:pPr>
+              <a:lnSpc>
+                <a:spcPct val="100000"/>
+              </a:lnSpc>
+            </a:pPr>
+            <a:endParaRPr lang="en-US" sz="1800" b="0" strike="noStrike" spc="-1" dirty="0">
+              <a:solidFill>
+                <a:srgbClr val="000000"/>
+              </a:solidFill>
+              <a:uFill>
+                <a:solidFill>
+                  <a:srgbClr val="FFFFFF"/>
+                </a:solidFill>
+              </a:uFill>
+              <a:latin typeface="Arial"/>
+            </a:endParaRPr>
+          </a:p>
+          <a:p>
+            <a:pPr marL="216000" indent="-214920">
+              <a:lnSpc>
+                <a:spcPct val="100000"/>
+              </a:lnSpc>
+              <a:buClr>
+                <a:srgbClr val="000000"/>
+              </a:buClr>
+              <a:buSzPct val="45000"/>
+              <a:buFont typeface="Wingdings" charset="2"/>
+              <a:buChar char=""/>
+            </a:pPr>
+            <a:r>
+              <a:rPr lang="en-US" sz="3600" b="0" strike="noStrike" spc="-1">
+                <a:solidFill>
+                  <a:srgbClr val="000000"/>
+                </a:solidFill>
+                <a:uFill>
+                  <a:solidFill>
+                    <a:srgbClr val="FFFFFF"/>
+                  </a:solidFill>
+                </a:uFill>
+                <a:latin typeface="Trebuchet MS"/>
+                <a:ea typeface="DejaVu Sans"/>
+              </a:rPr>
+              <a:t>Proper representation of these aspects often requires query analysis to identify the most important query concepts as well as query transformation by adding new concepts to a query, which can be extracted from the top retrieved documents or medical knowledge bases.</a:t>
+            </a:r>
+            <a:endParaRPr lang="en-US" sz="1800" b="0" strike="noStrike" spc="-1">
+              <a:solidFill>
+                <a:srgbClr val="000000"/>
+              </a:solidFill>
+              <a:uFill>
+                <a:solidFill>
+                  <a:srgbClr val="FFFFFF"/>
+                </a:solidFill>
+              </a:uFill>
+              <a:latin typeface="Arial"/>
+            </a:endParaRPr>
+          </a:p>
+        </p:txBody>
+      </p:sp>
+      <p:sp>
+        <p:nvSpPr>
+          <p:cNvPr id="45" name="CustomShape 10"/>
+          <p:cNvSpPr/>
+          <p:nvPr/>
+        </p:nvSpPr>
+        <p:spPr>
+          <a:xfrm>
+            <a:off x="504720" y="6724440"/>
+            <a:ext cx="10383480" cy="927000"/>
+          </a:xfrm>
+          <a:prstGeom prst="rect">
+            <a:avLst/>
+          </a:prstGeom>
+          <a:noFill/>
+          <a:ln>
+            <a:noFill/>
+          </a:ln>
+        </p:spPr>
+        <p:style>
+          <a:lnRef idx="0">
+            <a:scrgbClr r="0" g="0" b="0"/>
+          </a:lnRef>
+          <a:fillRef idx="0">
+            <a:scrgbClr r="0" g="0" b="0"/>
+          </a:fillRef>
+          <a:effectRef idx="0">
+            <a:scrgbClr r="0" g="0" b="0"/>
+          </a:effectRef>
+          <a:fontRef idx="minor"/>
+        </p:style>
+        <p:txBody>
+          <a:bodyPr lIns="52200" tIns="52200" rIns="52200" bIns="52200" anchor="ctr"/>
+          <a:lstStyle/>
+          <a:p>
+            <a:pPr algn="ctr">
+              <a:lnSpc>
+                <a:spcPct val="100000"/>
+              </a:lnSpc>
+            </a:pPr>
+            <a:r>
+              <a:rPr lang="en-US" sz="5400" b="1" u="sng" strike="noStrike" spc="-1">
+                <a:solidFill>
+                  <a:srgbClr val="385623"/>
+                </a:solidFill>
+                <a:uFill>
+                  <a:solidFill>
+                    <a:srgbClr val="FFFFFF"/>
+                  </a:solidFill>
+                </a:uFill>
+                <a:latin typeface="Calibri"/>
+                <a:ea typeface="DejaVu Sans"/>
+              </a:rPr>
+              <a:t>INTRODUCTION</a:t>
+            </a:r>
+            <a:endParaRPr lang="en-US" sz="1800" b="0" strike="noStrike" spc="-1">
+              <a:solidFill>
+                <a:srgbClr val="000000"/>
+              </a:solidFill>
+              <a:uFill>
+                <a:solidFill>
+                  <a:srgbClr val="FFFFFF"/>
+                </a:solidFill>
+              </a:uFill>
+              <a:latin typeface="Arial"/>
+            </a:endParaRPr>
+          </a:p>
+        </p:txBody>
+      </p:sp>
+      <p:sp>
+        <p:nvSpPr>
+          <p:cNvPr id="46" name="CustomShape 11"/>
+          <p:cNvSpPr/>
+          <p:nvPr/>
+        </p:nvSpPr>
+        <p:spPr>
+          <a:xfrm>
+            <a:off x="754200" y="17273160"/>
+            <a:ext cx="9874080" cy="15073920"/>
+          </a:xfrm>
+          <a:prstGeom prst="rect">
+            <a:avLst/>
+          </a:prstGeom>
+          <a:noFill/>
+          <a:ln>
+            <a:noFill/>
+          </a:ln>
+        </p:spPr>
+        <p:style>
+          <a:lnRef idx="0">
+            <a:scrgbClr r="0" g="0" b="0"/>
+          </a:lnRef>
+          <a:fillRef idx="0">
+            <a:scrgbClr r="0" g="0" b="0"/>
+          </a:fillRef>
+          <a:effectRef idx="0">
+            <a:scrgbClr r="0" g="0" b="0"/>
+          </a:effectRef>
+          <a:fontRef idx="minor"/>
+        </p:style>
+        <p:txBody>
+          <a:bodyPr lIns="130680" tIns="130680" rIns="130680" bIns="130680"/>
+          <a:lstStyle/>
+          <a:p>
+            <a:pPr marL="216000" indent="-214920">
+              <a:lnSpc>
+                <a:spcPct val="100000"/>
+              </a:lnSpc>
+              <a:buClr>
+                <a:srgbClr val="000000"/>
+              </a:buClr>
+              <a:buSzPct val="45000"/>
+              <a:buFont typeface="Wingdings" charset="2"/>
+              <a:buChar char=""/>
+            </a:pPr>
+            <a:r>
+              <a:rPr lang="en-US" sz="3600" b="0" strike="noStrike" spc="-1">
+                <a:solidFill>
+                  <a:srgbClr val="000000"/>
+                </a:solidFill>
+                <a:uFill>
+                  <a:solidFill>
+                    <a:srgbClr val="FFFFFF"/>
+                  </a:solidFill>
+                </a:uFill>
+                <a:latin typeface="Trebuchet MS"/>
+                <a:ea typeface="DejaVu Sans"/>
+              </a:rPr>
+              <a:t>Represent verbose domain-specific queries based on weighted unigram, bigram, and multi-term concepts in the query itself, as well as extracted from the top retrieved documents and external knowledge bases</a:t>
             </a:r>
             <a:endParaRPr lang="en-US" sz="1800" b="0" strike="noStrike" spc="-1">
               <a:solidFill>
@@ -2632,6 +2875,45 @@
             </a:endParaRPr>
           </a:p>
           <a:p>
+            <a:pPr marL="216000" indent="-214920">
+              <a:lnSpc>
+                <a:spcPct val="100000"/>
+              </a:lnSpc>
+              <a:buClr>
+                <a:srgbClr val="000000"/>
+              </a:buClr>
+              <a:buSzPct val="45000"/>
+              <a:buFont typeface="Wingdings" charset="2"/>
+              <a:buChar char=""/>
+            </a:pPr>
+            <a:r>
+              <a:rPr lang="en-US" sz="3600" b="0" strike="noStrike" spc="-1">
+                <a:solidFill>
+                  <a:srgbClr val="000000"/>
+                </a:solidFill>
+                <a:uFill>
+                  <a:solidFill>
+                    <a:srgbClr val="FFFFFF"/>
+                  </a:solidFill>
+                </a:uFill>
+                <a:latin typeface="Trebuchet MS"/>
+                <a:ea typeface="DejaVu Sans"/>
+              </a:rPr>
+              <a:t>Unify query analysis and expansion by jointly determining the importance weights for the query and expansion concepts depending on their type and source</a:t>
+            </a:r>
+            <a:endParaRPr lang="en-US" sz="1800" b="0" strike="noStrike" spc="-1">
+              <a:solidFill>
+                <a:srgbClr val="000000"/>
+              </a:solidFill>
+              <a:uFill>
+                <a:solidFill>
+                  <a:srgbClr val="FFFFFF"/>
+                </a:solidFill>
+              </a:uFill>
+              <a:latin typeface="Arial"/>
+            </a:endParaRPr>
+          </a:p>
+          <a:p>
             <a:pPr>
               <a:lnSpc>
                 <a:spcPct val="100000"/>
@@ -2650,6 +2932,24 @@
             </a:endParaRPr>
           </a:p>
           <a:p>
+            <a:pPr>
+              <a:lnSpc>
+                <a:spcPct val="100000"/>
+              </a:lnSpc>
+            </a:pPr>
+            <a:endParaRPr lang="en-US" sz="1800" b="0" strike="noStrike" spc="-1">
+              <a:solidFill>
+                <a:srgbClr val="000000"/>
+              </a:solidFill>
+              <a:uFill>
+                <a:solidFill>
+                  <a:srgbClr val="FFFFFF"/>
+                </a:solidFill>
+              </a:uFill>
+              <a:latin typeface="Arial"/>
+            </a:endParaRPr>
+          </a:p>
+          <a:p>
             <a:pPr marL="216000" indent="-214920">
               <a:lnSpc>
                 <a:spcPct val="100000"/>
@@ -2664,7 +2964,7 @@
             <a:r>
               <a:rPr lang="en-US" sz="3600" b="0" strike="noStrike" spc="-1">
                 <a:solidFill>
-                  <a:srgbClr val="000000"/>
+                  <a:srgbClr val="FF0000"/>
                 </a:solidFill>
                 <a:uFill>
                   <a:solidFill>
@@ -2674,7 +2974,7 @@
                 <a:latin typeface="Trebuchet MS"/>
                 <a:ea typeface="DejaVu Sans"/>
               </a:rPr>
-              <a:t>Proper representation of these aspects often requires query analysis to identify the most important query concepts as well as query transformation by adding new concepts to a query, which can be extracted from the top retrieved documents or medical knowledge bases.</a:t>
+              <a:t>Example:</a:t>
             </a:r>
             <a:endParaRPr lang="en-US" sz="1800" b="0" strike="noStrike" spc="-1">
               <a:solidFill>
@@ -2688,17 +2988,209 @@
               <a:latin typeface="Arial"/>
             </a:endParaRPr>
           </a:p>
+          <a:p>
+            <a:pPr marL="432000" lvl="1" indent="-214920">
+              <a:lnSpc>
+                <a:spcPct val="100000"/>
+              </a:lnSpc>
+              <a:buClr>
+                <a:srgbClr val="000000"/>
+              </a:buClr>
+              <a:buSzPct val="45000"/>
+              <a:buFont typeface="Wingdings" charset="2"/>
+              <a:buChar char=""/>
+            </a:pPr>
+            <a:r>
+              <a:rPr lang="en-US" sz="3600" b="0" strike="noStrike" spc="-1">
+                <a:solidFill>
+                  <a:srgbClr val="000000"/>
+                </a:solidFill>
+                <a:uFill>
+                  <a:solidFill>
+                    <a:srgbClr val="FFFFFF"/>
+                  </a:solidFill>
+                </a:uFill>
+                <a:latin typeface="Trebuchet MS"/>
+                <a:ea typeface="DejaVu Sans"/>
+              </a:rPr>
+              <a:t> </a:t>
+            </a:r>
+            <a:r>
+              <a:rPr lang="en-US" sz="3600" b="0" strike="noStrike" spc="-1">
+                <a:solidFill>
+                  <a:srgbClr val="FF0000"/>
+                </a:solidFill>
+                <a:uFill>
+                  <a:solidFill>
+                    <a:srgbClr val="FFFFFF"/>
+                  </a:solidFill>
+                </a:uFill>
+                <a:latin typeface="Trebuchet MS"/>
+                <a:ea typeface="DejaVu Sans"/>
+              </a:rPr>
+              <a:t>Query:</a:t>
+            </a:r>
+            <a:r>
+              <a:rPr lang="en-US" sz="3600" b="0" strike="noStrike" spc="-1">
+                <a:solidFill>
+                  <a:srgbClr val="000000"/>
+                </a:solidFill>
+                <a:uFill>
+                  <a:solidFill>
+                    <a:srgbClr val="FFFFFF"/>
+                  </a:solidFill>
+                </a:uFill>
+                <a:latin typeface="Trebuchet MS"/>
+                <a:ea typeface="DejaVu Sans"/>
+              </a:rPr>
+              <a:t> 33-year-old male presents with severe abdominal pain one week after a bike accident, in which he sustained abdominal trauma. He is hypotensive and tachycardic, and imaging reveals a ruptured spleen and intraperitoneal hemorrhage </a:t>
+            </a:r>
+            <a:endParaRPr lang="en-US" sz="1800" b="0" strike="noStrike" spc="-1">
+              <a:solidFill>
+                <a:srgbClr val="000000"/>
+              </a:solidFill>
+              <a:uFill>
+                <a:solidFill>
+                  <a:srgbClr val="FFFFFF"/>
+                </a:solidFill>
+              </a:uFill>
+              <a:latin typeface="Arial"/>
+            </a:endParaRPr>
+          </a:p>
+          <a:p>
+            <a:pPr marL="432000" lvl="1" indent="-214920">
+              <a:lnSpc>
+                <a:spcPct val="100000"/>
+              </a:lnSpc>
+              <a:buClr>
+                <a:srgbClr val="000000"/>
+              </a:buClr>
+              <a:buSzPct val="45000"/>
+              <a:buFont typeface="Wingdings" charset="2"/>
+              <a:buChar char=""/>
+            </a:pPr>
+            <a:r>
+              <a:rPr lang="en-US" sz="3600" b="0" strike="noStrike" spc="-1">
+                <a:solidFill>
+                  <a:srgbClr val="FF0000"/>
+                </a:solidFill>
+                <a:uFill>
+                  <a:solidFill>
+                    <a:srgbClr val="FFFFFF"/>
+                  </a:solidFill>
+                </a:uFill>
+                <a:latin typeface="Trebuchet MS"/>
+                <a:ea typeface="DejaVu Sans"/>
+              </a:rPr>
+              <a:t> Explicit concepts: </a:t>
+            </a:r>
+            <a:r>
+              <a:rPr lang="en-US" sz="3600" b="0" strike="noStrike" spc="-1">
+                <a:solidFill>
+                  <a:srgbClr val="000000"/>
+                </a:solidFill>
+                <a:uFill>
+                  <a:solidFill>
+                    <a:srgbClr val="FFFFFF"/>
+                  </a:solidFill>
+                </a:uFill>
+                <a:latin typeface="Trebuchet MS"/>
+                <a:ea typeface="DejaVu Sans"/>
+              </a:rPr>
+              <a:t>“bike accident”, “abdominal trauma”, “tachycardia”, “splenic rupture”, “intraperitoneal hemorrhage” </a:t>
+            </a:r>
+            <a:endParaRPr lang="en-US" sz="1800" b="0" strike="noStrike" spc="-1">
+              <a:solidFill>
+                <a:srgbClr val="000000"/>
+              </a:solidFill>
+              <a:uFill>
+                <a:solidFill>
+                  <a:srgbClr val="FFFFFF"/>
+                </a:solidFill>
+              </a:uFill>
+              <a:latin typeface="Arial"/>
+            </a:endParaRPr>
+          </a:p>
+          <a:p>
+            <a:pPr marL="432000" lvl="1" indent="-214920">
+              <a:lnSpc>
+                <a:spcPct val="100000"/>
+              </a:lnSpc>
+              <a:buClr>
+                <a:srgbClr val="000000"/>
+              </a:buClr>
+              <a:buSzPct val="45000"/>
+              <a:buFont typeface="Wingdings" charset="2"/>
+              <a:buChar char=""/>
+            </a:pPr>
+            <a:r>
+              <a:rPr lang="en-US" sz="3600" b="0" strike="noStrike" spc="-1">
+                <a:solidFill>
+                  <a:srgbClr val="000000"/>
+                </a:solidFill>
+                <a:uFill>
+                  <a:solidFill>
+                    <a:srgbClr val="FFFFFF"/>
+                  </a:solidFill>
+                </a:uFill>
+                <a:latin typeface="Trebuchet MS"/>
+                <a:ea typeface="DejaVu Sans"/>
+              </a:rPr>
+              <a:t> </a:t>
+            </a:r>
+            <a:r>
+              <a:rPr lang="en-US" sz="3600" b="0" strike="noStrike" spc="-1">
+                <a:solidFill>
+                  <a:srgbClr val="FF0000"/>
+                </a:solidFill>
+                <a:uFill>
+                  <a:solidFill>
+                    <a:srgbClr val="FFFFFF"/>
+                  </a:solidFill>
+                </a:uFill>
+                <a:latin typeface="Trebuchet MS"/>
+                <a:ea typeface="DejaVu Sans"/>
+              </a:rPr>
+              <a:t>Latent concepts: </a:t>
+            </a:r>
+            <a:r>
+              <a:rPr lang="en-US" sz="3600" b="0" strike="noStrike" spc="-1">
+                <a:solidFill>
+                  <a:srgbClr val="000000"/>
+                </a:solidFill>
+                <a:uFill>
+                  <a:solidFill>
+                    <a:srgbClr val="FFFFFF"/>
+                  </a:solidFill>
+                </a:uFill>
+                <a:latin typeface="Trebuchet MS"/>
+                <a:ea typeface="DejaVu Sans"/>
+              </a:rPr>
+              <a:t>“splenic trauma”, “Injury of spleen”, “Traffic accidents”</a:t>
+            </a:r>
+            <a:endParaRPr lang="en-US" sz="1800" b="0" strike="noStrike" spc="-1">
+              <a:solidFill>
+                <a:srgbClr val="000000"/>
+              </a:solidFill>
+              <a:uFill>
+                <a:solidFill>
+                  <a:srgbClr val="FFFFFF"/>
+                </a:solidFill>
+              </a:uFill>
+              <a:latin typeface="Arial"/>
+            </a:endParaRPr>
+          </a:p>
         </p:txBody>
       </p:sp>
       <p:sp>
         <p:nvSpPr>
-          <p:cNvPr id="45" name="CustomShape 10"/>
+          <p:cNvPr id="47" name="CustomShape 12"/>
           <p:cNvSpPr/>
           <p:nvPr/>
         </p:nvSpPr>
         <p:spPr>
           <a:xfrm>
-            <a:off x="504720" y="6724440"/>
+            <a:off x="504720" y="16274520"/>
             <a:ext cx="10383480" cy="927000"/>
           </a:xfrm>
           <a:prstGeom prst="rect">
@@ -2743,7 +3235,7 @@
                 <a:latin typeface="Calibri"/>
                 <a:ea typeface="DejaVu Sans"/>
               </a:rPr>
-              <a:t>INTRODUCTION</a:t>
+              <a:t>OBJECTIVES</a:t>
             </a:r>
             <a:endParaRPr lang="en-US" sz="1800" b="0" strike="noStrike" spc="-1">
               <a:solidFill>
@@ -2761,14 +3253,14 @@
       </p:sp>
       <p:sp>
         <p:nvSpPr>
-          <p:cNvPr id="46" name="CustomShape 11"/>
+          <p:cNvPr id="48" name="CustomShape 13"/>
           <p:cNvSpPr/>
           <p:nvPr/>
         </p:nvSpPr>
         <p:spPr>
           <a:xfrm>
-            <a:off x="754200" y="17273160"/>
-            <a:ext cx="9874080" cy="15073920"/>
+            <a:off x="11628720" y="7633440"/>
+            <a:ext cx="10092960" cy="3003840"/>
           </a:xfrm>
           <a:prstGeom prst="rect">
             <a:avLst/>
@@ -2794,76 +3286,13 @@
           <a:bodyPr lIns="130680" tIns="130680" rIns="130680" bIns="130680"/>
           <a:lstStyle/>
           <a:p>
-            <a:pPr marL="216000" indent="-214920">
-              <a:lnSpc>
-                <a:spcPct val="100000"/>
-              </a:lnSpc>
-              <a:buClr>
-                <a:srgbClr val="000000"/>
-              </a:buClr>
-              <a:buSzPct val="45000"/>
-              <a:buFont typeface="Wingdings" charset="2"/>
-              <a:buChar char=""/>
-            </a:pPr>
-            <a:r>
-              <a:rPr lang="en-US" sz="3600" b="0" strike="noStrike" spc="-1">
-                <a:solidFill>
-                  <a:srgbClr val="000000"/>
-                </a:solidFill>
-                <a:uFill>
-                  <a:solidFill>
-                    <a:srgbClr val="FFFFFF"/>
-                  </a:solidFill>
-                </a:uFill>
-                <a:latin typeface="Trebuchet MS"/>
-                <a:ea typeface="DejaVu Sans"/>
-              </a:rPr>
-              <a:t>Represent verbose domain-specific queries based on weighted unigram, bigram, and multi-term concepts in the query itself, as well as extracted from the top retrieved documents and external knowledge bases</a:t>
-            </a:r>
-            <a:endParaRPr lang="en-US" sz="1800" b="0" strike="noStrike" spc="-1">
-              <a:solidFill>
-                <a:srgbClr val="000000"/>
-              </a:solidFill>
-              <a:uFill>
-                <a:solidFill>
-                  <a:srgbClr val="FFFFFF"/>
-                </a:solidFill>
-              </a:uFill>
-              <a:latin typeface="Arial"/>
-            </a:endParaRPr>
-          </a:p>
-          <a:p>
             <a:pPr>
               <a:lnSpc>
                 <a:spcPct val="100000"/>
               </a:lnSpc>
             </a:pPr>
-            <a:endParaRPr lang="en-US" sz="1800" b="0" strike="noStrike" spc="-1">
-              <a:solidFill>
-                <a:srgbClr val="000000"/>
-              </a:solidFill>
-              <a:uFill>
-                <a:solidFill>
-                  <a:srgbClr val="FFFFFF"/>
-                </a:solidFill>
-              </a:uFill>
-              <a:latin typeface="Arial"/>
-            </a:endParaRPr>
-          </a:p>
-          <a:p>
-            <a:pPr marL="216000" indent="-214920">
-              <a:lnSpc>
-                <a:spcPct val="100000"/>
-              </a:lnSpc>
-              <a:buClr>
-                <a:srgbClr val="000000"/>
-              </a:buClr>
-              <a:buSzPct val="45000"/>
-              <a:buFont typeface="Wingdings" charset="2"/>
-              <a:buChar char=""/>
-            </a:pPr>
-            <a:r>
-              <a:rPr lang="en-US" sz="3600" b="0" strike="noStrike" spc="-1">
+            <a:r>
+              <a:rPr lang="en-US" sz="3600" b="0" strike="noStrike" spc="-1" dirty="0">
                 <a:solidFill>
                   <a:srgbClr val="000000"/>
                 </a:solidFill>
@@ -2875,276 +3304,9 @@
                 <a:latin typeface="Trebuchet MS"/>
                 <a:ea typeface="DejaVu Sans"/>
               </a:rPr>
-              <a:t>Unify query analysis and expansion by jointly determining the importance weights for the query and expansion concepts depending on their type and source</a:t>
-            </a:r>
-            <a:endParaRPr lang="en-US" sz="1800" b="0" strike="noStrike" spc="-1">
-              <a:solidFill>
-                <a:srgbClr val="000000"/>
-              </a:solidFill>
-              <a:uFill>
-                <a:solidFill>
-                  <a:srgbClr val="FFFFFF"/>
-                </a:solidFill>
-              </a:uFill>
-              <a:latin typeface="Arial"/>
-            </a:endParaRPr>
-          </a:p>
-          <a:p>
-            <a:pPr>
-              <a:lnSpc>
-                <a:spcPct val="100000"/>
-              </a:lnSpc>
-            </a:pPr>
-            <a:endParaRPr lang="en-US" sz="1800" b="0" strike="noStrike" spc="-1">
-              <a:solidFill>
-                <a:srgbClr val="000000"/>
-              </a:solidFill>
-              <a:uFill>
-                <a:solidFill>
-                  <a:srgbClr val="FFFFFF"/>
-                </a:solidFill>
-              </a:uFill>
-              <a:latin typeface="Arial"/>
-            </a:endParaRPr>
-          </a:p>
-          <a:p>
-            <a:pPr>
-              <a:lnSpc>
-                <a:spcPct val="100000"/>
-              </a:lnSpc>
-            </a:pPr>
-            <a:endParaRPr lang="en-US" sz="1800" b="0" strike="noStrike" spc="-1">
-              <a:solidFill>
-                <a:srgbClr val="000000"/>
-              </a:solidFill>
-              <a:uFill>
-                <a:solidFill>
-                  <a:srgbClr val="FFFFFF"/>
-                </a:solidFill>
-              </a:uFill>
-              <a:latin typeface="Arial"/>
-            </a:endParaRPr>
-          </a:p>
-          <a:p>
-            <a:pPr marL="216000" indent="-214920">
-              <a:lnSpc>
-                <a:spcPct val="100000"/>
-              </a:lnSpc>
-              <a:buClr>
-                <a:srgbClr val="000000"/>
-              </a:buClr>
-              <a:buSzPct val="45000"/>
-              <a:buFont typeface="Wingdings" charset="2"/>
-              <a:buChar char=""/>
-            </a:pPr>
-            <a:r>
-              <a:rPr lang="en-US" sz="3600" b="0" strike="noStrike" spc="-1">
-                <a:solidFill>
-                  <a:srgbClr val="FF0000"/>
-                </a:solidFill>
-                <a:uFill>
-                  <a:solidFill>
-                    <a:srgbClr val="FFFFFF"/>
-                  </a:solidFill>
-                </a:uFill>
-                <a:latin typeface="Trebuchet MS"/>
-                <a:ea typeface="DejaVu Sans"/>
-              </a:rPr>
-              <a:t>Example:</a:t>
-            </a:r>
-            <a:endParaRPr lang="en-US" sz="1800" b="0" strike="noStrike" spc="-1">
-              <a:solidFill>
-                <a:srgbClr val="000000"/>
-              </a:solidFill>
-              <a:uFill>
-                <a:solidFill>
-                  <a:srgbClr val="FFFFFF"/>
-                </a:solidFill>
-              </a:uFill>
-              <a:latin typeface="Arial"/>
-            </a:endParaRPr>
-          </a:p>
-          <a:p>
-            <a:pPr marL="432000" lvl="1" indent="-214920">
-              <a:lnSpc>
-                <a:spcPct val="100000"/>
-              </a:lnSpc>
-              <a:buClr>
-                <a:srgbClr val="000000"/>
-              </a:buClr>
-              <a:buSzPct val="45000"/>
-              <a:buFont typeface="Wingdings" charset="2"/>
-              <a:buChar char=""/>
-            </a:pPr>
-            <a:r>
-              <a:rPr lang="en-US" sz="3600" b="0" strike="noStrike" spc="-1">
-                <a:solidFill>
-                  <a:srgbClr val="000000"/>
-                </a:solidFill>
-                <a:uFill>
-                  <a:solidFill>
-                    <a:srgbClr val="FFFFFF"/>
-                  </a:solidFill>
-                </a:uFill>
-                <a:latin typeface="Trebuchet MS"/>
-                <a:ea typeface="DejaVu Sans"/>
-              </a:rPr>
-              <a:t> </a:t>
-            </a:r>
-            <a:r>
-              <a:rPr lang="en-US" sz="3600" b="0" strike="noStrike" spc="-1">
-                <a:solidFill>
-                  <a:srgbClr val="FF0000"/>
-                </a:solidFill>
-                <a:uFill>
-                  <a:solidFill>
-                    <a:srgbClr val="FFFFFF"/>
-                  </a:solidFill>
-                </a:uFill>
-                <a:latin typeface="Trebuchet MS"/>
-                <a:ea typeface="DejaVu Sans"/>
-              </a:rPr>
-              <a:t>Query:</a:t>
-            </a:r>
-            <a:r>
-              <a:rPr lang="en-US" sz="3600" b="0" strike="noStrike" spc="-1">
-                <a:solidFill>
-                  <a:srgbClr val="000000"/>
-                </a:solidFill>
-                <a:uFill>
-                  <a:solidFill>
-                    <a:srgbClr val="FFFFFF"/>
-                  </a:solidFill>
-                </a:uFill>
-                <a:latin typeface="Trebuchet MS"/>
-                <a:ea typeface="DejaVu Sans"/>
-              </a:rPr>
-              <a:t> 33-year-old male presents with severe abdominal pain one week after a bike accident, in which he sustained abdominal trauma. He is hypotensive and tachycardic, and imaging reveals a ruptured spleen and intraperitoneal hemorrhage </a:t>
-            </a:r>
-            <a:endParaRPr lang="en-US" sz="1800" b="0" strike="noStrike" spc="-1">
-              <a:solidFill>
-                <a:srgbClr val="000000"/>
-              </a:solidFill>
-              <a:uFill>
-                <a:solidFill>
-                  <a:srgbClr val="FFFFFF"/>
-                </a:solidFill>
-              </a:uFill>
-              <a:latin typeface="Arial"/>
-            </a:endParaRPr>
-          </a:p>
-          <a:p>
-            <a:pPr marL="432000" lvl="1" indent="-214920">
-              <a:lnSpc>
-                <a:spcPct val="100000"/>
-              </a:lnSpc>
-              <a:buClr>
-                <a:srgbClr val="000000"/>
-              </a:buClr>
-              <a:buSzPct val="45000"/>
-              <a:buFont typeface="Wingdings" charset="2"/>
-              <a:buChar char=""/>
-            </a:pPr>
-            <a:r>
-              <a:rPr lang="en-US" sz="3600" b="0" strike="noStrike" spc="-1">
-                <a:solidFill>
-                  <a:srgbClr val="FF0000"/>
-                </a:solidFill>
-                <a:uFill>
-                  <a:solidFill>
-                    <a:srgbClr val="FFFFFF"/>
-                  </a:solidFill>
-                </a:uFill>
-                <a:latin typeface="Trebuchet MS"/>
-                <a:ea typeface="DejaVu Sans"/>
-              </a:rPr>
-              <a:t> Explicit concepts: </a:t>
-            </a:r>
-            <a:r>
-              <a:rPr lang="en-US" sz="3600" b="0" strike="noStrike" spc="-1">
-                <a:solidFill>
-                  <a:srgbClr val="000000"/>
-                </a:solidFill>
-                <a:uFill>
-                  <a:solidFill>
-                    <a:srgbClr val="FFFFFF"/>
-                  </a:solidFill>
-                </a:uFill>
-                <a:latin typeface="Trebuchet MS"/>
-                <a:ea typeface="DejaVu Sans"/>
-              </a:rPr>
-              <a:t>“bike accident”, “abdominal trauma”, “tachycardia”, “splenic rupture”, “intraperitoneal hemorrhage” </a:t>
-            </a:r>
-            <a:endParaRPr lang="en-US" sz="1800" b="0" strike="noStrike" spc="-1">
-              <a:solidFill>
-                <a:srgbClr val="000000"/>
-              </a:solidFill>
-              <a:uFill>
-                <a:solidFill>
-                  <a:srgbClr val="FFFFFF"/>
-                </a:solidFill>
-              </a:uFill>
-              <a:latin typeface="Arial"/>
-            </a:endParaRPr>
-          </a:p>
-          <a:p>
-            <a:pPr marL="432000" lvl="1" indent="-214920">
-              <a:lnSpc>
-                <a:spcPct val="100000"/>
-              </a:lnSpc>
-              <a:buClr>
-                <a:srgbClr val="000000"/>
-              </a:buClr>
-              <a:buSzPct val="45000"/>
-              <a:buFont typeface="Wingdings" charset="2"/>
-              <a:buChar char=""/>
-            </a:pPr>
-            <a:r>
-              <a:rPr lang="en-US" sz="3600" b="0" strike="noStrike" spc="-1">
-                <a:solidFill>
-                  <a:srgbClr val="000000"/>
-                </a:solidFill>
-                <a:uFill>
-                  <a:solidFill>
-                    <a:srgbClr val="FFFFFF"/>
-                  </a:solidFill>
-                </a:uFill>
-                <a:latin typeface="Trebuchet MS"/>
-                <a:ea typeface="DejaVu Sans"/>
-              </a:rPr>
-              <a:t> </a:t>
-            </a:r>
-            <a:r>
-              <a:rPr lang="en-US" sz="3600" b="0" strike="noStrike" spc="-1">
-                <a:solidFill>
-                  <a:srgbClr val="FF0000"/>
-                </a:solidFill>
-                <a:uFill>
-                  <a:solidFill>
-                    <a:srgbClr val="FFFFFF"/>
-                  </a:solidFill>
-                </a:uFill>
-                <a:latin typeface="Trebuchet MS"/>
-                <a:ea typeface="DejaVu Sans"/>
-              </a:rPr>
-              <a:t>Latent concepts: </a:t>
-            </a:r>
-            <a:r>
-              <a:rPr lang="en-US" sz="3600" b="0" strike="noStrike" spc="-1">
-                <a:solidFill>
-                  <a:srgbClr val="000000"/>
-                </a:solidFill>
-                <a:uFill>
-                  <a:solidFill>
-                    <a:srgbClr val="FFFFFF"/>
-                  </a:solidFill>
-                </a:uFill>
-                <a:latin typeface="Trebuchet MS"/>
-                <a:ea typeface="DejaVu Sans"/>
-              </a:rPr>
-              <a:t>“splenic trauma”, “Injury of spleen”, “Traffic accidents”</a:t>
-            </a:r>
-            <a:endParaRPr lang="en-US" sz="1800" b="0" strike="noStrike" spc="-1">
+              <a:t>Leverage Graduated Non-Convexity Optimization (GNC) method to jointly determine the importance weights for the query and expansion concepts depending on their type and source:</a:t>
+            </a:r>
+            <a:endParaRPr lang="en-US" sz="1800" b="0" strike="noStrike" spc="-1" dirty="0">
               <a:solidFill>
                 <a:srgbClr val="000000"/>
               </a:solidFill>
@@ -3160,13 +3322,13 @@
       </p:sp>
       <p:sp>
         <p:nvSpPr>
-          <p:cNvPr id="47" name="CustomShape 12"/>
+          <p:cNvPr id="49" name="CustomShape 14"/>
           <p:cNvSpPr/>
           <p:nvPr/>
         </p:nvSpPr>
         <p:spPr>
           <a:xfrm>
-            <a:off x="504720" y="16274520"/>
+            <a:off x="11337840" y="6726960"/>
             <a:ext cx="10383480" cy="927000"/>
           </a:xfrm>
           <a:prstGeom prst="rect">
@@ -3199,7 +3361,7 @@
               </a:lnSpc>
             </a:pPr>
             <a:r>
-              <a:rPr lang="en-US" sz="5400" b="1" u="sng" strike="noStrike" spc="-1">
+              <a:rPr lang="en-US" sz="5400" b="1" u="sng" strike="noStrike" spc="-1" dirty="0">
                 <a:solidFill>
                   <a:srgbClr val="385623"/>
                 </a:solidFill>
@@ -3211,147 +3373,9 @@
                 <a:latin typeface="Calibri"/>
                 <a:ea typeface="DejaVu Sans"/>
               </a:rPr>
-              <a:t>OBJECTIVES</a:t>
-            </a:r>
-            <a:endParaRPr lang="en-US" sz="1800" b="0" strike="noStrike" spc="-1">
-              <a:solidFill>
-                <a:srgbClr val="000000"/>
-              </a:solidFill>
-              <a:uFill>
-                <a:solidFill>
-                  <a:srgbClr val="FFFFFF"/>
-                </a:solidFill>
-              </a:uFill>
-              <a:latin typeface="Arial"/>
-            </a:endParaRPr>
-          </a:p>
-        </p:txBody>
-      </p:sp>
-      <p:sp>
-        <p:nvSpPr>
-          <p:cNvPr id="48" name="CustomShape 13"/>
-          <p:cNvSpPr/>
-          <p:nvPr/>
-        </p:nvSpPr>
-        <p:spPr>
-          <a:xfrm>
-            <a:off x="11628720" y="7633440"/>
-            <a:ext cx="10092960" cy="3003840"/>
-          </a:xfrm>
-          <a:prstGeom prst="rect">
-            <a:avLst/>
-          </a:prstGeom>
-          <a:noFill/>
-          <a:ln>
-            <a:noFill/>
-          </a:ln>
-        </p:spPr>
-        <p:style>
-          <a:lnRef idx="0">
-            <a:scrgbClr r="0" g="0" b="0"/>
-          </a:lnRef>
-          <a:fillRef idx="0">
-            <a:scrgbClr r="0" g="0" b="0"/>
-          </a:fillRef>
-          <a:effectRef idx="0">
-            <a:scrgbClr r="0" g="0" b="0"/>
-          </a:effectRef>
-          <a:fontRef idx="minor"/>
-        </p:style>
-        <p:txBody>
-          <a:bodyPr lIns="130680" tIns="130680" rIns="130680" bIns="130680"/>
-          <a:lstStyle/>
-          <a:p>
-            <a:pPr>
-              <a:lnSpc>
-                <a:spcPct val="100000"/>
-              </a:lnSpc>
-            </a:pPr>
-            <a:r>
-              <a:rPr lang="en-US" sz="3600" b="0" strike="noStrike" spc="-1">
-                <a:solidFill>
-                  <a:srgbClr val="000000"/>
-                </a:solidFill>
-                <a:uFill>
-                  <a:solidFill>
-                    <a:srgbClr val="FFFFFF"/>
-                  </a:solidFill>
-                </a:uFill>
-                <a:latin typeface="Trebuchet MS"/>
-                <a:ea typeface="DejaVu Sans"/>
-              </a:rPr>
-              <a:t>Leverage Graduated Non-Convexity Optimization (GNC) method to jointly determine the importance weights for the query and expansion concepts depending on their type and source:</a:t>
-            </a:r>
-            <a:endParaRPr lang="en-US" sz="1800" b="0" strike="noStrike" spc="-1">
-              <a:solidFill>
-                <a:srgbClr val="000000"/>
-              </a:solidFill>
-              <a:uFill>
-                <a:solidFill>
-                  <a:srgbClr val="FFFFFF"/>
-                </a:solidFill>
-              </a:uFill>
-              <a:latin typeface="Arial"/>
-            </a:endParaRPr>
-          </a:p>
-        </p:txBody>
-      </p:sp>
-      <p:sp>
-        <p:nvSpPr>
-          <p:cNvPr id="49" name="CustomShape 14"/>
-          <p:cNvSpPr/>
-          <p:nvPr/>
-        </p:nvSpPr>
-        <p:spPr>
-          <a:xfrm>
-            <a:off x="11337840" y="6726960"/>
-            <a:ext cx="10383480" cy="927000"/>
-          </a:xfrm>
-          <a:prstGeom prst="rect">
-            <a:avLst/>
-          </a:prstGeom>
-          <a:noFill/>
-          <a:ln>
-            <a:noFill/>
-          </a:ln>
-        </p:spPr>
-        <p:style>
-          <a:lnRef idx="0">
-            <a:scrgbClr r="0" g="0" b="0"/>
-          </a:lnRef>
-          <a:fillRef idx="0">
-            <a:scrgbClr r="0" g="0" b="0"/>
-          </a:fillRef>
-          <a:effectRef idx="0">
-            <a:scrgbClr r="0" g="0" b="0"/>
-          </a:effectRef>
-          <a:fontRef idx="minor"/>
-        </p:style>
-        <p:txBody>
-          <a:bodyPr lIns="52200" tIns="52200" rIns="52200" bIns="52200" anchor="ctr"/>
-          <a:lstStyle/>
-          <a:p>
-            <a:pPr algn="ctr">
-              <a:lnSpc>
-                <a:spcPct val="100000"/>
-              </a:lnSpc>
-            </a:pPr>
-            <a:r>
-              <a:rPr lang="en-US" sz="5400" b="1" u="sng" strike="noStrike" spc="-1">
-                <a:solidFill>
-                  <a:srgbClr val="385623"/>
-                </a:solidFill>
-                <a:uFill>
-                  <a:solidFill>
-                    <a:srgbClr val="FFFFFF"/>
-                  </a:solidFill>
-                </a:uFill>
-                <a:latin typeface="Calibri"/>
-                <a:ea typeface="DejaVu Sans"/>
-              </a:rPr>
               <a:t>MATERIALS &amp; METHODS</a:t>
             </a:r>
-            <a:endParaRPr lang="en-US" sz="1800" b="0" strike="noStrike" spc="-1">
+            <a:endParaRPr lang="en-US" sz="1800" b="0" strike="noStrike" spc="-1" dirty="0">
               <a:solidFill>
                 <a:srgbClr val="000000"/>
               </a:solidFill>

--- a/pptx-version/main.pptx
+++ b/pptx-version/main.pptx
@@ -2221,6 +2221,23 @@
                 <a:spcPct val="100000"/>
               </a:lnSpc>
             </a:pPr>
+            <a:endParaRPr lang="en-US" b="1" spc="-1" dirty="0">
+              <a:solidFill>
+                <a:srgbClr val="FFFFFF"/>
+              </a:solidFill>
+              <a:uFill>
+                <a:solidFill>
+                  <a:srgbClr val="FFFFFF"/>
+                </a:solidFill>
+              </a:uFill>
+            </a:endParaRPr>
+          </a:p>
+          <a:p>
+            <a:pPr algn="ctr">
+              <a:lnSpc>
+                <a:spcPct val="100000"/>
+              </a:lnSpc>
+            </a:pPr>
             <a:r>
               <a:rPr lang="en-US" sz="3600" b="1" strike="noStrike" spc="-1" dirty="0">
                 <a:solidFill>
@@ -2686,7 +2703,7 @@
               <a:buChar char=""/>
             </a:pPr>
             <a:r>
-              <a:rPr lang="en-US" sz="3600" b="0" strike="noStrike" spc="-1">
+              <a:rPr lang="en-US" sz="3600" b="0" strike="noStrike" spc="-1" dirty="0">
                 <a:solidFill>
                   <a:srgbClr val="000000"/>
                 </a:solidFill>
@@ -2700,7 +2717,7 @@
               </a:rPr>
               <a:t>Proper representation of these aspects often requires query analysis to identify the most important query concepts as well as query transformation by adding new concepts to a query, which can be extracted from the top retrieved documents or medical knowledge bases.</a:t>
             </a:r>
-            <a:endParaRPr lang="en-US" sz="1800" b="0" strike="noStrike" spc="-1">
+            <a:endParaRPr lang="en-US" sz="1800" b="0" strike="noStrike" spc="-1" dirty="0">
               <a:solidFill>
                 <a:srgbClr val="000000"/>
               </a:solidFill>

--- a/pptx-version/main.pptx
+++ b/pptx-version/main.pptx
@@ -2064,60 +2064,6 @@
           <a:fontRef idx="minor"/>
         </p:style>
       </p:sp>
-      <p:sp>
-        <p:nvSpPr>
-          <p:cNvPr id="36" name="CustomShape 2"/>
-          <p:cNvSpPr/>
-          <p:nvPr/>
-        </p:nvSpPr>
-        <p:spPr>
-          <a:xfrm>
-            <a:off x="11721600" y="15293880"/>
-            <a:ext cx="4883760" cy="3824280"/>
-          </a:xfrm>
-          <a:prstGeom prst="rect">
-            <a:avLst/>
-          </a:prstGeom>
-          <a:solidFill>
-            <a:schemeClr val="bg1">
-              <a:lumMod val="95000"/>
-            </a:schemeClr>
-          </a:solidFill>
-          <a:ln>
-            <a:solidFill>
-              <a:schemeClr val="bg1">
-                <a:lumMod val="50000"/>
-              </a:schemeClr>
-            </a:solidFill>
-            <a:round/>
-          </a:ln>
-          <a:effectLst>
-            <a:glow rad="63500">
-              <a:schemeClr val="accent5">
-                <a:satMod val="175000"/>
-                <a:alpha val="40000"/>
-              </a:schemeClr>
-            </a:glow>
-            <a:outerShdw blurRad="40000" dist="20000" dir="5400000" rotWithShape="0">
-              <a:srgbClr val="000000">
-                <a:alpha val="38000"/>
-              </a:srgbClr>
-            </a:outerShdw>
-          </a:effectLst>
-        </p:spPr>
-        <p:style>
-          <a:lnRef idx="1">
-            <a:schemeClr val="accent5"/>
-          </a:lnRef>
-          <a:fillRef idx="2">
-            <a:schemeClr val="accent5"/>
-          </a:fillRef>
-          <a:effectRef idx="1">
-            <a:schemeClr val="accent5"/>
-          </a:effectRef>
-          <a:fontRef idx="minor"/>
-        </p:style>
-      </p:sp>
       <p:pic>
         <p:nvPicPr>
           <p:cNvPr id="37" name="Picture 10"/>
@@ -2589,8 +2535,8 @@
         </p:nvSpPr>
         <p:spPr>
           <a:xfrm>
-            <a:off x="754200" y="7633440"/>
-            <a:ext cx="9874080" cy="8489520"/>
+            <a:off x="718816" y="7344512"/>
+            <a:ext cx="9874080" cy="12165532"/>
           </a:xfrm>
           <a:prstGeom prst="rect">
             <a:avLst/>
@@ -2628,7 +2574,7 @@
               <a:buChar char=""/>
             </a:pPr>
             <a:r>
-              <a:rPr lang="en-US" sz="3600" b="0" strike="noStrike" spc="-1" dirty="0">
+              <a:rPr lang="en-US" sz="3600" spc="-1" dirty="0">
                 <a:solidFill>
                   <a:srgbClr val="000000"/>
                 </a:solidFill>
@@ -2640,8 +2586,191 @@
                 <a:latin typeface="Trebuchet MS"/>
                 <a:ea typeface="DejaVu Sans"/>
               </a:rPr>
-              <a:t>Accurately answering verbose queries that describe a clinical case and finding articles in a collection of medical literature requires capturing many explicit and latent aspects of complex information needs underlying such queries. </a:t>
-            </a:r>
+              <a:t>I</a:t>
+            </a:r>
+            <a:r>
+              <a:rPr lang="en-US" sz="3600" b="0" strike="noStrike" spc="-1" dirty="0">
+                <a:solidFill>
+                  <a:srgbClr val="000000"/>
+                </a:solidFill>
+                <a:uFill>
+                  <a:solidFill>
+                    <a:srgbClr val="FFFFFF"/>
+                  </a:solidFill>
+                </a:uFill>
+                <a:latin typeface="Trebuchet MS"/>
+                <a:ea typeface="DejaVu Sans"/>
+              </a:rPr>
+              <a:t>nformation retrieval component that can take a query describing a patient case and find relevant articles from collections of biomedical literature is an </a:t>
+            </a:r>
+            <a:r>
+              <a:rPr lang="en-US" sz="3600" spc="-1" dirty="0">
+                <a:solidFill>
+                  <a:srgbClr val="000000"/>
+                </a:solidFill>
+                <a:uFill>
+                  <a:solidFill>
+                    <a:srgbClr val="FFFFFF"/>
+                  </a:solidFill>
+                </a:uFill>
+                <a:latin typeface="Trebuchet MS"/>
+                <a:ea typeface="DejaVu Sans"/>
+              </a:rPr>
+              <a:t>important</a:t>
+            </a:r>
+            <a:r>
+              <a:rPr lang="en-US" sz="3600" b="0" strike="noStrike" spc="-1" dirty="0">
+                <a:solidFill>
+                  <a:srgbClr val="000000"/>
+                </a:solidFill>
+                <a:uFill>
+                  <a:solidFill>
+                    <a:srgbClr val="FFFFFF"/>
+                  </a:solidFill>
+                </a:uFill>
+                <a:latin typeface="Trebuchet MS"/>
+                <a:ea typeface="DejaVu Sans"/>
+              </a:rPr>
+              <a:t> part of clinical decision su</a:t>
+            </a:r>
+            <a:r>
+              <a:rPr lang="en-US" sz="3600" spc="-1" dirty="0">
+                <a:solidFill>
+                  <a:srgbClr val="000000"/>
+                </a:solidFill>
+                <a:uFill>
+                  <a:solidFill>
+                    <a:srgbClr val="FFFFFF"/>
+                  </a:solidFill>
+                </a:uFill>
+                <a:latin typeface="Trebuchet MS"/>
+                <a:ea typeface="DejaVu Sans"/>
+              </a:rPr>
+              <a:t>pport systems</a:t>
+            </a:r>
+            <a:endParaRPr lang="en-US" sz="3600" b="0" strike="noStrike" spc="-1" dirty="0">
+              <a:solidFill>
+                <a:srgbClr val="000000"/>
+              </a:solidFill>
+              <a:uFill>
+                <a:solidFill>
+                  <a:srgbClr val="FFFFFF"/>
+                </a:solidFill>
+              </a:uFill>
+              <a:latin typeface="Trebuchet MS"/>
+              <a:ea typeface="DejaVu Sans"/>
+            </a:endParaRPr>
+          </a:p>
+          <a:p>
+            <a:pPr marL="216000" indent="-214920">
+              <a:lnSpc>
+                <a:spcPct val="100000"/>
+              </a:lnSpc>
+              <a:buClr>
+                <a:srgbClr val="000000"/>
+              </a:buClr>
+              <a:buSzPct val="45000"/>
+              <a:buFont typeface="Wingdings" charset="2"/>
+              <a:buChar char=""/>
+            </a:pPr>
+            <a:r>
+              <a:rPr lang="en-US" sz="3600" b="0" strike="noStrike" spc="-1" dirty="0">
+                <a:solidFill>
+                  <a:srgbClr val="000000"/>
+                </a:solidFill>
+                <a:uFill>
+                  <a:solidFill>
+                    <a:srgbClr val="FFFFFF"/>
+                  </a:solidFill>
+                </a:uFill>
+                <a:latin typeface="Trebuchet MS"/>
+                <a:ea typeface="DejaVu Sans"/>
+              </a:rPr>
+              <a:t>Accurately answering </a:t>
+            </a:r>
+            <a:r>
+              <a:rPr lang="en-US" sz="3600" spc="-1" dirty="0">
+                <a:solidFill>
+                  <a:srgbClr val="000000"/>
+                </a:solidFill>
+                <a:uFill>
+                  <a:solidFill>
+                    <a:srgbClr val="FFFFFF"/>
+                  </a:solidFill>
+                </a:uFill>
+                <a:latin typeface="Trebuchet MS"/>
+                <a:ea typeface="DejaVu Sans"/>
+              </a:rPr>
+              <a:t>case-based queries </a:t>
+            </a:r>
+            <a:r>
+              <a:rPr lang="en-US" sz="3600" b="0" strike="noStrike" spc="-1" dirty="0">
+                <a:solidFill>
+                  <a:srgbClr val="000000"/>
+                </a:solidFill>
+                <a:uFill>
+                  <a:solidFill>
+                    <a:srgbClr val="FFFFFF"/>
+                  </a:solidFill>
+                </a:uFill>
+                <a:latin typeface="Trebuchet MS"/>
+                <a:ea typeface="DejaVu Sans"/>
+              </a:rPr>
+              <a:t>requires capturing many explicit and latent aspects of complex information needs underlying such queries</a:t>
+            </a:r>
+            <a:endParaRPr lang="en-US" sz="3600" spc="-1" dirty="0">
+              <a:solidFill>
+                <a:srgbClr val="000000"/>
+              </a:solidFill>
+              <a:uFill>
+                <a:solidFill>
+                  <a:srgbClr val="FFFFFF"/>
+                </a:solidFill>
+              </a:uFill>
+              <a:latin typeface="Trebuchet MS"/>
+              <a:ea typeface="DejaVu Sans"/>
+            </a:endParaRPr>
+          </a:p>
+          <a:p>
+            <a:pPr marL="216000" indent="-214920">
+              <a:lnSpc>
+                <a:spcPct val="100000"/>
+              </a:lnSpc>
+              <a:buClr>
+                <a:srgbClr val="000000"/>
+              </a:buClr>
+              <a:buSzPct val="45000"/>
+              <a:buFont typeface="Wingdings" charset="2"/>
+              <a:buChar char=""/>
+            </a:pPr>
+            <a:r>
+              <a:rPr lang="en-US" sz="3600" spc="-1" dirty="0">
+                <a:solidFill>
+                  <a:srgbClr val="000000"/>
+                </a:solidFill>
+                <a:uFill>
+                  <a:solidFill>
+                    <a:srgbClr val="FFFFFF"/>
+                  </a:solidFill>
+                </a:uFill>
+                <a:latin typeface="Trebuchet MS"/>
+                <a:ea typeface="DejaVu Sans"/>
+              </a:rPr>
+              <a:t>Explicit medical concepts are  found in the query itself, latent concepts can be extracted from top-retrieved documents and medical knowledge bases</a:t>
+            </a:r>
+          </a:p>
+          <a:p>
+            <a:pPr marL="216000" indent="-214920">
+              <a:lnSpc>
+                <a:spcPct val="100000"/>
+              </a:lnSpc>
+              <a:buClr>
+                <a:srgbClr val="000000"/>
+              </a:buClr>
+              <a:buSzPct val="45000"/>
+              <a:buFont typeface="Wingdings" charset="2"/>
+              <a:buChar char=""/>
+            </a:pPr>
             <a:endParaRPr lang="en-US" sz="1800" b="0" strike="noStrike" spc="-1" dirty="0">
               <a:solidFill>
                 <a:srgbClr val="000000"/>
@@ -2652,6 +2781,192 @@
                 </a:solidFill>
               </a:uFill>
               <a:latin typeface="Arial"/>
+            </a:endParaRPr>
+          </a:p>
+          <a:p>
+            <a:pPr marL="1080">
+              <a:lnSpc>
+                <a:spcPct val="100000"/>
+              </a:lnSpc>
+              <a:buClr>
+                <a:srgbClr val="000000"/>
+              </a:buClr>
+              <a:buSzPct val="45000"/>
+            </a:pPr>
+            <a:r>
+              <a:rPr lang="en-US" sz="3600" spc="-1" dirty="0">
+                <a:solidFill>
+                  <a:srgbClr val="FF0000"/>
+                </a:solidFill>
+                <a:uFill>
+                  <a:solidFill>
+                    <a:srgbClr val="FFFFFF"/>
+                  </a:solidFill>
+                </a:uFill>
+                <a:latin typeface="Trebuchet MS"/>
+              </a:rPr>
+              <a:t>  Example query:</a:t>
+            </a:r>
+          </a:p>
+          <a:p>
+            <a:pPr marL="1080">
+              <a:lnSpc>
+                <a:spcPct val="100000"/>
+              </a:lnSpc>
+              <a:buClr>
+                <a:srgbClr val="000000"/>
+              </a:buClr>
+              <a:buSzPct val="45000"/>
+            </a:pPr>
+            <a:r>
+              <a:rPr lang="en-US" sz="3600" spc="-1" dirty="0">
+                <a:solidFill>
+                  <a:srgbClr val="000000"/>
+                </a:solidFill>
+                <a:uFill>
+                  <a:solidFill>
+                    <a:srgbClr val="FFFFFF"/>
+                  </a:solidFill>
+                </a:uFill>
+                <a:latin typeface="Trebuchet MS"/>
+              </a:rPr>
+              <a:t> 33-year-old male presents with severe abdominal pain one week after a bike accident, in which he sustained abdominal trauma. He is hypotensive and </a:t>
+            </a:r>
+            <a:r>
+              <a:rPr lang="en-US" sz="3600" spc="-1" dirty="0" err="1">
+                <a:solidFill>
+                  <a:srgbClr val="000000"/>
+                </a:solidFill>
+                <a:uFill>
+                  <a:solidFill>
+                    <a:srgbClr val="FFFFFF"/>
+                  </a:solidFill>
+                </a:uFill>
+                <a:latin typeface="Trebuchet MS"/>
+              </a:rPr>
+              <a:t>tachycardic</a:t>
+            </a:r>
+            <a:r>
+              <a:rPr lang="en-US" sz="3600" spc="-1" dirty="0">
+                <a:solidFill>
+                  <a:srgbClr val="000000"/>
+                </a:solidFill>
+                <a:uFill>
+                  <a:solidFill>
+                    <a:srgbClr val="FFFFFF"/>
+                  </a:solidFill>
+                </a:uFill>
+                <a:latin typeface="Trebuchet MS"/>
+              </a:rPr>
+              <a:t>, and imaging reveals a ruptured spleen and intraperitoneal hemorrhage </a:t>
+            </a:r>
+            <a:endParaRPr lang="en-US" spc="-1" dirty="0">
+              <a:solidFill>
+                <a:srgbClr val="000000"/>
+              </a:solidFill>
+              <a:uFill>
+                <a:solidFill>
+                  <a:srgbClr val="FFFFFF"/>
+                </a:solidFill>
+              </a:uFill>
+            </a:endParaRPr>
+          </a:p>
+          <a:p>
+            <a:pPr marL="217080" lvl="1">
+              <a:lnSpc>
+                <a:spcPct val="100000"/>
+              </a:lnSpc>
+              <a:buClr>
+                <a:srgbClr val="000000"/>
+              </a:buClr>
+              <a:buSzPct val="45000"/>
+            </a:pPr>
+            <a:r>
+              <a:rPr lang="en-US" sz="3600" spc="-1" dirty="0">
+                <a:solidFill>
+                  <a:srgbClr val="FF0000"/>
+                </a:solidFill>
+                <a:uFill>
+                  <a:solidFill>
+                    <a:srgbClr val="FFFFFF"/>
+                  </a:solidFill>
+                </a:uFill>
+                <a:latin typeface="Trebuchet MS"/>
+              </a:rPr>
+              <a:t> Explicit concepts: </a:t>
+            </a:r>
+            <a:r>
+              <a:rPr lang="en-US" sz="3600" spc="-1" dirty="0">
+                <a:solidFill>
+                  <a:srgbClr val="000000"/>
+                </a:solidFill>
+                <a:uFill>
+                  <a:solidFill>
+                    <a:srgbClr val="FFFFFF"/>
+                  </a:solidFill>
+                </a:uFill>
+                <a:latin typeface="Trebuchet MS"/>
+              </a:rPr>
+              <a:t>“bike accident”, “abdominal trauma”, “tachycardia”, “splenic rupture”, “intraperitoneal hemorrhage” </a:t>
+            </a:r>
+            <a:endParaRPr lang="en-US" spc="-1" dirty="0">
+              <a:solidFill>
+                <a:srgbClr val="000000"/>
+              </a:solidFill>
+              <a:uFill>
+                <a:solidFill>
+                  <a:srgbClr val="FFFFFF"/>
+                </a:solidFill>
+              </a:uFill>
+            </a:endParaRPr>
+          </a:p>
+          <a:p>
+            <a:pPr marL="217080" lvl="1">
+              <a:lnSpc>
+                <a:spcPct val="100000"/>
+              </a:lnSpc>
+              <a:buClr>
+                <a:srgbClr val="000000"/>
+              </a:buClr>
+              <a:buSzPct val="45000"/>
+            </a:pPr>
+            <a:r>
+              <a:rPr lang="en-US" sz="3600" spc="-1" dirty="0">
+                <a:solidFill>
+                  <a:srgbClr val="FF0000"/>
+                </a:solidFill>
+                <a:uFill>
+                  <a:solidFill>
+                    <a:srgbClr val="FFFFFF"/>
+                  </a:solidFill>
+                </a:uFill>
+                <a:latin typeface="Trebuchet MS"/>
+              </a:rPr>
+              <a:t>Latent concepts: </a:t>
+            </a:r>
+            <a:r>
+              <a:rPr lang="en-US" sz="3600" spc="-1" dirty="0">
+                <a:solidFill>
+                  <a:srgbClr val="000000"/>
+                </a:solidFill>
+                <a:uFill>
+                  <a:solidFill>
+                    <a:srgbClr val="FFFFFF"/>
+                  </a:solidFill>
+                </a:uFill>
+                <a:latin typeface="Trebuchet MS"/>
+              </a:rPr>
+              <a:t>“splenic trauma”, “Injury of spleen”, “Traffic accidents”</a:t>
+            </a:r>
+            <a:endParaRPr lang="en-US" spc="-1" dirty="0">
+              <a:solidFill>
+                <a:srgbClr val="000000"/>
+              </a:solidFill>
+              <a:uFill>
+                <a:solidFill>
+                  <a:srgbClr val="FFFFFF"/>
+                </a:solidFill>
+              </a:uFill>
             </a:endParaRPr>
           </a:p>
           <a:p>
@@ -2673,6 +2988,313 @@
             </a:endParaRPr>
           </a:p>
           <a:p>
+            <a:pPr marL="216000" indent="-214920">
+              <a:lnSpc>
+                <a:spcPct val="100000"/>
+              </a:lnSpc>
+              <a:buClr>
+                <a:srgbClr val="000000"/>
+              </a:buClr>
+              <a:buSzPct val="45000"/>
+              <a:buFont typeface="Wingdings" charset="2"/>
+              <a:buChar char=""/>
+            </a:pPr>
+            <a:r>
+              <a:rPr lang="en-US" sz="3600" b="1" spc="-1" dirty="0">
+                <a:solidFill>
+                  <a:srgbClr val="000000"/>
+                </a:solidFill>
+                <a:uFill>
+                  <a:solidFill>
+                    <a:srgbClr val="FFFFFF"/>
+                  </a:solidFill>
+                </a:uFill>
+                <a:latin typeface="Trebuchet MS"/>
+                <a:ea typeface="DejaVu Sans"/>
+              </a:rPr>
+              <a:t>Challenges:</a:t>
+            </a:r>
+            <a:r>
+              <a:rPr lang="en-US" sz="3600" b="0" strike="noStrike" spc="-1" dirty="0">
+                <a:solidFill>
+                  <a:srgbClr val="000000"/>
+                </a:solidFill>
+                <a:uFill>
+                  <a:solidFill>
+                    <a:srgbClr val="FFFFFF"/>
+                  </a:solidFill>
+                </a:uFill>
+                <a:latin typeface="Trebuchet MS"/>
+                <a:ea typeface="DejaVu Sans"/>
+              </a:rPr>
+              <a:t> </a:t>
+            </a:r>
+          </a:p>
+          <a:p>
+            <a:pPr marL="1080">
+              <a:lnSpc>
+                <a:spcPct val="100000"/>
+              </a:lnSpc>
+              <a:buClr>
+                <a:srgbClr val="000000"/>
+              </a:buClr>
+              <a:buSzPct val="45000"/>
+            </a:pPr>
+            <a:r>
+              <a:rPr lang="en-US" sz="3600" spc="-1" dirty="0">
+                <a:solidFill>
+                  <a:srgbClr val="000000"/>
+                </a:solidFill>
+                <a:uFill>
+                  <a:solidFill>
+                    <a:srgbClr val="FFFFFF"/>
+                  </a:solidFill>
+                </a:uFill>
+                <a:latin typeface="Trebuchet MS"/>
+                <a:ea typeface="DejaVu Sans"/>
+              </a:rPr>
+              <a:t>1. Dealing with very long queries </a:t>
+            </a:r>
+          </a:p>
+          <a:p>
+            <a:pPr marL="1080">
+              <a:lnSpc>
+                <a:spcPct val="100000"/>
+              </a:lnSpc>
+              <a:buClr>
+                <a:srgbClr val="000000"/>
+              </a:buClr>
+              <a:buSzPct val="45000"/>
+            </a:pPr>
+            <a:r>
+              <a:rPr lang="en-US" sz="3600" spc="-1" dirty="0">
+                <a:solidFill>
+                  <a:srgbClr val="000000"/>
+                </a:solidFill>
+                <a:uFill>
+                  <a:solidFill>
+                    <a:srgbClr val="FFFFFF"/>
+                  </a:solidFill>
+                </a:uFill>
+                <a:latin typeface="Trebuchet MS"/>
+                <a:ea typeface="DejaVu Sans"/>
+              </a:rPr>
+              <a:t>2. Identifying all effective latent concepts in noisy top retrieved documents and dense knowledge graphs</a:t>
+            </a:r>
+          </a:p>
+          <a:p>
+            <a:pPr marL="1080">
+              <a:lnSpc>
+                <a:spcPct val="100000"/>
+              </a:lnSpc>
+              <a:buClr>
+                <a:srgbClr val="000000"/>
+              </a:buClr>
+              <a:buSzPct val="45000"/>
+            </a:pPr>
+            <a:r>
+              <a:rPr lang="en-US" sz="3600" spc="-1" dirty="0">
+                <a:solidFill>
+                  <a:srgbClr val="000000"/>
+                </a:solidFill>
+                <a:uFill>
+                  <a:solidFill>
+                    <a:srgbClr val="FFFFFF"/>
+                  </a:solidFill>
+                </a:uFill>
+                <a:latin typeface="Trebuchet MS"/>
+                <a:ea typeface="DejaVu Sans"/>
+              </a:rPr>
+              <a:t>2. Selecting important </a:t>
+            </a:r>
+            <a:r>
+              <a:rPr lang="en-US" sz="3600" spc="-1" dirty="0">
+                <a:solidFill>
+                  <a:srgbClr val="000000"/>
+                </a:solidFill>
+                <a:uFill>
+                  <a:solidFill>
+                    <a:srgbClr val="FFFFFF"/>
+                  </a:solidFill>
+                </a:uFill>
+                <a:latin typeface="Trebuchet MS"/>
+              </a:rPr>
+              <a:t>unigram, bigram, and multi-term explicit and latent </a:t>
+            </a:r>
+            <a:r>
+              <a:rPr lang="en-US" sz="3600" spc="-1" dirty="0">
+                <a:solidFill>
+                  <a:srgbClr val="000000"/>
+                </a:solidFill>
+                <a:uFill>
+                  <a:solidFill>
+                    <a:srgbClr val="FFFFFF"/>
+                  </a:solidFill>
+                </a:uFill>
+                <a:latin typeface="Trebuchet MS"/>
+                <a:ea typeface="DejaVu Sans"/>
+              </a:rPr>
+              <a:t>concepts and discarding others </a:t>
+            </a:r>
+          </a:p>
+          <a:p>
+            <a:pPr marL="1080">
+              <a:lnSpc>
+                <a:spcPct val="100000"/>
+              </a:lnSpc>
+              <a:buClr>
+                <a:srgbClr val="000000"/>
+              </a:buClr>
+              <a:buSzPct val="45000"/>
+            </a:pPr>
+            <a:r>
+              <a:rPr lang="en-US" sz="3600" spc="-1" dirty="0">
+                <a:solidFill>
+                  <a:srgbClr val="000000"/>
+                </a:solidFill>
+                <a:uFill>
+                  <a:solidFill>
+                    <a:srgbClr val="FFFFFF"/>
+                  </a:solidFill>
+                </a:uFill>
+                <a:latin typeface="Trebuchet MS"/>
+                <a:ea typeface="DejaVu Sans"/>
+              </a:rPr>
+              <a:t>3. </a:t>
+            </a:r>
+            <a:r>
+              <a:rPr lang="en-US" sz="3600" b="0" strike="noStrike" spc="-1" dirty="0">
+                <a:solidFill>
+                  <a:srgbClr val="000000"/>
+                </a:solidFill>
+                <a:uFill>
+                  <a:solidFill>
+                    <a:srgbClr val="FFFFFF"/>
+                  </a:solidFill>
+                </a:uFill>
+                <a:latin typeface="Trebuchet MS"/>
+                <a:ea typeface="DejaVu Sans"/>
+              </a:rPr>
+              <a:t>identifying the most important query concepts as well as query transformation by adding new concepts to a query, which can be extracted from the top retrieved documents or medical knowledge bases.</a:t>
+            </a:r>
+            <a:endParaRPr lang="en-US" sz="1800" b="0" strike="noStrike" spc="-1" dirty="0">
+              <a:solidFill>
+                <a:srgbClr val="000000"/>
+              </a:solidFill>
+              <a:uFill>
+                <a:solidFill>
+                  <a:srgbClr val="FFFFFF"/>
+                </a:solidFill>
+              </a:uFill>
+              <a:latin typeface="Arial"/>
+            </a:endParaRPr>
+          </a:p>
+        </p:txBody>
+      </p:sp>
+      <p:sp>
+        <p:nvSpPr>
+          <p:cNvPr id="45" name="CustomShape 10"/>
+          <p:cNvSpPr/>
+          <p:nvPr/>
+        </p:nvSpPr>
+        <p:spPr>
+          <a:xfrm>
+            <a:off x="504720" y="6724440"/>
+            <a:ext cx="10383480" cy="927000"/>
+          </a:xfrm>
+          <a:prstGeom prst="rect">
+            <a:avLst/>
+          </a:prstGeom>
+          <a:noFill/>
+          <a:ln>
+            <a:noFill/>
+          </a:ln>
+        </p:spPr>
+        <p:style>
+          <a:lnRef idx="0">
+            <a:scrgbClr r="0" g="0" b="0"/>
+          </a:lnRef>
+          <a:fillRef idx="0">
+            <a:scrgbClr r="0" g="0" b="0"/>
+          </a:fillRef>
+          <a:effectRef idx="0">
+            <a:scrgbClr r="0" g="0" b="0"/>
+          </a:effectRef>
+          <a:fontRef idx="minor"/>
+        </p:style>
+        <p:txBody>
+          <a:bodyPr lIns="52200" tIns="52200" rIns="52200" bIns="52200" anchor="ctr"/>
+          <a:lstStyle/>
+          <a:p>
+            <a:pPr algn="ctr">
+              <a:lnSpc>
+                <a:spcPct val="100000"/>
+              </a:lnSpc>
+            </a:pPr>
+            <a:r>
+              <a:rPr lang="en-US" sz="5400" b="1" u="sng" strike="noStrike" spc="-1">
+                <a:solidFill>
+                  <a:srgbClr val="385623"/>
+                </a:solidFill>
+                <a:uFill>
+                  <a:solidFill>
+                    <a:srgbClr val="FFFFFF"/>
+                  </a:solidFill>
+                </a:uFill>
+                <a:latin typeface="Calibri"/>
+                <a:ea typeface="DejaVu Sans"/>
+              </a:rPr>
+              <a:t>INTRODUCTION</a:t>
+            </a:r>
+            <a:endParaRPr lang="en-US" sz="1800" b="0" strike="noStrike" spc="-1">
+              <a:solidFill>
+                <a:srgbClr val="000000"/>
+              </a:solidFill>
+              <a:uFill>
+                <a:solidFill>
+                  <a:srgbClr val="FFFFFF"/>
+                </a:solidFill>
+              </a:uFill>
+              <a:latin typeface="Arial"/>
+            </a:endParaRPr>
+          </a:p>
+        </p:txBody>
+      </p:sp>
+      <p:sp>
+        <p:nvSpPr>
+          <p:cNvPr id="46" name="CustomShape 11"/>
+          <p:cNvSpPr/>
+          <p:nvPr/>
+        </p:nvSpPr>
+        <p:spPr>
+          <a:xfrm>
+            <a:off x="804834" y="29138660"/>
+            <a:ext cx="9874080" cy="6707720"/>
+          </a:xfrm>
+          <a:prstGeom prst="rect">
+            <a:avLst/>
+          </a:prstGeom>
+          <a:noFill/>
+          <a:ln>
+            <a:noFill/>
+          </a:ln>
+        </p:spPr>
+        <p:style>
+          <a:lnRef idx="0">
+            <a:scrgbClr r="0" g="0" b="0"/>
+          </a:lnRef>
+          <a:fillRef idx="0">
+            <a:scrgbClr r="0" g="0" b="0"/>
+          </a:fillRef>
+          <a:effectRef idx="0">
+            <a:scrgbClr r="0" g="0" b="0"/>
+          </a:effectRef>
+          <a:fontRef idx="minor"/>
+        </p:style>
+        <p:txBody>
+          <a:bodyPr lIns="130680" tIns="130680" rIns="130680" bIns="130680"/>
+          <a:lstStyle/>
+          <a:p>
             <a:pPr>
               <a:lnSpc>
                 <a:spcPct val="100000"/>
@@ -2715,7 +3337,37 @@
                 <a:latin typeface="Trebuchet MS"/>
                 <a:ea typeface="DejaVu Sans"/>
               </a:rPr>
-              <a:t>Proper representation of these aspects often requires query analysis to identify the most important query concepts as well as query transformation by adding new concepts to a query, which can be extracted from the top retrieved documents or medical knowledge bases.</a:t>
+              <a:t> Develop an intelligent retrieval system that combines query analysis and expansion by jointly determining the importance weights </a:t>
+            </a:r>
+            <a:r>
+              <a:rPr lang="en-US" sz="3600" spc="-1" dirty="0">
+                <a:solidFill>
+                  <a:srgbClr val="000000"/>
+                </a:solidFill>
+                <a:uFill>
+                  <a:solidFill>
+                    <a:srgbClr val="FFFFFF"/>
+                  </a:solidFill>
+                </a:uFill>
+                <a:latin typeface="Trebuchet MS"/>
+                <a:ea typeface="DejaVu Sans"/>
+              </a:rPr>
+              <a:t>of explicit and latent</a:t>
+            </a:r>
+            <a:r>
+              <a:rPr lang="en-US" sz="3600" b="0" strike="noStrike" spc="-1" dirty="0">
+                <a:solidFill>
+                  <a:srgbClr val="000000"/>
+                </a:solidFill>
+                <a:uFill>
+                  <a:solidFill>
+                    <a:srgbClr val="FFFFFF"/>
+                  </a:solidFill>
+                </a:uFill>
+                <a:latin typeface="Trebuchet MS"/>
+                <a:ea typeface="DejaVu Sans"/>
+              </a:rPr>
+              <a:t> query concepts depending on their type and source</a:t>
             </a:r>
             <a:endParaRPr lang="en-US" sz="1800" b="0" strike="noStrike" spc="-1" dirty="0">
               <a:solidFill>
@@ -2729,17 +3381,53 @@
               <a:latin typeface="Arial"/>
             </a:endParaRPr>
           </a:p>
+          <a:p>
+            <a:pPr>
+              <a:lnSpc>
+                <a:spcPct val="100000"/>
+              </a:lnSpc>
+            </a:pPr>
+            <a:endParaRPr lang="en-US" sz="1800" b="0" strike="noStrike" spc="-1" dirty="0">
+              <a:solidFill>
+                <a:srgbClr val="000000"/>
+              </a:solidFill>
+              <a:uFill>
+                <a:solidFill>
+                  <a:srgbClr val="FFFFFF"/>
+                </a:solidFill>
+              </a:uFill>
+              <a:latin typeface="Arial"/>
+            </a:endParaRPr>
+          </a:p>
+          <a:p>
+            <a:pPr>
+              <a:lnSpc>
+                <a:spcPct val="100000"/>
+              </a:lnSpc>
+            </a:pPr>
+            <a:endParaRPr lang="en-US" sz="1800" b="0" strike="noStrike" spc="-1" dirty="0">
+              <a:solidFill>
+                <a:srgbClr val="000000"/>
+              </a:solidFill>
+              <a:uFill>
+                <a:solidFill>
+                  <a:srgbClr val="FFFFFF"/>
+                </a:solidFill>
+              </a:uFill>
+              <a:latin typeface="Arial"/>
+            </a:endParaRPr>
+          </a:p>
         </p:txBody>
       </p:sp>
       <p:sp>
         <p:nvSpPr>
-          <p:cNvPr id="45" name="CustomShape 10"/>
+          <p:cNvPr id="47" name="CustomShape 12"/>
           <p:cNvSpPr/>
           <p:nvPr/>
         </p:nvSpPr>
         <p:spPr>
           <a:xfrm>
-            <a:off x="504720" y="6724440"/>
+            <a:off x="209416" y="28800532"/>
             <a:ext cx="10383480" cy="927000"/>
           </a:xfrm>
           <a:prstGeom prst="rect">
@@ -2772,7 +3460,7 @@
               </a:lnSpc>
             </a:pPr>
             <a:r>
-              <a:rPr lang="en-US" sz="5400" b="1" u="sng" strike="noStrike" spc="-1">
+              <a:rPr lang="en-US" sz="5400" b="1" u="sng" strike="noStrike" spc="-1" dirty="0">
                 <a:solidFill>
                   <a:srgbClr val="385623"/>
                 </a:solidFill>
@@ -2784,477 +3472,9 @@
                 <a:latin typeface="Calibri"/>
                 <a:ea typeface="DejaVu Sans"/>
               </a:rPr>
-              <a:t>INTRODUCTION</a:t>
-            </a:r>
-            <a:endParaRPr lang="en-US" sz="1800" b="0" strike="noStrike" spc="-1">
-              <a:solidFill>
-                <a:srgbClr val="000000"/>
-              </a:solidFill>
-              <a:uFill>
-                <a:solidFill>
-                  <a:srgbClr val="FFFFFF"/>
-                </a:solidFill>
-              </a:uFill>
-              <a:latin typeface="Arial"/>
-            </a:endParaRPr>
-          </a:p>
-        </p:txBody>
-      </p:sp>
-      <p:sp>
-        <p:nvSpPr>
-          <p:cNvPr id="46" name="CustomShape 11"/>
-          <p:cNvSpPr/>
-          <p:nvPr/>
-        </p:nvSpPr>
-        <p:spPr>
-          <a:xfrm>
-            <a:off x="754200" y="17273160"/>
-            <a:ext cx="9874080" cy="15073920"/>
-          </a:xfrm>
-          <a:prstGeom prst="rect">
-            <a:avLst/>
-          </a:prstGeom>
-          <a:noFill/>
-          <a:ln>
-            <a:noFill/>
-          </a:ln>
-        </p:spPr>
-        <p:style>
-          <a:lnRef idx="0">
-            <a:scrgbClr r="0" g="0" b="0"/>
-          </a:lnRef>
-          <a:fillRef idx="0">
-            <a:scrgbClr r="0" g="0" b="0"/>
-          </a:fillRef>
-          <a:effectRef idx="0">
-            <a:scrgbClr r="0" g="0" b="0"/>
-          </a:effectRef>
-          <a:fontRef idx="minor"/>
-        </p:style>
-        <p:txBody>
-          <a:bodyPr lIns="130680" tIns="130680" rIns="130680" bIns="130680"/>
-          <a:lstStyle/>
-          <a:p>
-            <a:pPr marL="216000" indent="-214920">
-              <a:lnSpc>
-                <a:spcPct val="100000"/>
-              </a:lnSpc>
-              <a:buClr>
-                <a:srgbClr val="000000"/>
-              </a:buClr>
-              <a:buSzPct val="45000"/>
-              <a:buFont typeface="Wingdings" charset="2"/>
-              <a:buChar char=""/>
-            </a:pPr>
-            <a:r>
-              <a:rPr lang="en-US" sz="3600" b="0" strike="noStrike" spc="-1">
-                <a:solidFill>
-                  <a:srgbClr val="000000"/>
-                </a:solidFill>
-                <a:uFill>
-                  <a:solidFill>
-                    <a:srgbClr val="FFFFFF"/>
-                  </a:solidFill>
-                </a:uFill>
-                <a:latin typeface="Trebuchet MS"/>
-                <a:ea typeface="DejaVu Sans"/>
-              </a:rPr>
-              <a:t>Represent verbose domain-specific queries based on weighted unigram, bigram, and multi-term concepts in the query itself, as well as extracted from the top retrieved documents and external knowledge bases</a:t>
-            </a:r>
-            <a:endParaRPr lang="en-US" sz="1800" b="0" strike="noStrike" spc="-1">
-              <a:solidFill>
-                <a:srgbClr val="000000"/>
-              </a:solidFill>
-              <a:uFill>
-                <a:solidFill>
-                  <a:srgbClr val="FFFFFF"/>
-                </a:solidFill>
-              </a:uFill>
-              <a:latin typeface="Arial"/>
-            </a:endParaRPr>
-          </a:p>
-          <a:p>
-            <a:pPr>
-              <a:lnSpc>
-                <a:spcPct val="100000"/>
-              </a:lnSpc>
-            </a:pPr>
-            <a:endParaRPr lang="en-US" sz="1800" b="0" strike="noStrike" spc="-1">
-              <a:solidFill>
-                <a:srgbClr val="000000"/>
-              </a:solidFill>
-              <a:uFill>
-                <a:solidFill>
-                  <a:srgbClr val="FFFFFF"/>
-                </a:solidFill>
-              </a:uFill>
-              <a:latin typeface="Arial"/>
-            </a:endParaRPr>
-          </a:p>
-          <a:p>
-            <a:pPr marL="216000" indent="-214920">
-              <a:lnSpc>
-                <a:spcPct val="100000"/>
-              </a:lnSpc>
-              <a:buClr>
-                <a:srgbClr val="000000"/>
-              </a:buClr>
-              <a:buSzPct val="45000"/>
-              <a:buFont typeface="Wingdings" charset="2"/>
-              <a:buChar char=""/>
-            </a:pPr>
-            <a:r>
-              <a:rPr lang="en-US" sz="3600" b="0" strike="noStrike" spc="-1">
-                <a:solidFill>
-                  <a:srgbClr val="000000"/>
-                </a:solidFill>
-                <a:uFill>
-                  <a:solidFill>
-                    <a:srgbClr val="FFFFFF"/>
-                  </a:solidFill>
-                </a:uFill>
-                <a:latin typeface="Trebuchet MS"/>
-                <a:ea typeface="DejaVu Sans"/>
-              </a:rPr>
-              <a:t>Unify query analysis and expansion by jointly determining the importance weights for the query and expansion concepts depending on their type and source</a:t>
-            </a:r>
-            <a:endParaRPr lang="en-US" sz="1800" b="0" strike="noStrike" spc="-1">
-              <a:solidFill>
-                <a:srgbClr val="000000"/>
-              </a:solidFill>
-              <a:uFill>
-                <a:solidFill>
-                  <a:srgbClr val="FFFFFF"/>
-                </a:solidFill>
-              </a:uFill>
-              <a:latin typeface="Arial"/>
-            </a:endParaRPr>
-          </a:p>
-          <a:p>
-            <a:pPr>
-              <a:lnSpc>
-                <a:spcPct val="100000"/>
-              </a:lnSpc>
-            </a:pPr>
-            <a:endParaRPr lang="en-US" sz="1800" b="0" strike="noStrike" spc="-1">
-              <a:solidFill>
-                <a:srgbClr val="000000"/>
-              </a:solidFill>
-              <a:uFill>
-                <a:solidFill>
-                  <a:srgbClr val="FFFFFF"/>
-                </a:solidFill>
-              </a:uFill>
-              <a:latin typeface="Arial"/>
-            </a:endParaRPr>
-          </a:p>
-          <a:p>
-            <a:pPr>
-              <a:lnSpc>
-                <a:spcPct val="100000"/>
-              </a:lnSpc>
-            </a:pPr>
-            <a:endParaRPr lang="en-US" sz="1800" b="0" strike="noStrike" spc="-1">
-              <a:solidFill>
-                <a:srgbClr val="000000"/>
-              </a:solidFill>
-              <a:uFill>
-                <a:solidFill>
-                  <a:srgbClr val="FFFFFF"/>
-                </a:solidFill>
-              </a:uFill>
-              <a:latin typeface="Arial"/>
-            </a:endParaRPr>
-          </a:p>
-          <a:p>
-            <a:pPr marL="216000" indent="-214920">
-              <a:lnSpc>
-                <a:spcPct val="100000"/>
-              </a:lnSpc>
-              <a:buClr>
-                <a:srgbClr val="000000"/>
-              </a:buClr>
-              <a:buSzPct val="45000"/>
-              <a:buFont typeface="Wingdings" charset="2"/>
-              <a:buChar char=""/>
-            </a:pPr>
-            <a:r>
-              <a:rPr lang="en-US" sz="3600" b="0" strike="noStrike" spc="-1">
-                <a:solidFill>
-                  <a:srgbClr val="FF0000"/>
-                </a:solidFill>
-                <a:uFill>
-                  <a:solidFill>
-                    <a:srgbClr val="FFFFFF"/>
-                  </a:solidFill>
-                </a:uFill>
-                <a:latin typeface="Trebuchet MS"/>
-                <a:ea typeface="DejaVu Sans"/>
-              </a:rPr>
-              <a:t>Example:</a:t>
-            </a:r>
-            <a:endParaRPr lang="en-US" sz="1800" b="0" strike="noStrike" spc="-1">
-              <a:solidFill>
-                <a:srgbClr val="000000"/>
-              </a:solidFill>
-              <a:uFill>
-                <a:solidFill>
-                  <a:srgbClr val="FFFFFF"/>
-                </a:solidFill>
-              </a:uFill>
-              <a:latin typeface="Arial"/>
-            </a:endParaRPr>
-          </a:p>
-          <a:p>
-            <a:pPr marL="432000" lvl="1" indent="-214920">
-              <a:lnSpc>
-                <a:spcPct val="100000"/>
-              </a:lnSpc>
-              <a:buClr>
-                <a:srgbClr val="000000"/>
-              </a:buClr>
-              <a:buSzPct val="45000"/>
-              <a:buFont typeface="Wingdings" charset="2"/>
-              <a:buChar char=""/>
-            </a:pPr>
-            <a:r>
-              <a:rPr lang="en-US" sz="3600" b="0" strike="noStrike" spc="-1">
-                <a:solidFill>
-                  <a:srgbClr val="000000"/>
-                </a:solidFill>
-                <a:uFill>
-                  <a:solidFill>
-                    <a:srgbClr val="FFFFFF"/>
-                  </a:solidFill>
-                </a:uFill>
-                <a:latin typeface="Trebuchet MS"/>
-                <a:ea typeface="DejaVu Sans"/>
-              </a:rPr>
-              <a:t> </a:t>
-            </a:r>
-            <a:r>
-              <a:rPr lang="en-US" sz="3600" b="0" strike="noStrike" spc="-1">
-                <a:solidFill>
-                  <a:srgbClr val="FF0000"/>
-                </a:solidFill>
-                <a:uFill>
-                  <a:solidFill>
-                    <a:srgbClr val="FFFFFF"/>
-                  </a:solidFill>
-                </a:uFill>
-                <a:latin typeface="Trebuchet MS"/>
-                <a:ea typeface="DejaVu Sans"/>
-              </a:rPr>
-              <a:t>Query:</a:t>
-            </a:r>
-            <a:r>
-              <a:rPr lang="en-US" sz="3600" b="0" strike="noStrike" spc="-1">
-                <a:solidFill>
-                  <a:srgbClr val="000000"/>
-                </a:solidFill>
-                <a:uFill>
-                  <a:solidFill>
-                    <a:srgbClr val="FFFFFF"/>
-                  </a:solidFill>
-                </a:uFill>
-                <a:latin typeface="Trebuchet MS"/>
-                <a:ea typeface="DejaVu Sans"/>
-              </a:rPr>
-              <a:t> 33-year-old male presents with severe abdominal pain one week after a bike accident, in which he sustained abdominal trauma. He is hypotensive and tachycardic, and imaging reveals a ruptured spleen and intraperitoneal hemorrhage </a:t>
-            </a:r>
-            <a:endParaRPr lang="en-US" sz="1800" b="0" strike="noStrike" spc="-1">
-              <a:solidFill>
-                <a:srgbClr val="000000"/>
-              </a:solidFill>
-              <a:uFill>
-                <a:solidFill>
-                  <a:srgbClr val="FFFFFF"/>
-                </a:solidFill>
-              </a:uFill>
-              <a:latin typeface="Arial"/>
-            </a:endParaRPr>
-          </a:p>
-          <a:p>
-            <a:pPr marL="432000" lvl="1" indent="-214920">
-              <a:lnSpc>
-                <a:spcPct val="100000"/>
-              </a:lnSpc>
-              <a:buClr>
-                <a:srgbClr val="000000"/>
-              </a:buClr>
-              <a:buSzPct val="45000"/>
-              <a:buFont typeface="Wingdings" charset="2"/>
-              <a:buChar char=""/>
-            </a:pPr>
-            <a:r>
-              <a:rPr lang="en-US" sz="3600" b="0" strike="noStrike" spc="-1">
-                <a:solidFill>
-                  <a:srgbClr val="FF0000"/>
-                </a:solidFill>
-                <a:uFill>
-                  <a:solidFill>
-                    <a:srgbClr val="FFFFFF"/>
-                  </a:solidFill>
-                </a:uFill>
-                <a:latin typeface="Trebuchet MS"/>
-                <a:ea typeface="DejaVu Sans"/>
-              </a:rPr>
-              <a:t> Explicit concepts: </a:t>
-            </a:r>
-            <a:r>
-              <a:rPr lang="en-US" sz="3600" b="0" strike="noStrike" spc="-1">
-                <a:solidFill>
-                  <a:srgbClr val="000000"/>
-                </a:solidFill>
-                <a:uFill>
-                  <a:solidFill>
-                    <a:srgbClr val="FFFFFF"/>
-                  </a:solidFill>
-                </a:uFill>
-                <a:latin typeface="Trebuchet MS"/>
-                <a:ea typeface="DejaVu Sans"/>
-              </a:rPr>
-              <a:t>“bike accident”, “abdominal trauma”, “tachycardia”, “splenic rupture”, “intraperitoneal hemorrhage” </a:t>
-            </a:r>
-            <a:endParaRPr lang="en-US" sz="1800" b="0" strike="noStrike" spc="-1">
-              <a:solidFill>
-                <a:srgbClr val="000000"/>
-              </a:solidFill>
-              <a:uFill>
-                <a:solidFill>
-                  <a:srgbClr val="FFFFFF"/>
-                </a:solidFill>
-              </a:uFill>
-              <a:latin typeface="Arial"/>
-            </a:endParaRPr>
-          </a:p>
-          <a:p>
-            <a:pPr marL="432000" lvl="1" indent="-214920">
-              <a:lnSpc>
-                <a:spcPct val="100000"/>
-              </a:lnSpc>
-              <a:buClr>
-                <a:srgbClr val="000000"/>
-              </a:buClr>
-              <a:buSzPct val="45000"/>
-              <a:buFont typeface="Wingdings" charset="2"/>
-              <a:buChar char=""/>
-            </a:pPr>
-            <a:r>
-              <a:rPr lang="en-US" sz="3600" b="0" strike="noStrike" spc="-1">
-                <a:solidFill>
-                  <a:srgbClr val="000000"/>
-                </a:solidFill>
-                <a:uFill>
-                  <a:solidFill>
-                    <a:srgbClr val="FFFFFF"/>
-                  </a:solidFill>
-                </a:uFill>
-                <a:latin typeface="Trebuchet MS"/>
-                <a:ea typeface="DejaVu Sans"/>
-              </a:rPr>
-              <a:t> </a:t>
-            </a:r>
-            <a:r>
-              <a:rPr lang="en-US" sz="3600" b="0" strike="noStrike" spc="-1">
-                <a:solidFill>
-                  <a:srgbClr val="FF0000"/>
-                </a:solidFill>
-                <a:uFill>
-                  <a:solidFill>
-                    <a:srgbClr val="FFFFFF"/>
-                  </a:solidFill>
-                </a:uFill>
-                <a:latin typeface="Trebuchet MS"/>
-                <a:ea typeface="DejaVu Sans"/>
-              </a:rPr>
-              <a:t>Latent concepts: </a:t>
-            </a:r>
-            <a:r>
-              <a:rPr lang="en-US" sz="3600" b="0" strike="noStrike" spc="-1">
-                <a:solidFill>
-                  <a:srgbClr val="000000"/>
-                </a:solidFill>
-                <a:uFill>
-                  <a:solidFill>
-                    <a:srgbClr val="FFFFFF"/>
-                  </a:solidFill>
-                </a:uFill>
-                <a:latin typeface="Trebuchet MS"/>
-                <a:ea typeface="DejaVu Sans"/>
-              </a:rPr>
-              <a:t>“splenic trauma”, “Injury of spleen”, “Traffic accidents”</a:t>
-            </a:r>
-            <a:endParaRPr lang="en-US" sz="1800" b="0" strike="noStrike" spc="-1">
-              <a:solidFill>
-                <a:srgbClr val="000000"/>
-              </a:solidFill>
-              <a:uFill>
-                <a:solidFill>
-                  <a:srgbClr val="FFFFFF"/>
-                </a:solidFill>
-              </a:uFill>
-              <a:latin typeface="Arial"/>
-            </a:endParaRPr>
-          </a:p>
-        </p:txBody>
-      </p:sp>
-      <p:sp>
-        <p:nvSpPr>
-          <p:cNvPr id="47" name="CustomShape 12"/>
-          <p:cNvSpPr/>
-          <p:nvPr/>
-        </p:nvSpPr>
-        <p:spPr>
-          <a:xfrm>
-            <a:off x="504720" y="16274520"/>
-            <a:ext cx="10383480" cy="927000"/>
-          </a:xfrm>
-          <a:prstGeom prst="rect">
-            <a:avLst/>
-          </a:prstGeom>
-          <a:noFill/>
-          <a:ln>
-            <a:noFill/>
-          </a:ln>
-        </p:spPr>
-        <p:style>
-          <a:lnRef idx="0">
-            <a:scrgbClr r="0" g="0" b="0"/>
-          </a:lnRef>
-          <a:fillRef idx="0">
-            <a:scrgbClr r="0" g="0" b="0"/>
-          </a:fillRef>
-          <a:effectRef idx="0">
-            <a:scrgbClr r="0" g="0" b="0"/>
-          </a:effectRef>
-          <a:fontRef idx="minor"/>
-        </p:style>
-        <p:txBody>
-          <a:bodyPr lIns="52200" tIns="52200" rIns="52200" bIns="52200" anchor="ctr"/>
-          <a:lstStyle/>
-          <a:p>
-            <a:pPr algn="ctr">
-              <a:lnSpc>
-                <a:spcPct val="100000"/>
-              </a:lnSpc>
-            </a:pPr>
-            <a:r>
-              <a:rPr lang="en-US" sz="5400" b="1" u="sng" strike="noStrike" spc="-1">
-                <a:solidFill>
-                  <a:srgbClr val="385623"/>
-                </a:solidFill>
-                <a:uFill>
-                  <a:solidFill>
-                    <a:srgbClr val="FFFFFF"/>
-                  </a:solidFill>
-                </a:uFill>
-                <a:latin typeface="Calibri"/>
-                <a:ea typeface="DejaVu Sans"/>
-              </a:rPr>
               <a:t>OBJECTIVES</a:t>
             </a:r>
-            <a:endParaRPr lang="en-US" sz="1800" b="0" strike="noStrike" spc="-1">
+            <a:endParaRPr lang="en-US" sz="1800" b="0" strike="noStrike" spc="-1" dirty="0">
               <a:solidFill>
                 <a:srgbClr val="000000"/>
               </a:solidFill>
@@ -3529,7 +3749,7 @@
                 </a:uFill>
                 <a:latin typeface="Trebuchet MS"/>
               </a:rPr>
-              <a:t>We proposed a method to represent CDS queries using explicit concepts from the original query and the latent concepts from the top retrieved documents and knowledge bases </a:t>
+              <a:t>We proposed an intelligent retrieval system that represents case-based CDS queries using explicit concepts from the original query and the latent concepts from the top retrieved documents and knowledge bases and determined the weight of each query concept based on its type and source </a:t>
             </a:r>
           </a:p>
           <a:p>
@@ -3552,7 +3772,7 @@
                 </a:uFill>
                 <a:latin typeface="Trebuchet MS"/>
               </a:rPr>
-              <a:t>We proposed the features to individually weigh each query concept depending on its type and source </a:t>
+              <a:t>We proposed to use graduated optimization method to directly optimize feature weights with respect to the target retrieval metric</a:t>
             </a:r>
           </a:p>
           <a:p>
@@ -3575,7 +3795,7 @@
                 </a:uFill>
                 <a:latin typeface="Trebuchet MS"/>
               </a:rPr>
-              <a:t>We proposed to use graduated optimization method to directly optimize the parameters of the concept based retrieval model with respect to the target retrieval metric </a:t>
+              <a:t>We found out that combining expansion concepts from top document and medical  knowledge bases is more effective that relying only on one of these sources</a:t>
             </a:r>
           </a:p>
           <a:p>
@@ -3598,125 +3818,9 @@
                 </a:uFill>
                 <a:latin typeface="Trebuchet MS"/>
               </a:rPr>
-              <a:t>Proposed method significantly outperforms state-of-the-art baselines as well as best systems in CDS track of TREC 2014 and 2015</a:t>
-            </a:r>
-            <a:endParaRPr lang="en-US" sz="1800" b="0" strike="noStrike" spc="-1" dirty="0">
-              <a:solidFill>
-                <a:srgbClr val="000000"/>
-              </a:solidFill>
-              <a:uFill>
-                <a:solidFill>
-                  <a:srgbClr val="FFFFFF"/>
-                </a:solidFill>
-              </a:uFill>
-              <a:latin typeface="Arial"/>
-            </a:endParaRPr>
-          </a:p>
-        </p:txBody>
-      </p:sp>
-      <p:sp>
-        <p:nvSpPr>
-          <p:cNvPr id="52" name="CustomShape 17"/>
-          <p:cNvSpPr/>
-          <p:nvPr/>
-        </p:nvSpPr>
-        <p:spPr>
-          <a:xfrm>
-            <a:off x="33025680" y="6726960"/>
-            <a:ext cx="10383480" cy="927000"/>
-          </a:xfrm>
-          <a:prstGeom prst="rect">
-            <a:avLst/>
-          </a:prstGeom>
-          <a:noFill/>
-          <a:ln>
-            <a:noFill/>
-          </a:ln>
-        </p:spPr>
-        <p:style>
-          <a:lnRef idx="0">
-            <a:scrgbClr r="0" g="0" b="0"/>
-          </a:lnRef>
-          <a:fillRef idx="0">
-            <a:scrgbClr r="0" g="0" b="0"/>
-          </a:fillRef>
-          <a:effectRef idx="0">
-            <a:scrgbClr r="0" g="0" b="0"/>
-          </a:effectRef>
-          <a:fontRef idx="minor"/>
-        </p:style>
-        <p:txBody>
-          <a:bodyPr lIns="52200" tIns="52200" rIns="52200" bIns="52200" anchor="ctr"/>
-          <a:lstStyle/>
-          <a:p>
-            <a:pPr algn="ctr">
-              <a:lnSpc>
-                <a:spcPct val="100000"/>
-              </a:lnSpc>
-            </a:pPr>
-            <a:r>
-              <a:rPr lang="en-US" sz="5400" b="1" u="sng" strike="noStrike" spc="-1">
-                <a:solidFill>
-                  <a:srgbClr val="385623"/>
-                </a:solidFill>
-                <a:uFill>
-                  <a:solidFill>
-                    <a:srgbClr val="FFFFFF"/>
-                  </a:solidFill>
-                </a:uFill>
-                <a:latin typeface="Calibri"/>
-                <a:ea typeface="DejaVu Sans"/>
-              </a:rPr>
-              <a:t>CONCLUSIONS</a:t>
-            </a:r>
-            <a:endParaRPr lang="en-US" sz="1800" b="0" strike="noStrike" spc="-1">
-              <a:solidFill>
-                <a:srgbClr val="000000"/>
-              </a:solidFill>
-              <a:uFill>
-                <a:solidFill>
-                  <a:srgbClr val="FFFFFF"/>
-                </a:solidFill>
-              </a:uFill>
-              <a:latin typeface="Arial"/>
-            </a:endParaRPr>
-          </a:p>
-        </p:txBody>
-      </p:sp>
-      <p:sp>
-        <p:nvSpPr>
-          <p:cNvPr id="53" name="CustomShape 18"/>
-          <p:cNvSpPr/>
-          <p:nvPr/>
-        </p:nvSpPr>
-        <p:spPr>
-          <a:xfrm>
-            <a:off x="33284160" y="18744390"/>
-            <a:ext cx="9348120" cy="5236490"/>
-          </a:xfrm>
-          <a:prstGeom prst="rect">
-            <a:avLst/>
-          </a:prstGeom>
-          <a:noFill/>
-          <a:ln>
-            <a:noFill/>
-          </a:ln>
-        </p:spPr>
-        <p:style>
-          <a:lnRef idx="0">
-            <a:scrgbClr r="0" g="0" b="0"/>
-          </a:lnRef>
-          <a:fillRef idx="0">
-            <a:scrgbClr r="0" g="0" b="0"/>
-          </a:fillRef>
-          <a:effectRef idx="0">
-            <a:scrgbClr r="0" g="0" b="0"/>
-          </a:effectRef>
-          <a:fontRef idx="minor"/>
-        </p:style>
-        <p:txBody>
-          <a:bodyPr lIns="130680" tIns="130680" rIns="130680" bIns="130680"/>
-          <a:lstStyle/>
+              <a:t>We found out that graduated non-convexity optimization is more effective that traditional optimization methods, such as coordinate ascent</a:t>
+            </a:r>
+          </a:p>
           <a:p>
             <a:pPr marL="571500" indent="-571500">
               <a:lnSpc>
@@ -3737,122 +3841,146 @@
                 </a:uFill>
                 <a:latin typeface="Trebuchet MS"/>
               </a:rPr>
-              <a:t>Balaneshinkordan, Saeid, Alexander </a:t>
-            </a:r>
-            <a:r>
-              <a:rPr lang="en-US" sz="3600" spc="-1" dirty="0" err="1">
-                <a:solidFill>
-                  <a:srgbClr val="000000"/>
-                </a:solidFill>
-                <a:uFill>
-                  <a:solidFill>
-                    <a:srgbClr val="FFFFFF"/>
-                  </a:solidFill>
-                </a:uFill>
-                <a:latin typeface="Trebuchet MS"/>
-              </a:rPr>
-              <a:t>Kotov</a:t>
-            </a:r>
-            <a:r>
-              <a:rPr lang="en-US" sz="3600" spc="-1" dirty="0">
-                <a:solidFill>
-                  <a:srgbClr val="000000"/>
-                </a:solidFill>
-                <a:uFill>
-                  <a:solidFill>
-                    <a:srgbClr val="FFFFFF"/>
-                  </a:solidFill>
-                </a:uFill>
-                <a:latin typeface="Trebuchet MS"/>
-              </a:rPr>
-              <a:t>, and </a:t>
-            </a:r>
-            <a:r>
-              <a:rPr lang="en-US" sz="3600" spc="-1" dirty="0" err="1">
-                <a:solidFill>
-                  <a:srgbClr val="000000"/>
-                </a:solidFill>
-                <a:uFill>
-                  <a:solidFill>
-                    <a:srgbClr val="FFFFFF"/>
-                  </a:solidFill>
-                </a:uFill>
-                <a:latin typeface="Trebuchet MS"/>
-              </a:rPr>
-              <a:t>Railan</a:t>
-            </a:r>
-            <a:r>
-              <a:rPr lang="en-US" sz="3600" spc="-1" dirty="0">
-                <a:solidFill>
-                  <a:srgbClr val="000000"/>
-                </a:solidFill>
-                <a:uFill>
-                  <a:solidFill>
-                    <a:srgbClr val="FFFFFF"/>
-                  </a:solidFill>
-                </a:uFill>
-                <a:latin typeface="Trebuchet MS"/>
-              </a:rPr>
-              <a:t> </a:t>
-            </a:r>
-            <a:r>
-              <a:rPr lang="en-US" sz="3600" spc="-1" dirty="0" err="1">
-                <a:solidFill>
-                  <a:srgbClr val="000000"/>
-                </a:solidFill>
-                <a:uFill>
-                  <a:solidFill>
-                    <a:srgbClr val="FFFFFF"/>
-                  </a:solidFill>
-                </a:uFill>
-                <a:latin typeface="Trebuchet MS"/>
-              </a:rPr>
-              <a:t>Xisto</a:t>
-            </a:r>
-            <a:r>
-              <a:rPr lang="en-US" sz="3600" spc="-1" dirty="0">
-                <a:solidFill>
-                  <a:srgbClr val="000000"/>
-                </a:solidFill>
-                <a:uFill>
-                  <a:solidFill>
-                    <a:srgbClr val="FFFFFF"/>
-                  </a:solidFill>
-                </a:uFill>
-                <a:latin typeface="Trebuchet MS"/>
-              </a:rPr>
-              <a:t>. "WSU-IR at TREC 2015 Clinical Decision Support Track: Joint Weighting of Explicit and Latent Medical Query Concepts from Diverse Sources." In TREC. 2015. </a:t>
-            </a:r>
-          </a:p>
-          <a:p>
-            <a:pPr marL="571500" indent="-571500">
+              <a:t>Proposed method significantly outperforms state-of-the-art IR baselines as well as best systems in CDS track of TREC 2014 and 2015</a:t>
+            </a:r>
+            <a:endParaRPr lang="en-US" sz="1800" b="0" strike="noStrike" spc="-1" dirty="0">
+              <a:solidFill>
+                <a:srgbClr val="000000"/>
+              </a:solidFill>
+              <a:uFill>
+                <a:solidFill>
+                  <a:srgbClr val="FFFFFF"/>
+                </a:solidFill>
+              </a:uFill>
+              <a:latin typeface="Arial"/>
+            </a:endParaRPr>
+          </a:p>
+        </p:txBody>
+      </p:sp>
+      <p:sp>
+        <p:nvSpPr>
+          <p:cNvPr id="52" name="CustomShape 17"/>
+          <p:cNvSpPr/>
+          <p:nvPr/>
+        </p:nvSpPr>
+        <p:spPr>
+          <a:xfrm>
+            <a:off x="33025680" y="6726960"/>
+            <a:ext cx="10383480" cy="927000"/>
+          </a:xfrm>
+          <a:prstGeom prst="rect">
+            <a:avLst/>
+          </a:prstGeom>
+          <a:noFill/>
+          <a:ln>
+            <a:noFill/>
+          </a:ln>
+        </p:spPr>
+        <p:style>
+          <a:lnRef idx="0">
+            <a:scrgbClr r="0" g="0" b="0"/>
+          </a:lnRef>
+          <a:fillRef idx="0">
+            <a:scrgbClr r="0" g="0" b="0"/>
+          </a:fillRef>
+          <a:effectRef idx="0">
+            <a:scrgbClr r="0" g="0" b="0"/>
+          </a:effectRef>
+          <a:fontRef idx="minor"/>
+        </p:style>
+        <p:txBody>
+          <a:bodyPr lIns="52200" tIns="52200" rIns="52200" bIns="52200" anchor="ctr"/>
+          <a:lstStyle/>
+          <a:p>
+            <a:pPr algn="ctr">
               <a:lnSpc>
                 <a:spcPct val="100000"/>
               </a:lnSpc>
-              <a:buFont typeface="Arial" panose="020B0604020202020204" pitchFamily="34" charset="0"/>
-              <a:buChar char="•"/>
             </a:pPr>
-            <a:endParaRPr lang="en-US" sz="3600" spc="-1" dirty="0">
-              <a:solidFill>
-                <a:srgbClr val="000000"/>
-              </a:solidFill>
-              <a:uFill>
-                <a:solidFill>
-                  <a:srgbClr val="FFFFFF"/>
-                </a:solidFill>
-              </a:uFill>
-              <a:latin typeface="Trebuchet MS"/>
-            </a:endParaRPr>
-          </a:p>
-          <a:p>
-            <a:pPr marL="571500" indent="-571500">
+            <a:r>
+              <a:rPr lang="en-US" sz="5400" b="1" u="sng" strike="noStrike" spc="-1">
+                <a:solidFill>
+                  <a:srgbClr val="385623"/>
+                </a:solidFill>
+                <a:uFill>
+                  <a:solidFill>
+                    <a:srgbClr val="FFFFFF"/>
+                  </a:solidFill>
+                </a:uFill>
+                <a:latin typeface="Calibri"/>
+                <a:ea typeface="DejaVu Sans"/>
+              </a:rPr>
+              <a:t>CONCLUSIONS</a:t>
+            </a:r>
+            <a:endParaRPr lang="en-US" sz="1800" b="0" strike="noStrike" spc="-1">
+              <a:solidFill>
+                <a:srgbClr val="000000"/>
+              </a:solidFill>
+              <a:uFill>
+                <a:solidFill>
+                  <a:srgbClr val="FFFFFF"/>
+                </a:solidFill>
+              </a:uFill>
+              <a:latin typeface="Arial"/>
+            </a:endParaRPr>
+          </a:p>
+        </p:txBody>
+      </p:sp>
+      <p:sp>
+        <p:nvSpPr>
+          <p:cNvPr id="53" name="CustomShape 18"/>
+          <p:cNvSpPr/>
+          <p:nvPr/>
+        </p:nvSpPr>
+        <p:spPr>
+          <a:xfrm>
+            <a:off x="33261186" y="20973303"/>
+            <a:ext cx="9874080" cy="9313650"/>
+          </a:xfrm>
+          <a:prstGeom prst="rect">
+            <a:avLst/>
+          </a:prstGeom>
+          <a:noFill/>
+          <a:ln>
+            <a:noFill/>
+          </a:ln>
+        </p:spPr>
+        <p:style>
+          <a:lnRef idx="0">
+            <a:scrgbClr r="0" g="0" b="0"/>
+          </a:lnRef>
+          <a:fillRef idx="0">
+            <a:scrgbClr r="0" g="0" b="0"/>
+          </a:fillRef>
+          <a:effectRef idx="0">
+            <a:scrgbClr r="0" g="0" b="0"/>
+          </a:effectRef>
+          <a:fontRef idx="minor"/>
+        </p:style>
+        <p:txBody>
+          <a:bodyPr lIns="130680" tIns="130680" rIns="130680" bIns="130680"/>
+          <a:lstStyle/>
+          <a:p>
+            <a:pPr>
               <a:lnSpc>
                 <a:spcPct val="100000"/>
               </a:lnSpc>
-              <a:buFont typeface="Arial" panose="020B0604020202020204" pitchFamily="34" charset="0"/>
-              <a:buChar char="•"/>
             </a:pPr>
             <a:r>
+              <a:rPr lang="en-US" sz="3600" spc="-1" dirty="0">
+                <a:solidFill>
+                  <a:srgbClr val="000000"/>
+                </a:solidFill>
+                <a:uFill>
+                  <a:solidFill>
+                    <a:srgbClr val="FFFFFF"/>
+                  </a:solidFill>
+                </a:uFill>
+                <a:latin typeface="Trebuchet MS"/>
+              </a:rPr>
+              <a:t>1. </a:t>
+            </a:r>
+            <a:r>
               <a:rPr lang="en-US" sz="3600" spc="-1" dirty="0" err="1">
                 <a:solidFill>
                   <a:srgbClr val="000000"/>
@@ -3864,6 +3992,132 @@
                 </a:uFill>
                 <a:latin typeface="Trebuchet MS"/>
               </a:rPr>
+              <a:t>Balaneshinkordan</a:t>
+            </a:r>
+            <a:r>
+              <a:rPr lang="en-US" sz="3600" spc="-1" dirty="0">
+                <a:solidFill>
+                  <a:srgbClr val="000000"/>
+                </a:solidFill>
+                <a:uFill>
+                  <a:solidFill>
+                    <a:srgbClr val="FFFFFF"/>
+                  </a:solidFill>
+                </a:uFill>
+                <a:latin typeface="Trebuchet MS"/>
+              </a:rPr>
+              <a:t>, Saeid, Alexander Kotov, and </a:t>
+            </a:r>
+            <a:r>
+              <a:rPr lang="en-US" sz="3600" spc="-1" dirty="0" err="1">
+                <a:solidFill>
+                  <a:srgbClr val="000000"/>
+                </a:solidFill>
+                <a:uFill>
+                  <a:solidFill>
+                    <a:srgbClr val="FFFFFF"/>
+                  </a:solidFill>
+                </a:uFill>
+                <a:latin typeface="Trebuchet MS"/>
+              </a:rPr>
+              <a:t>Railan</a:t>
+            </a:r>
+            <a:r>
+              <a:rPr lang="en-US" sz="3600" spc="-1" dirty="0">
+                <a:solidFill>
+                  <a:srgbClr val="000000"/>
+                </a:solidFill>
+                <a:uFill>
+                  <a:solidFill>
+                    <a:srgbClr val="FFFFFF"/>
+                  </a:solidFill>
+                </a:uFill>
+                <a:latin typeface="Trebuchet MS"/>
+              </a:rPr>
+              <a:t> </a:t>
+            </a:r>
+            <a:r>
+              <a:rPr lang="en-US" sz="3600" spc="-1" dirty="0" err="1">
+                <a:solidFill>
+                  <a:srgbClr val="000000"/>
+                </a:solidFill>
+                <a:uFill>
+                  <a:solidFill>
+                    <a:srgbClr val="FFFFFF"/>
+                  </a:solidFill>
+                </a:uFill>
+                <a:latin typeface="Trebuchet MS"/>
+              </a:rPr>
+              <a:t>Xisto</a:t>
+            </a:r>
+            <a:r>
+              <a:rPr lang="en-US" sz="3600" spc="-1" dirty="0">
+                <a:solidFill>
+                  <a:srgbClr val="000000"/>
+                </a:solidFill>
+                <a:uFill>
+                  <a:solidFill>
+                    <a:srgbClr val="FFFFFF"/>
+                  </a:solidFill>
+                </a:uFill>
+                <a:latin typeface="Trebuchet MS"/>
+              </a:rPr>
+              <a:t>. "WSU-IR at TREC 2015 Clinical Decision Support Track: Joint Weighting of Explicit and Latent Medical Query Concepts from Diverse Sources." In TREC. 2015.</a:t>
+            </a:r>
+          </a:p>
+          <a:p>
+            <a:pPr>
+              <a:lnSpc>
+                <a:spcPct val="100000"/>
+              </a:lnSpc>
+            </a:pPr>
+            <a:r>
+              <a:rPr lang="en-US" sz="3600" spc="-1" dirty="0">
+                <a:solidFill>
+                  <a:srgbClr val="000000"/>
+                </a:solidFill>
+                <a:uFill>
+                  <a:solidFill>
+                    <a:srgbClr val="FFFFFF"/>
+                  </a:solidFill>
+                </a:uFill>
+                <a:latin typeface="Trebuchet MS"/>
+              </a:rPr>
+              <a:t> </a:t>
+            </a:r>
+          </a:p>
+          <a:p>
+            <a:pPr>
+              <a:lnSpc>
+                <a:spcPct val="100000"/>
+              </a:lnSpc>
+            </a:pPr>
+            <a:r>
+              <a:rPr lang="en-US" sz="3600" spc="-1" dirty="0">
+                <a:solidFill>
+                  <a:srgbClr val="000000"/>
+                </a:solidFill>
+                <a:uFill>
+                  <a:solidFill>
+                    <a:srgbClr val="FFFFFF"/>
+                  </a:solidFill>
+                </a:uFill>
+                <a:latin typeface="Trebuchet MS"/>
+              </a:rPr>
+              <a:t>2. </a:t>
+            </a:r>
+            <a:r>
+              <a:rPr lang="en-US" sz="3600" spc="-1" dirty="0" err="1">
+                <a:solidFill>
+                  <a:srgbClr val="000000"/>
+                </a:solidFill>
+                <a:uFill>
+                  <a:solidFill>
+                    <a:srgbClr val="FFFFFF"/>
+                  </a:solidFill>
+                </a:uFill>
+                <a:latin typeface="Trebuchet MS"/>
+              </a:rPr>
               <a:t>Balaneshin-kordan</a:t>
             </a:r>
             <a:r>
@@ -3878,35 +4132,7 @@
                 </a:uFill>
                 <a:latin typeface="Trebuchet MS"/>
               </a:rPr>
-              <a:t>, Saeid, and Alexander </a:t>
-            </a:r>
-            <a:r>
-              <a:rPr lang="en-US" sz="3600" spc="-1" dirty="0" err="1">
-                <a:solidFill>
-                  <a:srgbClr val="000000"/>
-                </a:solidFill>
-                <a:uFill>
-                  <a:solidFill>
-                    <a:srgbClr val="FFFFFF"/>
-                  </a:solidFill>
-                </a:uFill>
-                <a:latin typeface="Trebuchet MS"/>
-              </a:rPr>
-              <a:t>Kotov</a:t>
-            </a:r>
-            <a:r>
-              <a:rPr lang="en-US" sz="3600" spc="-1" dirty="0">
-                <a:solidFill>
-                  <a:srgbClr val="000000"/>
-                </a:solidFill>
-                <a:uFill>
-                  <a:solidFill>
-                    <a:srgbClr val="FFFFFF"/>
-                  </a:solidFill>
-                </a:uFill>
-                <a:latin typeface="Trebuchet MS"/>
-              </a:rPr>
-              <a:t>. "Optimization method for weighting explicit and latent concepts in clinical decision support queries." In Proceedings of the 2016 ACM on International Conference on the Theory of Information Retrieval, pp. 241-250. ACM, 2016.</a:t>
+              <a:t>, Saeid, and Alexander Kotov. "Optimization method for weighting explicit and latent concepts in clinical decision support queries." In Proceedings of the 2016 ACM on International Conference on the Theory of Information Retrieval, pp. 241-250. ACM, 2016.</a:t>
             </a:r>
           </a:p>
           <a:p>
@@ -3939,7 +4165,7 @@
         </p:nvSpPr>
         <p:spPr>
           <a:xfrm>
-            <a:off x="32991480" y="17765910"/>
+            <a:off x="32932800" y="20080392"/>
             <a:ext cx="10383480" cy="927000"/>
           </a:xfrm>
           <a:prstGeom prst="rect">
@@ -4076,7 +4302,7 @@
         </p:nvSpPr>
         <p:spPr>
           <a:xfrm>
-            <a:off x="33284160" y="29045880"/>
+            <a:off x="33229337" y="29784690"/>
             <a:ext cx="9874080" cy="3003840"/>
           </a:xfrm>
           <a:prstGeom prst="rect">
@@ -4307,7 +4533,7 @@
         </p:nvSpPr>
         <p:spPr>
           <a:xfrm>
-            <a:off x="33000840" y="28168560"/>
+            <a:off x="32783634" y="28897941"/>
             <a:ext cx="10383480" cy="927000"/>
           </a:xfrm>
           <a:prstGeom prst="rect">
@@ -4340,7 +4566,7 @@
               </a:lnSpc>
             </a:pPr>
             <a:r>
-              <a:rPr lang="en-US" sz="5400" b="1" u="sng" strike="noStrike" spc="-1">
+              <a:rPr lang="en-US" sz="5400" b="1" u="sng" strike="noStrike" spc="-1" dirty="0">
                 <a:solidFill>
                   <a:srgbClr val="385623"/>
                 </a:solidFill>
@@ -4354,7 +4580,7 @@
               </a:rPr>
               <a:t>CONTACT</a:t>
             </a:r>
-            <a:endParaRPr lang="en-US" sz="1800" b="0" strike="noStrike" spc="-1">
+            <a:endParaRPr lang="en-US" sz="1800" b="0" strike="noStrike" spc="-1" dirty="0">
               <a:solidFill>
                 <a:srgbClr val="000000"/>
               </a:solidFill>
@@ -4462,31 +4688,6 @@
           </a:ln>
         </p:spPr>
       </p:pic>
-      <p:pic>
-        <p:nvPicPr>
-          <p:cNvPr id="65" name="Picture 70"/>
-          <p:cNvPicPr/>
-          <p:nvPr/>
-        </p:nvPicPr>
-        <p:blipFill>
-          <a:blip r:embed="rId7"/>
-          <a:stretch/>
-        </p:blipFill>
-        <p:spPr>
-          <a:xfrm>
-            <a:off x="12203280" y="25295400"/>
-            <a:ext cx="8464680" cy="6844680"/>
-          </a:xfrm>
-          <a:prstGeom prst="rect">
-            <a:avLst/>
-          </a:prstGeom>
-          <a:ln>
-            <a:solidFill>
-              <a:schemeClr val="tx2"/>
-            </a:solidFill>
-          </a:ln>
-        </p:spPr>
-      </p:pic>
       <p:sp>
         <p:nvSpPr>
           <p:cNvPr id="66" name="CustomShape 26"/>
@@ -4831,14 +5032,14 @@
       </p:sp>
       <p:sp>
         <p:nvSpPr>
-          <p:cNvPr id="70" name="CustomShape 30"/>
+          <p:cNvPr id="71" name="CustomShape 31"/>
           <p:cNvSpPr/>
           <p:nvPr/>
         </p:nvSpPr>
         <p:spPr>
           <a:xfrm>
-            <a:off x="12728160" y="15305040"/>
-            <a:ext cx="2870280" cy="942840"/>
+            <a:off x="11626200" y="16503120"/>
+            <a:ext cx="4883760" cy="1037880"/>
           </a:xfrm>
           <a:prstGeom prst="rect">
             <a:avLst/>
@@ -4860,87 +5061,17 @@
           </a:effectRef>
           <a:fontRef idx="minor"/>
         </p:style>
-        <p:txBody>
-          <a:bodyPr wrap="none" lIns="90000" tIns="45000" rIns="90000" bIns="45000"/>
-          <a:lstStyle/>
-          <a:p>
-            <a:pPr algn="ctr">
-              <a:lnSpc>
-                <a:spcPct val="100000"/>
-              </a:lnSpc>
-            </a:pPr>
-            <a:r>
-              <a:rPr lang="en-US" sz="2800" b="0" strike="noStrike" spc="-1">
-                <a:solidFill>
-                  <a:srgbClr val="000000"/>
-                </a:solidFill>
-                <a:uFill>
-                  <a:solidFill>
-                    <a:srgbClr val="FFFFFF"/>
-                  </a:solidFill>
-                </a:uFill>
-                <a:latin typeface="Arial"/>
-                <a:ea typeface="DejaVu Sans"/>
-              </a:rPr>
-              <a:t>Savitzky-Golay</a:t>
-            </a:r>
-            <a:endParaRPr lang="en-US" sz="1800" b="0" strike="noStrike" spc="-1">
-              <a:solidFill>
-                <a:srgbClr val="000000"/>
-              </a:solidFill>
-              <a:uFill>
-                <a:solidFill>
-                  <a:srgbClr val="FFFFFF"/>
-                </a:solidFill>
-              </a:uFill>
-              <a:latin typeface="Arial"/>
-            </a:endParaRPr>
-          </a:p>
-          <a:p>
-            <a:pPr algn="ctr">
-              <a:lnSpc>
-                <a:spcPct val="100000"/>
-              </a:lnSpc>
-            </a:pPr>
-            <a:r>
-              <a:rPr lang="en-US" sz="2800" b="0" strike="noStrike" spc="-1">
-                <a:solidFill>
-                  <a:srgbClr val="000000"/>
-                </a:solidFill>
-                <a:uFill>
-                  <a:solidFill>
-                    <a:srgbClr val="FFFFFF"/>
-                  </a:solidFill>
-                </a:uFill>
-                <a:latin typeface="Arial"/>
-                <a:ea typeface="DejaVu Sans"/>
-              </a:rPr>
-              <a:t>Smoothing Filter:</a:t>
-            </a:r>
-            <a:endParaRPr lang="en-US" sz="1800" b="0" strike="noStrike" spc="-1">
-              <a:solidFill>
-                <a:srgbClr val="000000"/>
-              </a:solidFill>
-              <a:uFill>
-                <a:solidFill>
-                  <a:srgbClr val="FFFFFF"/>
-                </a:solidFill>
-              </a:uFill>
-              <a:latin typeface="Arial"/>
-            </a:endParaRPr>
-          </a:p>
-        </p:txBody>
-      </p:sp>
-      <p:sp>
-        <p:nvSpPr>
-          <p:cNvPr id="71" name="CustomShape 31"/>
+      </p:sp>
+      <p:sp>
+        <p:nvSpPr>
+          <p:cNvPr id="73" name="CustomShape 33"/>
           <p:cNvSpPr/>
           <p:nvPr/>
         </p:nvSpPr>
         <p:spPr>
           <a:xfrm>
-            <a:off x="11626200" y="16503120"/>
-            <a:ext cx="4883760" cy="1037880"/>
+            <a:off x="11626200" y="17734320"/>
+            <a:ext cx="4883760" cy="368280"/>
           </a:xfrm>
           <a:prstGeom prst="rect">
             <a:avLst/>
@@ -4965,88 +5096,14 @@
       </p:sp>
       <p:sp>
         <p:nvSpPr>
-          <p:cNvPr id="72" name="CustomShape 32"/>
+          <p:cNvPr id="76" name="CustomShape 36"/>
           <p:cNvSpPr/>
           <p:nvPr/>
         </p:nvSpPr>
         <p:spPr>
           <a:xfrm>
-            <a:off x="11767680" y="16522200"/>
-            <a:ext cx="4883760" cy="1037880"/>
-          </a:xfrm>
-          <a:prstGeom prst="rect">
-            <a:avLst/>
-          </a:prstGeom>
-          <a:blipFill>
-            <a:blip r:embed="rId8"/>
-            <a:stretch>
-              <a:fillRect/>
-            </a:stretch>
-          </a:blipFill>
-          <a:ln>
-            <a:noFill/>
-          </a:ln>
-        </p:spPr>
-        <p:style>
-          <a:lnRef idx="0">
-            <a:scrgbClr r="0" g="0" b="0"/>
-          </a:lnRef>
-          <a:fillRef idx="0">
-            <a:scrgbClr r="0" g="0" b="0"/>
-          </a:fillRef>
-          <a:effectRef idx="0">
-            <a:scrgbClr r="0" g="0" b="0"/>
-          </a:effectRef>
-          <a:fontRef idx="minor"/>
-        </p:style>
-        <p:txBody>
-          <a:bodyPr lIns="90000" tIns="45000" rIns="90000" bIns="45000"/>
-          <a:lstStyle/>
-          <a:p>
-            <a:pPr>
-              <a:lnSpc>
-                <a:spcPct val="100000"/>
-              </a:lnSpc>
-            </a:pPr>
-            <a:r>
-              <a:rPr lang="en-US" sz="1800" b="0" strike="noStrike" spc="-1">
-                <a:solidFill>
-                  <a:srgbClr val="000000"/>
-                </a:solidFill>
-                <a:uFill>
-                  <a:solidFill>
-                    <a:srgbClr val="FFFFFF"/>
-                  </a:solidFill>
-                </a:uFill>
-                <a:latin typeface="Arial"/>
-                <a:ea typeface="DejaVu Sans"/>
-              </a:rPr>
-              <a:t> </a:t>
-            </a:r>
-            <a:endParaRPr lang="en-US" sz="1800" b="0" strike="noStrike" spc="-1">
-              <a:solidFill>
-                <a:srgbClr val="000000"/>
-              </a:solidFill>
-              <a:uFill>
-                <a:solidFill>
-                  <a:srgbClr val="FFFFFF"/>
-                </a:solidFill>
-              </a:uFill>
-              <a:latin typeface="Arial"/>
-            </a:endParaRPr>
-          </a:p>
-        </p:txBody>
-      </p:sp>
-      <p:sp>
-        <p:nvSpPr>
-          <p:cNvPr id="73" name="CustomShape 33"/>
-          <p:cNvSpPr/>
-          <p:nvPr/>
-        </p:nvSpPr>
-        <p:spPr>
-          <a:xfrm>
-            <a:off x="11626200" y="17734320"/>
-            <a:ext cx="4883760" cy="368280"/>
+            <a:off x="12134520" y="18661680"/>
+            <a:ext cx="413280" cy="429840"/>
           </a:xfrm>
           <a:prstGeom prst="rect">
             <a:avLst/>
@@ -5068,255 +5125,6 @@
           </a:effectRef>
           <a:fontRef idx="minor"/>
         </p:style>
-      </p:sp>
-      <p:sp>
-        <p:nvSpPr>
-          <p:cNvPr id="74" name="CustomShape 34"/>
-          <p:cNvSpPr/>
-          <p:nvPr/>
-        </p:nvSpPr>
-        <p:spPr>
-          <a:xfrm>
-            <a:off x="11757240" y="17743320"/>
-            <a:ext cx="4883760" cy="368280"/>
-          </a:xfrm>
-          <a:prstGeom prst="rect">
-            <a:avLst/>
-          </a:prstGeom>
-          <a:blipFill>
-            <a:blip r:embed="rId9"/>
-            <a:stretch>
-              <a:fillRect b="-38149"/>
-            </a:stretch>
-          </a:blipFill>
-          <a:ln>
-            <a:noFill/>
-          </a:ln>
-        </p:spPr>
-        <p:style>
-          <a:lnRef idx="0">
-            <a:scrgbClr r="0" g="0" b="0"/>
-          </a:lnRef>
-          <a:fillRef idx="0">
-            <a:scrgbClr r="0" g="0" b="0"/>
-          </a:fillRef>
-          <a:effectRef idx="0">
-            <a:scrgbClr r="0" g="0" b="0"/>
-          </a:effectRef>
-          <a:fontRef idx="minor"/>
-        </p:style>
-        <p:txBody>
-          <a:bodyPr lIns="90000" tIns="45000" rIns="90000" bIns="45000"/>
-          <a:lstStyle/>
-          <a:p>
-            <a:pPr>
-              <a:lnSpc>
-                <a:spcPct val="100000"/>
-              </a:lnSpc>
-            </a:pPr>
-            <a:r>
-              <a:rPr lang="en-US" sz="1800" b="0" strike="noStrike" spc="-1">
-                <a:solidFill>
-                  <a:srgbClr val="000000"/>
-                </a:solidFill>
-                <a:uFill>
-                  <a:solidFill>
-                    <a:srgbClr val="FFFFFF"/>
-                  </a:solidFill>
-                </a:uFill>
-                <a:latin typeface="Arial"/>
-                <a:ea typeface="DejaVu Sans"/>
-              </a:rPr>
-              <a:t> </a:t>
-            </a:r>
-            <a:endParaRPr lang="en-US" sz="1800" b="0" strike="noStrike" spc="-1">
-              <a:solidFill>
-                <a:srgbClr val="000000"/>
-              </a:solidFill>
-              <a:uFill>
-                <a:solidFill>
-                  <a:srgbClr val="FFFFFF"/>
-                </a:solidFill>
-              </a:uFill>
-              <a:latin typeface="Arial"/>
-            </a:endParaRPr>
-          </a:p>
-        </p:txBody>
-      </p:sp>
-      <p:sp>
-        <p:nvSpPr>
-          <p:cNvPr id="75" name="CustomShape 35"/>
-          <p:cNvSpPr/>
-          <p:nvPr/>
-        </p:nvSpPr>
-        <p:spPr>
-          <a:xfrm>
-            <a:off x="12499200" y="18601920"/>
-            <a:ext cx="3328920" cy="516240"/>
-          </a:xfrm>
-          <a:prstGeom prst="rect">
-            <a:avLst/>
-          </a:prstGeom>
-          <a:noFill/>
-          <a:ln>
-            <a:noFill/>
-          </a:ln>
-        </p:spPr>
-        <p:style>
-          <a:lnRef idx="0">
-            <a:scrgbClr r="0" g="0" b="0"/>
-          </a:lnRef>
-          <a:fillRef idx="0">
-            <a:scrgbClr r="0" g="0" b="0"/>
-          </a:fillRef>
-          <a:effectRef idx="0">
-            <a:scrgbClr r="0" g="0" b="0"/>
-          </a:effectRef>
-          <a:fontRef idx="minor"/>
-        </p:style>
-        <p:txBody>
-          <a:bodyPr wrap="none" lIns="90000" tIns="45000" rIns="90000" bIns="45000"/>
-          <a:lstStyle/>
-          <a:p>
-            <a:pPr algn="ctr">
-              <a:lnSpc>
-                <a:spcPct val="100000"/>
-              </a:lnSpc>
-            </a:pPr>
-            <a:r>
-              <a:rPr lang="en-US" sz="2800" b="0" strike="noStrike" spc="-1">
-                <a:solidFill>
-                  <a:srgbClr val="000000"/>
-                </a:solidFill>
-                <a:uFill>
-                  <a:solidFill>
-                    <a:srgbClr val="FFFFFF"/>
-                  </a:solidFill>
-                </a:uFill>
-                <a:latin typeface="Arial"/>
-                <a:ea typeface="DejaVu Sans"/>
-              </a:rPr>
-              <a:t>is a Jacobian matrix</a:t>
-            </a:r>
-            <a:endParaRPr lang="en-US" sz="1800" b="0" strike="noStrike" spc="-1">
-              <a:solidFill>
-                <a:srgbClr val="000000"/>
-              </a:solidFill>
-              <a:uFill>
-                <a:solidFill>
-                  <a:srgbClr val="FFFFFF"/>
-                </a:solidFill>
-              </a:uFill>
-              <a:latin typeface="Arial"/>
-            </a:endParaRPr>
-          </a:p>
-        </p:txBody>
-      </p:sp>
-      <p:sp>
-        <p:nvSpPr>
-          <p:cNvPr id="76" name="CustomShape 36"/>
-          <p:cNvSpPr/>
-          <p:nvPr/>
-        </p:nvSpPr>
-        <p:spPr>
-          <a:xfrm>
-            <a:off x="12134520" y="18661680"/>
-            <a:ext cx="413280" cy="429840"/>
-          </a:xfrm>
-          <a:prstGeom prst="rect">
-            <a:avLst/>
-          </a:prstGeom>
-          <a:noFill/>
-          <a:ln>
-            <a:noFill/>
-          </a:ln>
-        </p:spPr>
-        <p:style>
-          <a:lnRef idx="0">
-            <a:scrgbClr r="0" g="0" b="0"/>
-          </a:lnRef>
-          <a:fillRef idx="0">
-            <a:scrgbClr r="0" g="0" b="0"/>
-          </a:fillRef>
-          <a:effectRef idx="0">
-            <a:scrgbClr r="0" g="0" b="0"/>
-          </a:effectRef>
-          <a:fontRef idx="minor"/>
-        </p:style>
-      </p:sp>
-      <p:sp>
-        <p:nvSpPr>
-          <p:cNvPr id="77" name="CustomShape 37"/>
-          <p:cNvSpPr/>
-          <p:nvPr/>
-        </p:nvSpPr>
-        <p:spPr>
-          <a:xfrm>
-            <a:off x="12134520" y="18623520"/>
-            <a:ext cx="413280" cy="429840"/>
-          </a:xfrm>
-          <a:prstGeom prst="rect">
-            <a:avLst/>
-          </a:prstGeom>
-          <a:blipFill>
-            <a:blip r:embed="rId10"/>
-            <a:stretch>
-              <a:fillRect/>
-            </a:stretch>
-          </a:blipFill>
-          <a:ln>
-            <a:noFill/>
-          </a:ln>
-        </p:spPr>
-        <p:style>
-          <a:lnRef idx="0">
-            <a:scrgbClr r="0" g="0" b="0"/>
-          </a:lnRef>
-          <a:fillRef idx="0">
-            <a:scrgbClr r="0" g="0" b="0"/>
-          </a:fillRef>
-          <a:effectRef idx="0">
-            <a:scrgbClr r="0" g="0" b="0"/>
-          </a:effectRef>
-          <a:fontRef idx="minor"/>
-        </p:style>
-        <p:txBody>
-          <a:bodyPr lIns="90000" tIns="45000" rIns="90000" bIns="45000"/>
-          <a:lstStyle/>
-          <a:p>
-            <a:pPr>
-              <a:lnSpc>
-                <a:spcPct val="100000"/>
-              </a:lnSpc>
-            </a:pPr>
-            <a:r>
-              <a:rPr lang="en-US" sz="1800" b="0" strike="noStrike" spc="-1">
-                <a:solidFill>
-                  <a:srgbClr val="000000"/>
-                </a:solidFill>
-                <a:uFill>
-                  <a:solidFill>
-                    <a:srgbClr val="FFFFFF"/>
-                  </a:solidFill>
-                </a:uFill>
-                <a:latin typeface="Arial"/>
-                <a:ea typeface="DejaVu Sans"/>
-              </a:rPr>
-              <a:t> </a:t>
-            </a:r>
-            <a:endParaRPr lang="en-US" sz="1800" b="0" strike="noStrike" spc="-1">
-              <a:solidFill>
-                <a:srgbClr val="000000"/>
-              </a:solidFill>
-              <a:uFill>
-                <a:solidFill>
-                  <a:srgbClr val="FFFFFF"/>
-                </a:solidFill>
-              </a:uFill>
-              <a:latin typeface="Arial"/>
-            </a:endParaRPr>
-          </a:p>
-        </p:txBody>
       </p:sp>
       <p:pic>
         <p:nvPicPr>
@@ -5325,7 +5133,7 @@
           <p:nvPr/>
         </p:nvPicPr>
         <p:blipFill>
-          <a:blip r:embed="rId11"/>
+          <a:blip r:embed="rId7"/>
           <a:stretch/>
         </p:blipFill>
         <p:spPr>
@@ -5351,7 +5159,7 @@
           <p:nvPr/>
         </p:nvPicPr>
         <p:blipFill>
-          <a:blip r:embed="rId12"/>
+          <a:blip r:embed="rId8"/>
           <a:stretch/>
         </p:blipFill>
         <p:spPr>
@@ -5380,7 +5188,7 @@
           <p:nvPr/>
         </p:nvPicPr>
         <p:blipFill>
-          <a:blip r:embed="rId13"/>
+          <a:blip r:embed="rId9"/>
           <a:stretch/>
         </p:blipFill>
         <p:spPr>
@@ -5406,7 +5214,7 @@
           <p:nvPr/>
         </p:nvPicPr>
         <p:blipFill>
-          <a:blip r:embed="rId14"/>
+          <a:blip r:embed="rId10"/>
           <a:stretch/>
         </p:blipFill>
         <p:spPr>
@@ -5432,7 +5240,7 @@
           <p:nvPr/>
         </p:nvPicPr>
         <p:blipFill>
-          <a:blip r:embed="rId15"/>
+          <a:blip r:embed="rId11"/>
           <a:stretch/>
         </p:blipFill>
         <p:spPr>
@@ -6024,7 +5832,7 @@
           <p:nvPr/>
         </p:nvPicPr>
         <p:blipFill>
-          <a:blip r:embed="rId16"/>
+          <a:blip r:embed="rId12"/>
           <a:stretch/>
         </p:blipFill>
         <p:spPr>
@@ -6049,7 +5857,7 @@
           <p:nvPr/>
         </p:nvPicPr>
         <p:blipFill>
-          <a:blip r:embed="rId17"/>
+          <a:blip r:embed="rId13"/>
           <a:stretch/>
         </p:blipFill>
         <p:spPr>
@@ -6074,7 +5882,7 @@
           <p:nvPr/>
         </p:nvPicPr>
         <p:blipFill>
-          <a:blip r:embed="rId18"/>
+          <a:blip r:embed="rId14"/>
           <a:stretch/>
         </p:blipFill>
         <p:spPr>
@@ -6099,7 +5907,7 @@
           <p:nvPr/>
         </p:nvPicPr>
         <p:blipFill>
-          <a:blip r:embed="rId19"/>
+          <a:blip r:embed="rId15"/>
           <a:stretch/>
         </p:blipFill>
         <p:spPr>

--- a/pptx-version/main.pptx
+++ b/pptx-version/main.pptx
@@ -886,8 +886,13 @@
         <a:p>
           <a:r>
             <a:rPr lang="en-US" sz="3200" dirty="0"/>
-            <a:t>Concept Resources</a:t>
+            <a:t>Concept </a:t>
           </a:r>
+          <a:r>
+            <a:rPr lang="en-US" sz="3200" dirty="0" smtClean="0"/>
+            <a:t>Sources</a:t>
+          </a:r>
+          <a:endParaRPr lang="en-US" sz="3200" dirty="0"/>
         </a:p>
       </dgm:t>
     </dgm:pt>
@@ -1599,9 +1604,10 @@
         <a:lstStyle/>
         <a:p>
           <a:r>
-            <a:rPr lang="en-US" sz="2000" dirty="0"/>
-            <a:t>Direct Extraction</a:t>
+            <a:rPr lang="en-US" sz="2000" dirty="0" smtClean="0"/>
+            <a:t>Query Terms</a:t>
           </a:r>
+          <a:endParaRPr lang="en-US" sz="2000" dirty="0"/>
         </a:p>
       </dgm:t>
     </dgm:pt>
@@ -1810,9 +1816,10 @@
         <a:lstStyle/>
         <a:p>
           <a:r>
-            <a:rPr lang="en-US" sz="2000" dirty="0"/>
-            <a:t>Direct Extraction</a:t>
+            <a:rPr lang="en-US" sz="2000" dirty="0" smtClean="0"/>
+            <a:t>Query Terms</a:t>
           </a:r>
+          <a:endParaRPr lang="en-US" sz="2000" dirty="0"/>
         </a:p>
       </dgm:t>
     </dgm:pt>
@@ -2102,6 +2109,13 @@
         </dgm:presLayoutVars>
       </dgm:prSet>
       <dgm:spPr/>
+      <dgm:t>
+        <a:bodyPr/>
+        <a:lstStyle/>
+        <a:p>
+          <a:endParaRPr lang="en-US"/>
+        </a:p>
+      </dgm:t>
     </dgm:pt>
     <dgm:pt modelId="{7570A5BA-0FD6-48BD-812C-97B35B09AC29}" type="pres">
       <dgm:prSet presAssocID="{7642F782-A02D-49BF-AFDA-BA4A7DA811A4}" presName="vertOne" presStyleCnt="0"/>
@@ -2114,6 +2128,13 @@
         </dgm:presLayoutVars>
       </dgm:prSet>
       <dgm:spPr/>
+      <dgm:t>
+        <a:bodyPr/>
+        <a:lstStyle/>
+        <a:p>
+          <a:endParaRPr lang="en-US"/>
+        </a:p>
+      </dgm:t>
     </dgm:pt>
     <dgm:pt modelId="{B197982F-4C1D-4325-A1FC-A09544C34C1B}" type="pres">
       <dgm:prSet presAssocID="{7642F782-A02D-49BF-AFDA-BA4A7DA811A4}" presName="parTransOne" presStyleCnt="0"/>
@@ -2134,6 +2155,13 @@
         </dgm:presLayoutVars>
       </dgm:prSet>
       <dgm:spPr/>
+      <dgm:t>
+        <a:bodyPr/>
+        <a:lstStyle/>
+        <a:p>
+          <a:endParaRPr lang="en-US"/>
+        </a:p>
+      </dgm:t>
     </dgm:pt>
     <dgm:pt modelId="{2FD4718B-63FC-410D-8E4C-CBC0B909CC87}" type="pres">
       <dgm:prSet presAssocID="{8128725B-399A-49C8-8857-D4FF68BCAC9F}" presName="parTransTwo" presStyleCnt="0"/>
@@ -2154,6 +2182,13 @@
         </dgm:presLayoutVars>
       </dgm:prSet>
       <dgm:spPr/>
+      <dgm:t>
+        <a:bodyPr/>
+        <a:lstStyle/>
+        <a:p>
+          <a:endParaRPr lang="en-US"/>
+        </a:p>
+      </dgm:t>
     </dgm:pt>
     <dgm:pt modelId="{C399E2C5-CCAC-4571-B78B-2CD2E915F2E8}" type="pres">
       <dgm:prSet presAssocID="{10F47C41-8B80-48D7-809C-A7F5E25FE142}" presName="parTransThree" presStyleCnt="0"/>
@@ -2178,6 +2213,13 @@
         </dgm:presLayoutVars>
       </dgm:prSet>
       <dgm:spPr/>
+      <dgm:t>
+        <a:bodyPr/>
+        <a:lstStyle/>
+        <a:p>
+          <a:endParaRPr lang="en-US"/>
+        </a:p>
+      </dgm:t>
     </dgm:pt>
     <dgm:pt modelId="{041B5DD8-E89A-422D-BC59-8B5E1A570422}" type="pres">
       <dgm:prSet presAssocID="{88C38A2D-488F-4C1D-86B3-7D71C2F07101}" presName="horzFour" presStyleCnt="0"/>
@@ -2202,6 +2244,13 @@
         </dgm:presLayoutVars>
       </dgm:prSet>
       <dgm:spPr/>
+      <dgm:t>
+        <a:bodyPr/>
+        <a:lstStyle/>
+        <a:p>
+          <a:endParaRPr lang="en-US"/>
+        </a:p>
+      </dgm:t>
     </dgm:pt>
     <dgm:pt modelId="{D5454747-769E-4581-B770-E5D36DB4B58A}" type="pres">
       <dgm:prSet presAssocID="{DC3813C7-DFA3-4667-B76B-DF5E059931B0}" presName="horzFour" presStyleCnt="0"/>
@@ -2226,6 +2275,13 @@
         </dgm:presLayoutVars>
       </dgm:prSet>
       <dgm:spPr/>
+      <dgm:t>
+        <a:bodyPr/>
+        <a:lstStyle/>
+        <a:p>
+          <a:endParaRPr lang="en-US"/>
+        </a:p>
+      </dgm:t>
     </dgm:pt>
     <dgm:pt modelId="{DAFE621D-822C-4CEA-8A48-CC35F3D178B4}" type="pres">
       <dgm:prSet presAssocID="{0C130065-912E-437F-B2F7-BABE489B799A}" presName="horzFour" presStyleCnt="0"/>
@@ -2246,6 +2302,13 @@
         </dgm:presLayoutVars>
       </dgm:prSet>
       <dgm:spPr/>
+      <dgm:t>
+        <a:bodyPr/>
+        <a:lstStyle/>
+        <a:p>
+          <a:endParaRPr lang="en-US"/>
+        </a:p>
+      </dgm:t>
     </dgm:pt>
     <dgm:pt modelId="{30485E95-6B7A-48D4-9230-EF29D011024B}" type="pres">
       <dgm:prSet presAssocID="{5809878B-8B87-4B5C-ACB2-E80EA3425302}" presName="parTransThree" presStyleCnt="0"/>
@@ -2270,6 +2333,13 @@
         </dgm:presLayoutVars>
       </dgm:prSet>
       <dgm:spPr/>
+      <dgm:t>
+        <a:bodyPr/>
+        <a:lstStyle/>
+        <a:p>
+          <a:endParaRPr lang="en-US"/>
+        </a:p>
+      </dgm:t>
     </dgm:pt>
     <dgm:pt modelId="{15A9DBF8-FE6F-4493-9624-5723C496CD63}" type="pres">
       <dgm:prSet presAssocID="{AF5F3850-FB20-483B-AE90-0380D37EAF81}" presName="horzFour" presStyleCnt="0"/>
@@ -2294,6 +2364,13 @@
         </dgm:presLayoutVars>
       </dgm:prSet>
       <dgm:spPr/>
+      <dgm:t>
+        <a:bodyPr/>
+        <a:lstStyle/>
+        <a:p>
+          <a:endParaRPr lang="en-US"/>
+        </a:p>
+      </dgm:t>
     </dgm:pt>
     <dgm:pt modelId="{F81E2135-AFD9-4776-B535-87A816F3E28A}" type="pres">
       <dgm:prSet presAssocID="{A637D47E-7ED5-4A64-B08D-251211A91849}" presName="horzFour" presStyleCnt="0"/>
@@ -2318,6 +2395,13 @@
         </dgm:presLayoutVars>
       </dgm:prSet>
       <dgm:spPr/>
+      <dgm:t>
+        <a:bodyPr/>
+        <a:lstStyle/>
+        <a:p>
+          <a:endParaRPr lang="en-US"/>
+        </a:p>
+      </dgm:t>
     </dgm:pt>
     <dgm:pt modelId="{5126BCFA-DA97-4672-9F3A-9735FE8F02E0}" type="pres">
       <dgm:prSet presAssocID="{77CC0001-1C1F-4B91-B88F-22601914E491}" presName="horzFour" presStyleCnt="0"/>
@@ -2338,6 +2422,13 @@
         </dgm:presLayoutVars>
       </dgm:prSet>
       <dgm:spPr/>
+      <dgm:t>
+        <a:bodyPr/>
+        <a:lstStyle/>
+        <a:p>
+          <a:endParaRPr lang="en-US"/>
+        </a:p>
+      </dgm:t>
     </dgm:pt>
     <dgm:pt modelId="{FA9B6451-BE0B-4718-86BF-147938F5BC69}" type="pres">
       <dgm:prSet presAssocID="{18C27FF5-1EDF-4402-A535-8E5247FF3230}" presName="parTransTwo" presStyleCnt="0"/>
@@ -2358,6 +2449,13 @@
         </dgm:presLayoutVars>
       </dgm:prSet>
       <dgm:spPr/>
+      <dgm:t>
+        <a:bodyPr/>
+        <a:lstStyle/>
+        <a:p>
+          <a:endParaRPr lang="en-US"/>
+        </a:p>
+      </dgm:t>
     </dgm:pt>
     <dgm:pt modelId="{552CACFF-3455-4738-9A8E-E5668FFFF1D2}" type="pres">
       <dgm:prSet presAssocID="{94F94F85-4CC4-4860-BBD2-C7CF09F41DF4}" presName="parTransThree" presStyleCnt="0"/>
@@ -2382,6 +2480,13 @@
         </dgm:presLayoutVars>
       </dgm:prSet>
       <dgm:spPr/>
+      <dgm:t>
+        <a:bodyPr/>
+        <a:lstStyle/>
+        <a:p>
+          <a:endParaRPr lang="en-US"/>
+        </a:p>
+      </dgm:t>
     </dgm:pt>
     <dgm:pt modelId="{6DD7B32B-478D-4047-A2C4-54DF1381D77E}" type="pres">
       <dgm:prSet presAssocID="{8C6EF56E-F24F-484E-923F-8AD388A516A1}" presName="horzFour" presStyleCnt="0"/>
@@ -2406,6 +2511,13 @@
         </dgm:presLayoutVars>
       </dgm:prSet>
       <dgm:spPr/>
+      <dgm:t>
+        <a:bodyPr/>
+        <a:lstStyle/>
+        <a:p>
+          <a:endParaRPr lang="en-US"/>
+        </a:p>
+      </dgm:t>
     </dgm:pt>
     <dgm:pt modelId="{3913ED61-11E9-4149-A909-9947E1D1A7F8}" type="pres">
       <dgm:prSet presAssocID="{E195CBD9-D0EE-4950-9966-3C26A4E241E7}" presName="horzFour" presStyleCnt="0"/>
@@ -2430,6 +2542,13 @@
         </dgm:presLayoutVars>
       </dgm:prSet>
       <dgm:spPr/>
+      <dgm:t>
+        <a:bodyPr/>
+        <a:lstStyle/>
+        <a:p>
+          <a:endParaRPr lang="en-US"/>
+        </a:p>
+      </dgm:t>
     </dgm:pt>
     <dgm:pt modelId="{1DC58949-F38A-45A7-9FFC-EA2A1BBCB8AC}" type="pres">
       <dgm:prSet presAssocID="{FAF883BD-28DA-4E7F-8626-DC9781A3B177}" presName="horzFour" presStyleCnt="0"/>
@@ -2450,6 +2569,13 @@
         </dgm:presLayoutVars>
       </dgm:prSet>
       <dgm:spPr/>
+      <dgm:t>
+        <a:bodyPr/>
+        <a:lstStyle/>
+        <a:p>
+          <a:endParaRPr lang="en-US"/>
+        </a:p>
+      </dgm:t>
     </dgm:pt>
     <dgm:pt modelId="{CE77DF1B-FC3E-44FA-A1F8-39FC373D8B82}" type="pres">
       <dgm:prSet presAssocID="{A1646B0B-8AF7-45F5-BB06-2376AC925BEF}" presName="parTransThree" presStyleCnt="0"/>
@@ -2474,6 +2600,13 @@
         </dgm:presLayoutVars>
       </dgm:prSet>
       <dgm:spPr/>
+      <dgm:t>
+        <a:bodyPr/>
+        <a:lstStyle/>
+        <a:p>
+          <a:endParaRPr lang="en-US"/>
+        </a:p>
+      </dgm:t>
     </dgm:pt>
     <dgm:pt modelId="{F0748B97-F543-459C-B4F8-3BFE6B2FCAF2}" type="pres">
       <dgm:prSet presAssocID="{F05FEA02-193B-42A1-ABB8-C8B04904B61C}" presName="horzFour" presStyleCnt="0"/>
@@ -2498,6 +2631,13 @@
         </dgm:presLayoutVars>
       </dgm:prSet>
       <dgm:spPr/>
+      <dgm:t>
+        <a:bodyPr/>
+        <a:lstStyle/>
+        <a:p>
+          <a:endParaRPr lang="en-US"/>
+        </a:p>
+      </dgm:t>
     </dgm:pt>
     <dgm:pt modelId="{CE6D167E-B743-42B8-B711-038C9EEAC01D}" type="pres">
       <dgm:prSet presAssocID="{A2FDDE3F-2708-477F-9EC2-CF9AB7752E41}" presName="horzFour" presStyleCnt="0"/>
@@ -2522,6 +2662,13 @@
         </dgm:presLayoutVars>
       </dgm:prSet>
       <dgm:spPr/>
+      <dgm:t>
+        <a:bodyPr/>
+        <a:lstStyle/>
+        <a:p>
+          <a:endParaRPr lang="en-US"/>
+        </a:p>
+      </dgm:t>
     </dgm:pt>
     <dgm:pt modelId="{AA69B2E2-616F-4981-A0F9-5AA3673F4F98}" type="pres">
       <dgm:prSet presAssocID="{35B0B4B7-418B-4E7F-8AC8-0D44BE018552}" presName="horzFour" presStyleCnt="0"/>
@@ -2542,6 +2689,13 @@
         </dgm:presLayoutVars>
       </dgm:prSet>
       <dgm:spPr/>
+      <dgm:t>
+        <a:bodyPr/>
+        <a:lstStyle/>
+        <a:p>
+          <a:endParaRPr lang="en-US"/>
+        </a:p>
+      </dgm:t>
     </dgm:pt>
     <dgm:pt modelId="{49FD24BD-C123-47F4-AFAE-404E683EA89E}" type="pres">
       <dgm:prSet presAssocID="{DFA33DFF-921C-4775-AF14-A0F8C77AD1B6}" presName="parTransTwo" presStyleCnt="0"/>
@@ -2562,6 +2716,13 @@
         </dgm:presLayoutVars>
       </dgm:prSet>
       <dgm:spPr/>
+      <dgm:t>
+        <a:bodyPr/>
+        <a:lstStyle/>
+        <a:p>
+          <a:endParaRPr lang="en-US"/>
+        </a:p>
+      </dgm:t>
     </dgm:pt>
     <dgm:pt modelId="{EFC91326-AD26-4763-9D04-72C69E5C610D}" type="pres">
       <dgm:prSet presAssocID="{1C4BDFFF-A78E-4E16-A97A-4F25C1EA9501}" presName="parTransThree" presStyleCnt="0"/>
@@ -2586,6 +2747,13 @@
         </dgm:presLayoutVars>
       </dgm:prSet>
       <dgm:spPr/>
+      <dgm:t>
+        <a:bodyPr/>
+        <a:lstStyle/>
+        <a:p>
+          <a:endParaRPr lang="en-US"/>
+        </a:p>
+      </dgm:t>
     </dgm:pt>
     <dgm:pt modelId="{4C39E873-7440-41F6-8EEA-C18711C2E631}" type="pres">
       <dgm:prSet presAssocID="{51C6D4A4-BD37-4F40-91FC-9BA0170D8C83}" presName="horzFour" presStyleCnt="0"/>
@@ -2610,6 +2778,13 @@
         </dgm:presLayoutVars>
       </dgm:prSet>
       <dgm:spPr/>
+      <dgm:t>
+        <a:bodyPr/>
+        <a:lstStyle/>
+        <a:p>
+          <a:endParaRPr lang="en-US"/>
+        </a:p>
+      </dgm:t>
     </dgm:pt>
     <dgm:pt modelId="{9BFCA2AD-8BB6-4683-8E40-B7CEAFE89478}" type="pres">
       <dgm:prSet presAssocID="{4C27A233-61DF-4BE4-9154-A429BFC57655}" presName="horzFour" presStyleCnt="0"/>
@@ -2634,6 +2809,13 @@
         </dgm:presLayoutVars>
       </dgm:prSet>
       <dgm:spPr/>
+      <dgm:t>
+        <a:bodyPr/>
+        <a:lstStyle/>
+        <a:p>
+          <a:endParaRPr lang="en-US"/>
+        </a:p>
+      </dgm:t>
     </dgm:pt>
     <dgm:pt modelId="{EB2DE1DF-3F32-4047-950A-0CEFC6590F41}" type="pres">
       <dgm:prSet presAssocID="{EC8CA80C-EF41-4436-8FF0-8F16A4B96AB6}" presName="horzFour" presStyleCnt="0"/>
@@ -2654,6 +2836,13 @@
         </dgm:presLayoutVars>
       </dgm:prSet>
       <dgm:spPr/>
+      <dgm:t>
+        <a:bodyPr/>
+        <a:lstStyle/>
+        <a:p>
+          <a:endParaRPr lang="en-US"/>
+        </a:p>
+      </dgm:t>
     </dgm:pt>
     <dgm:pt modelId="{897897F1-1AF8-4547-904C-2945609C22B7}" type="pres">
       <dgm:prSet presAssocID="{5670BE29-F8E0-4C10-82B4-2F47F0F0CD92}" presName="parTransTwo" presStyleCnt="0"/>
@@ -2674,6 +2863,13 @@
         </dgm:presLayoutVars>
       </dgm:prSet>
       <dgm:spPr/>
+      <dgm:t>
+        <a:bodyPr/>
+        <a:lstStyle/>
+        <a:p>
+          <a:endParaRPr lang="en-US"/>
+        </a:p>
+      </dgm:t>
     </dgm:pt>
     <dgm:pt modelId="{F0FEF1E2-8C30-4A7E-B4DF-B4E85CD5A0C2}" type="pres">
       <dgm:prSet presAssocID="{53F9EF45-4CD1-4F53-A46E-80A7E495F9D0}" presName="parTransThree" presStyleCnt="0"/>
@@ -2698,6 +2894,13 @@
         </dgm:presLayoutVars>
       </dgm:prSet>
       <dgm:spPr/>
+      <dgm:t>
+        <a:bodyPr/>
+        <a:lstStyle/>
+        <a:p>
+          <a:endParaRPr lang="en-US"/>
+        </a:p>
+      </dgm:t>
     </dgm:pt>
     <dgm:pt modelId="{0EFB891B-A5A5-4415-AB71-3848C1776D7B}" type="pres">
       <dgm:prSet presAssocID="{C610BC4D-D410-4970-AC41-C858A16171CB}" presName="horzFour" presStyleCnt="0"/>
@@ -2722,6 +2925,13 @@
         </dgm:presLayoutVars>
       </dgm:prSet>
       <dgm:spPr/>
+      <dgm:t>
+        <a:bodyPr/>
+        <a:lstStyle/>
+        <a:p>
+          <a:endParaRPr lang="en-US"/>
+        </a:p>
+      </dgm:t>
     </dgm:pt>
     <dgm:pt modelId="{CA0C56B1-E2B2-44D9-A9FE-6EB98C3C085D}" type="pres">
       <dgm:prSet presAssocID="{4AE58508-C27A-4395-AD7C-44981C08238D}" presName="horzFour" presStyleCnt="0"/>
@@ -2746,6 +2956,13 @@
         </dgm:presLayoutVars>
       </dgm:prSet>
       <dgm:spPr/>
+      <dgm:t>
+        <a:bodyPr/>
+        <a:lstStyle/>
+        <a:p>
+          <a:endParaRPr lang="en-US"/>
+        </a:p>
+      </dgm:t>
     </dgm:pt>
     <dgm:pt modelId="{49E60B7A-5026-4394-8757-ACEEE48A68D2}" type="pres">
       <dgm:prSet presAssocID="{ABB022CC-3471-46C2-8631-2A8F62A6AA99}" presName="horzFour" presStyleCnt="0"/>
@@ -2753,65 +2970,65 @@
     </dgm:pt>
   </dgm:ptLst>
   <dgm:cxnLst>
+    <dgm:cxn modelId="{29322DD2-C676-4B44-9D4E-E275026BBE2F}" srcId="{10F47C41-8B80-48D7-809C-A7F5E25FE142}" destId="{0C130065-912E-437F-B2F7-BABE489B799A}" srcOrd="2" destOrd="0" parTransId="{E30F7D5F-8BE2-453C-B354-C23F5C478612}" sibTransId="{1A279C45-E7F6-4BF1-88DF-026EBCA88CEE}"/>
+    <dgm:cxn modelId="{3962C58A-9338-4F52-ACB6-1E2DB982F6E5}" type="presOf" srcId="{A1646B0B-8AF7-45F5-BB06-2376AC925BEF}" destId="{49EA169B-E620-4006-AD72-1A185E09D796}" srcOrd="0" destOrd="0" presId="urn:microsoft.com/office/officeart/2005/8/layout/hierarchy4"/>
+    <dgm:cxn modelId="{D887C4C2-496F-4892-9FB0-B2D8CF2D5AB3}" type="presOf" srcId="{5809878B-8B87-4B5C-ACB2-E80EA3425302}" destId="{DD78A3BF-EE5B-4A68-AA1A-47C5462373D0}" srcOrd="0" destOrd="0" presId="urn:microsoft.com/office/officeart/2005/8/layout/hierarchy4"/>
+    <dgm:cxn modelId="{12A0C698-A061-43D4-B610-7D4475A9980D}" type="presOf" srcId="{C610BC4D-D410-4970-AC41-C858A16171CB}" destId="{BF2B8E90-50D1-4001-B16F-665D499C96D1}" srcOrd="0" destOrd="0" presId="urn:microsoft.com/office/officeart/2005/8/layout/hierarchy4"/>
+    <dgm:cxn modelId="{F143047F-81E0-41B8-9A8C-7AFD7FCACAD0}" srcId="{53F9EF45-4CD1-4F53-A46E-80A7E495F9D0}" destId="{C610BC4D-D410-4970-AC41-C858A16171CB}" srcOrd="0" destOrd="0" parTransId="{601E5740-C995-4B74-A4D2-9D5D6FC8FA47}" sibTransId="{C7DFBCE8-FE53-435C-BB72-5312109F0C3D}"/>
+    <dgm:cxn modelId="{C2660D6D-5A99-4A42-8EDF-57935574EE97}" srcId="{1C4BDFFF-A78E-4E16-A97A-4F25C1EA9501}" destId="{EC8CA80C-EF41-4436-8FF0-8F16A4B96AB6}" srcOrd="2" destOrd="0" parTransId="{65B12046-0FD9-4E5A-8878-E364A467F1FC}" sibTransId="{A8B50E8F-3161-4AB4-9009-E2D507D3F7AF}"/>
+    <dgm:cxn modelId="{DF4365DD-0AD0-40FB-A5D7-65CA0C415FD8}" type="presOf" srcId="{FAF883BD-28DA-4E7F-8626-DC9781A3B177}" destId="{A0CBAF96-4AC1-4AF3-A726-68B8E9DB20DB}" srcOrd="0" destOrd="0" presId="urn:microsoft.com/office/officeart/2005/8/layout/hierarchy4"/>
+    <dgm:cxn modelId="{A8AB2CD5-CE91-4AF3-851B-DADD6ABD2A77}" type="presOf" srcId="{4C27A233-61DF-4BE4-9154-A429BFC57655}" destId="{F309C8B8-C946-43E7-899E-AC889ED3E6D5}" srcOrd="0" destOrd="0" presId="urn:microsoft.com/office/officeart/2005/8/layout/hierarchy4"/>
+    <dgm:cxn modelId="{6AE27F7C-6F2A-4756-BCB6-B282E4953B36}" srcId="{94F94F85-4CC4-4860-BBD2-C7CF09F41DF4}" destId="{8C6EF56E-F24F-484E-923F-8AD388A516A1}" srcOrd="0" destOrd="0" parTransId="{2C4F624D-18B6-4940-BD77-791106237D8B}" sibTransId="{CE1EC047-99FE-457B-8729-930AC68D0334}"/>
+    <dgm:cxn modelId="{9FCBA28A-BF2A-4522-92CA-7BC089C8492E}" type="presOf" srcId="{1C4BDFFF-A78E-4E16-A97A-4F25C1EA9501}" destId="{66665F88-A84A-41C7-957C-E1C16F69F20D}" srcOrd="0" destOrd="0" presId="urn:microsoft.com/office/officeart/2005/8/layout/hierarchy4"/>
+    <dgm:cxn modelId="{EB2BD85E-9878-4089-9C24-66E6587BDE92}" srcId="{10F47C41-8B80-48D7-809C-A7F5E25FE142}" destId="{DC3813C7-DFA3-4667-B76B-DF5E059931B0}" srcOrd="1" destOrd="0" parTransId="{F8CE531A-DD18-4D6A-AF57-CE94E499DC27}" sibTransId="{B582D3F4-1304-43D2-890B-D3A8B75C0E8B}"/>
+    <dgm:cxn modelId="{7DE1C7D5-3D3D-49D6-B1FC-A6DFA11D7B9B}" type="presOf" srcId="{0C130065-912E-437F-B2F7-BABE489B799A}" destId="{614FDF4C-7BBD-4D78-9DFB-67842ABEC3B2}" srcOrd="0" destOrd="0" presId="urn:microsoft.com/office/officeart/2005/8/layout/hierarchy4"/>
+    <dgm:cxn modelId="{A0176B9B-E3C5-4A9D-BC33-BC5235AFA092}" type="presOf" srcId="{E195CBD9-D0EE-4950-9966-3C26A4E241E7}" destId="{F17EEE8F-806D-4110-9173-490301349CD0}" srcOrd="0" destOrd="0" presId="urn:microsoft.com/office/officeart/2005/8/layout/hierarchy4"/>
+    <dgm:cxn modelId="{7B0BFC6D-874E-44DF-8089-5D046913261B}" srcId="{5670BE29-F8E0-4C10-82B4-2F47F0F0CD92}" destId="{53F9EF45-4CD1-4F53-A46E-80A7E495F9D0}" srcOrd="0" destOrd="0" parTransId="{723ACADA-3260-4543-984A-A95F187FDE83}" sibTransId="{BCFA67F2-688E-4A31-BA48-7D4515C08B8D}"/>
+    <dgm:cxn modelId="{0BA90E2E-26C2-4662-B238-7EAC9D5678FC}" srcId="{A1646B0B-8AF7-45F5-BB06-2376AC925BEF}" destId="{A2FDDE3F-2708-477F-9EC2-CF9AB7752E41}" srcOrd="1" destOrd="0" parTransId="{8C142852-A7E6-49B7-BD58-9EE69BDC7026}" sibTransId="{0B10A3FF-1277-4CFE-A198-17A215CB8405}"/>
+    <dgm:cxn modelId="{542BC623-EE66-4A84-8553-D9F566A42AE9}" type="presOf" srcId="{5670BE29-F8E0-4C10-82B4-2F47F0F0CD92}" destId="{DFA6608E-0F16-4C30-941F-2A9A36E5EDC3}" srcOrd="0" destOrd="0" presId="urn:microsoft.com/office/officeart/2005/8/layout/hierarchy4"/>
+    <dgm:cxn modelId="{5B10D3E5-CF43-4A4B-9B6A-1C8E6D43AEDE}" srcId="{18C27FF5-1EDF-4402-A535-8E5247FF3230}" destId="{94F94F85-4CC4-4860-BBD2-C7CF09F41DF4}" srcOrd="0" destOrd="0" parTransId="{A6E7437A-6DD8-4344-A8A7-B0B3B4C2D7F1}" sibTransId="{9ABDF9C0-482A-46B6-9723-419C237EE05F}"/>
+    <dgm:cxn modelId="{BD7C65DA-5265-41E4-ACDD-9FB4D938837E}" srcId="{8128725B-399A-49C8-8857-D4FF68BCAC9F}" destId="{5809878B-8B87-4B5C-ACB2-E80EA3425302}" srcOrd="1" destOrd="0" parTransId="{D20610D4-9166-4DAC-A217-F898BCD5D1BC}" sibTransId="{19415E91-008D-4F8E-9030-40D17150DA62}"/>
+    <dgm:cxn modelId="{2DBF8A3C-C583-4F55-9714-018D1A22E4B8}" type="presOf" srcId="{77CC0001-1C1F-4B91-B88F-22601914E491}" destId="{A410603D-3745-44B2-B4FA-702287B4D697}" srcOrd="0" destOrd="0" presId="urn:microsoft.com/office/officeart/2005/8/layout/hierarchy4"/>
+    <dgm:cxn modelId="{D9F98FF5-648E-4C10-8813-2D44E3AFB5B1}" type="presOf" srcId="{EC8CA80C-EF41-4436-8FF0-8F16A4B96AB6}" destId="{1F76A1E6-4FFB-4188-9FFC-EEB83B03FD45}" srcOrd="0" destOrd="0" presId="urn:microsoft.com/office/officeart/2005/8/layout/hierarchy4"/>
+    <dgm:cxn modelId="{4BAC8541-A7F5-42C5-9463-23694425C7B8}" srcId="{5809878B-8B87-4B5C-ACB2-E80EA3425302}" destId="{77CC0001-1C1F-4B91-B88F-22601914E491}" srcOrd="2" destOrd="0" parTransId="{74FADA68-D6ED-42A1-942E-C9B632ACCD21}" sibTransId="{E4C794B7-5D51-4B30-8407-CC80B040BAE9}"/>
+    <dgm:cxn modelId="{33AA883E-8945-46FE-81A5-19A17A0A9F49}" type="presOf" srcId="{94F94F85-4CC4-4860-BBD2-C7CF09F41DF4}" destId="{A40525EC-94E2-4D84-93EC-288ADE9C796A}" srcOrd="0" destOrd="0" presId="urn:microsoft.com/office/officeart/2005/8/layout/hierarchy4"/>
+    <dgm:cxn modelId="{6C246A62-EFD8-470D-9D5B-28ACE52BD98E}" type="presOf" srcId="{88C38A2D-488F-4C1D-86B3-7D71C2F07101}" destId="{9E483EE1-BB18-4FCA-920B-8F68DC610622}" srcOrd="0" destOrd="0" presId="urn:microsoft.com/office/officeart/2005/8/layout/hierarchy4"/>
+    <dgm:cxn modelId="{EC46FEE3-984A-49D9-9A77-FE9707F3CAAB}" type="presOf" srcId="{A2FDDE3F-2708-477F-9EC2-CF9AB7752E41}" destId="{25524CA6-06C0-4F70-A230-113CFEA3D86A}" srcOrd="0" destOrd="0" presId="urn:microsoft.com/office/officeart/2005/8/layout/hierarchy4"/>
+    <dgm:cxn modelId="{4F083032-76D2-45E8-9AA2-EE6A7945E831}" srcId="{53F9EF45-4CD1-4F53-A46E-80A7E495F9D0}" destId="{ABB022CC-3471-46C2-8631-2A8F62A6AA99}" srcOrd="2" destOrd="0" parTransId="{467A53FB-CCA0-4450-B2E9-B8FCAFCFFEB8}" sibTransId="{85E6D94E-9FEB-4542-A76F-B19ADB22D3F0}"/>
+    <dgm:cxn modelId="{FB9A0B6F-4752-4C18-A4A5-9CC3A7038E1A}" srcId="{10F47C41-8B80-48D7-809C-A7F5E25FE142}" destId="{88C38A2D-488F-4C1D-86B3-7D71C2F07101}" srcOrd="0" destOrd="0" parTransId="{8B75615E-BEDF-47D9-8FD5-9468145FD476}" sibTransId="{8449A992-0040-4A1B-B95E-6A4E89D18EED}"/>
+    <dgm:cxn modelId="{E8234CCA-1313-45AA-9CE6-6B20327179C2}" srcId="{18C27FF5-1EDF-4402-A535-8E5247FF3230}" destId="{A1646B0B-8AF7-45F5-BB06-2376AC925BEF}" srcOrd="1" destOrd="0" parTransId="{C52EA732-8474-4904-B46F-978048534E7D}" sibTransId="{F4D8F035-1F56-4C08-BC5E-BDA655F426A0}"/>
+    <dgm:cxn modelId="{F5DC05DF-A37F-4EC3-B855-4C774E899CAC}" type="presOf" srcId="{AF5F3850-FB20-483B-AE90-0380D37EAF81}" destId="{25F392F6-151B-43BC-9F82-7022DA1E37B2}" srcOrd="0" destOrd="0" presId="urn:microsoft.com/office/officeart/2005/8/layout/hierarchy4"/>
+    <dgm:cxn modelId="{6CF4CDF3-CFF2-4FA6-B264-6572E0614A25}" srcId="{53F9EF45-4CD1-4F53-A46E-80A7E495F9D0}" destId="{4AE58508-C27A-4395-AD7C-44981C08238D}" srcOrd="1" destOrd="0" parTransId="{83A282A6-6059-4995-B18A-F20D2EB5E11E}" sibTransId="{C34C3F5C-867D-4684-BBB1-69C749F9345D}"/>
+    <dgm:cxn modelId="{F393FED6-27EE-4B89-A4C1-9543EF8F6A91}" srcId="{A1646B0B-8AF7-45F5-BB06-2376AC925BEF}" destId="{35B0B4B7-418B-4E7F-8AC8-0D44BE018552}" srcOrd="2" destOrd="0" parTransId="{5FCF962A-C4A7-4BC0-B823-983B77BA0799}" sibTransId="{94A40238-8C8F-488D-9336-301678A8892C}"/>
+    <dgm:cxn modelId="{69C73773-B7EB-4C6D-A2C7-1E7D567F26D4}" srcId="{1C4BDFFF-A78E-4E16-A97A-4F25C1EA9501}" destId="{4C27A233-61DF-4BE4-9154-A429BFC57655}" srcOrd="1" destOrd="0" parTransId="{8B7D8A0F-3FDE-404E-9EF9-1924F759F511}" sibTransId="{EC23DE32-00CF-4944-AE3B-0A5D5BA924BC}"/>
+    <dgm:cxn modelId="{DA19EDEE-EE77-4B45-806E-D2D58301CE9C}" srcId="{7642F782-A02D-49BF-AFDA-BA4A7DA811A4}" destId="{DFA33DFF-921C-4775-AF14-A0F8C77AD1B6}" srcOrd="2" destOrd="0" parTransId="{EA93CF94-06A3-4475-8824-05DEB72359BA}" sibTransId="{86255EEC-D5D2-43F5-95CC-2DA2F647351C}"/>
+    <dgm:cxn modelId="{202FA2F5-1596-4420-807A-4AF8472E9C39}" srcId="{5809878B-8B87-4B5C-ACB2-E80EA3425302}" destId="{A637D47E-7ED5-4A64-B08D-251211A91849}" srcOrd="1" destOrd="0" parTransId="{006FCD55-3E2E-4473-B74F-EA5CB6593840}" sibTransId="{BF7CD623-3667-40DB-A1D3-6730A69CF9CA}"/>
+    <dgm:cxn modelId="{D9AF5531-4188-409C-A577-4BAA58029E9E}" type="presOf" srcId="{35B0B4B7-418B-4E7F-8AC8-0D44BE018552}" destId="{AAB29CB6-2EB4-4C74-A133-64093B47CEE7}" srcOrd="0" destOrd="0" presId="urn:microsoft.com/office/officeart/2005/8/layout/hierarchy4"/>
+    <dgm:cxn modelId="{262098D3-F54C-41E7-9A87-5CF0693F2EAF}" type="presOf" srcId="{4AE58508-C27A-4395-AD7C-44981C08238D}" destId="{BF927036-1607-414D-AE44-D0EF37546ECA}" srcOrd="0" destOrd="0" presId="urn:microsoft.com/office/officeart/2005/8/layout/hierarchy4"/>
+    <dgm:cxn modelId="{76890847-F9BA-49AA-B3B1-BE6986DC7226}" type="presOf" srcId="{DFA33DFF-921C-4775-AF14-A0F8C77AD1B6}" destId="{D7E86C80-1687-4072-9A91-055461824854}" srcOrd="0" destOrd="0" presId="urn:microsoft.com/office/officeart/2005/8/layout/hierarchy4"/>
+    <dgm:cxn modelId="{74FBBA85-A190-48B5-BF00-DAE096559D04}" srcId="{A1646B0B-8AF7-45F5-BB06-2376AC925BEF}" destId="{F05FEA02-193B-42A1-ABB8-C8B04904B61C}" srcOrd="0" destOrd="0" parTransId="{ABC404BF-D639-4CC3-A534-4506F9615E96}" sibTransId="{BD1D1F10-0AFD-4B38-926B-2E7981EF4B04}"/>
     <dgm:cxn modelId="{DA9D9204-84B5-4B9D-977D-6CA6A2A4C311}" srcId="{7642F782-A02D-49BF-AFDA-BA4A7DA811A4}" destId="{18C27FF5-1EDF-4402-A535-8E5247FF3230}" srcOrd="1" destOrd="0" parTransId="{4239020F-749A-469A-A36D-2E21C608D303}" sibTransId="{AEEC1C92-8C91-4DEA-A229-F9305BA54AAE}"/>
+    <dgm:cxn modelId="{F3FB9683-C627-4484-8BAA-5C2B88D08F78}" srcId="{5809878B-8B87-4B5C-ACB2-E80EA3425302}" destId="{AF5F3850-FB20-483B-AE90-0380D37EAF81}" srcOrd="0" destOrd="0" parTransId="{8ABBA2D5-1156-41C0-AADD-3BF3F2048341}" sibTransId="{7978B0CA-CED4-43DA-80D3-0E52DFF0380B}"/>
     <dgm:cxn modelId="{05478022-91E2-4C66-8998-BEF01919A77F}" type="presOf" srcId="{8C6EF56E-F24F-484E-923F-8AD388A516A1}" destId="{F3CC3116-DC21-49CE-98F8-5EC874993B08}" srcOrd="0" destOrd="0" presId="urn:microsoft.com/office/officeart/2005/8/layout/hierarchy4"/>
+    <dgm:cxn modelId="{2A06AEFD-9EC6-4F00-A875-65C09E45CD89}" type="presOf" srcId="{A637D47E-7ED5-4A64-B08D-251211A91849}" destId="{140B43CE-B728-4A02-BF9A-AD448162C99C}" srcOrd="0" destOrd="0" presId="urn:microsoft.com/office/officeart/2005/8/layout/hierarchy4"/>
+    <dgm:cxn modelId="{F7358B78-5160-434D-9C7C-8EFBD6DE54EC}" srcId="{7642F782-A02D-49BF-AFDA-BA4A7DA811A4}" destId="{5670BE29-F8E0-4C10-82B4-2F47F0F0CD92}" srcOrd="3" destOrd="0" parTransId="{4C95E761-9B75-45FD-9AE8-49B8F75490B1}" sibTransId="{96E4D341-2604-4FF7-933A-95E616E12093}"/>
+    <dgm:cxn modelId="{2C2D73F7-6A8D-44A2-A947-F7E60C47DEDC}" type="presOf" srcId="{10F47C41-8B80-48D7-809C-A7F5E25FE142}" destId="{5B315DD4-0F26-4ABA-9679-A619C798C1B8}" srcOrd="0" destOrd="0" presId="urn:microsoft.com/office/officeart/2005/8/layout/hierarchy4"/>
+    <dgm:cxn modelId="{8447EE7E-D2DD-40CC-A77A-64D228E1EA8D}" type="presOf" srcId="{DC3813C7-DFA3-4667-B76B-DF5E059931B0}" destId="{C6458FC0-2A65-4F89-A7DF-CBA6AEF960DB}" srcOrd="0" destOrd="0" presId="urn:microsoft.com/office/officeart/2005/8/layout/hierarchy4"/>
+    <dgm:cxn modelId="{2A8B4B4D-F03D-419A-86C6-A715EE951444}" srcId="{94F94F85-4CC4-4860-BBD2-C7CF09F41DF4}" destId="{E195CBD9-D0EE-4950-9966-3C26A4E241E7}" srcOrd="1" destOrd="0" parTransId="{FE45782B-CCA7-4F4E-A04B-169EC292F9AD}" sibTransId="{D14C39D6-547E-4FE6-888F-01497AF5EE63}"/>
+    <dgm:cxn modelId="{2D5D2EBD-CB40-4553-9E99-4F68063A0918}" srcId="{7642F782-A02D-49BF-AFDA-BA4A7DA811A4}" destId="{8128725B-399A-49C8-8857-D4FF68BCAC9F}" srcOrd="0" destOrd="0" parTransId="{95F58576-720D-43D4-83EC-C6D4B0654B78}" sibTransId="{926E1E26-34D8-4953-88D5-F22B9E60E81D}"/>
+    <dgm:cxn modelId="{3AAF0738-E1AA-46BC-9FDC-488B7CA727A9}" type="presOf" srcId="{53F9EF45-4CD1-4F53-A46E-80A7E495F9D0}" destId="{50F9E06A-5F9A-483F-9915-2F4EEFF13AC6}" srcOrd="0" destOrd="0" presId="urn:microsoft.com/office/officeart/2005/8/layout/hierarchy4"/>
     <dgm:cxn modelId="{F6FE8523-864B-4CD2-B498-98C281EA1AD0}" type="presOf" srcId="{7642F782-A02D-49BF-AFDA-BA4A7DA811A4}" destId="{8647D42D-2D38-411E-A4CC-12A83EFDB665}" srcOrd="0" destOrd="0" presId="urn:microsoft.com/office/officeart/2005/8/layout/hierarchy4"/>
-    <dgm:cxn modelId="{542BC623-EE66-4A84-8553-D9F566A42AE9}" type="presOf" srcId="{5670BE29-F8E0-4C10-82B4-2F47F0F0CD92}" destId="{DFA6608E-0F16-4C30-941F-2A9A36E5EDC3}" srcOrd="0" destOrd="0" presId="urn:microsoft.com/office/officeart/2005/8/layout/hierarchy4"/>
-    <dgm:cxn modelId="{0BA90E2E-26C2-4662-B238-7EAC9D5678FC}" srcId="{A1646B0B-8AF7-45F5-BB06-2376AC925BEF}" destId="{A2FDDE3F-2708-477F-9EC2-CF9AB7752E41}" srcOrd="1" destOrd="0" parTransId="{8C142852-A7E6-49B7-BD58-9EE69BDC7026}" sibTransId="{0B10A3FF-1277-4CFE-A198-17A215CB8405}"/>
-    <dgm:cxn modelId="{D9AF5531-4188-409C-A577-4BAA58029E9E}" type="presOf" srcId="{35B0B4B7-418B-4E7F-8AC8-0D44BE018552}" destId="{AAB29CB6-2EB4-4C74-A133-64093B47CEE7}" srcOrd="0" destOrd="0" presId="urn:microsoft.com/office/officeart/2005/8/layout/hierarchy4"/>
-    <dgm:cxn modelId="{4F083032-76D2-45E8-9AA2-EE6A7945E831}" srcId="{53F9EF45-4CD1-4F53-A46E-80A7E495F9D0}" destId="{ABB022CC-3471-46C2-8631-2A8F62A6AA99}" srcOrd="2" destOrd="0" parTransId="{467A53FB-CCA0-4450-B2E9-B8FCAFCFFEB8}" sibTransId="{85E6D94E-9FEB-4542-A76F-B19ADB22D3F0}"/>
-    <dgm:cxn modelId="{3AAF0738-E1AA-46BC-9FDC-488B7CA727A9}" type="presOf" srcId="{53F9EF45-4CD1-4F53-A46E-80A7E495F9D0}" destId="{50F9E06A-5F9A-483F-9915-2F4EEFF13AC6}" srcOrd="0" destOrd="0" presId="urn:microsoft.com/office/officeart/2005/8/layout/hierarchy4"/>
-    <dgm:cxn modelId="{2DBF8A3C-C583-4F55-9714-018D1A22E4B8}" type="presOf" srcId="{77CC0001-1C1F-4B91-B88F-22601914E491}" destId="{A410603D-3745-44B2-B4FA-702287B4D697}" srcOrd="0" destOrd="0" presId="urn:microsoft.com/office/officeart/2005/8/layout/hierarchy4"/>
-    <dgm:cxn modelId="{33AA883E-8945-46FE-81A5-19A17A0A9F49}" type="presOf" srcId="{94F94F85-4CC4-4860-BBD2-C7CF09F41DF4}" destId="{A40525EC-94E2-4D84-93EC-288ADE9C796A}" srcOrd="0" destOrd="0" presId="urn:microsoft.com/office/officeart/2005/8/layout/hierarchy4"/>
-    <dgm:cxn modelId="{EB2BD85E-9878-4089-9C24-66E6587BDE92}" srcId="{10F47C41-8B80-48D7-809C-A7F5E25FE142}" destId="{DC3813C7-DFA3-4667-B76B-DF5E059931B0}" srcOrd="1" destOrd="0" parTransId="{F8CE531A-DD18-4D6A-AF57-CE94E499DC27}" sibTransId="{B582D3F4-1304-43D2-890B-D3A8B75C0E8B}"/>
-    <dgm:cxn modelId="{4BAC8541-A7F5-42C5-9463-23694425C7B8}" srcId="{5809878B-8B87-4B5C-ACB2-E80EA3425302}" destId="{77CC0001-1C1F-4B91-B88F-22601914E491}" srcOrd="2" destOrd="0" parTransId="{74FADA68-D6ED-42A1-942E-C9B632ACCD21}" sibTransId="{E4C794B7-5D51-4B30-8407-CC80B040BAE9}"/>
-    <dgm:cxn modelId="{6C246A62-EFD8-470D-9D5B-28ACE52BD98E}" type="presOf" srcId="{88C38A2D-488F-4C1D-86B3-7D71C2F07101}" destId="{9E483EE1-BB18-4FCA-920B-8F68DC610622}" srcOrd="0" destOrd="0" presId="urn:microsoft.com/office/officeart/2005/8/layout/hierarchy4"/>
-    <dgm:cxn modelId="{76890847-F9BA-49AA-B3B1-BE6986DC7226}" type="presOf" srcId="{DFA33DFF-921C-4775-AF14-A0F8C77AD1B6}" destId="{D7E86C80-1687-4072-9A91-055461824854}" srcOrd="0" destOrd="0" presId="urn:microsoft.com/office/officeart/2005/8/layout/hierarchy4"/>
-    <dgm:cxn modelId="{C2660D6D-5A99-4A42-8EDF-57935574EE97}" srcId="{1C4BDFFF-A78E-4E16-A97A-4F25C1EA9501}" destId="{EC8CA80C-EF41-4436-8FF0-8F16A4B96AB6}" srcOrd="2" destOrd="0" parTransId="{65B12046-0FD9-4E5A-8878-E364A467F1FC}" sibTransId="{A8B50E8F-3161-4AB4-9009-E2D507D3F7AF}"/>
-    <dgm:cxn modelId="{2A8B4B4D-F03D-419A-86C6-A715EE951444}" srcId="{94F94F85-4CC4-4860-BBD2-C7CF09F41DF4}" destId="{E195CBD9-D0EE-4950-9966-3C26A4E241E7}" srcOrd="1" destOrd="0" parTransId="{FE45782B-CCA7-4F4E-A04B-169EC292F9AD}" sibTransId="{D14C39D6-547E-4FE6-888F-01497AF5EE63}"/>
-    <dgm:cxn modelId="{7B0BFC6D-874E-44DF-8089-5D046913261B}" srcId="{5670BE29-F8E0-4C10-82B4-2F47F0F0CD92}" destId="{53F9EF45-4CD1-4F53-A46E-80A7E495F9D0}" srcOrd="0" destOrd="0" parTransId="{723ACADA-3260-4543-984A-A95F187FDE83}" sibTransId="{BCFA67F2-688E-4A31-BA48-7D4515C08B8D}"/>
+    <dgm:cxn modelId="{90477CA5-93CA-4758-A530-5E4659C4D965}" type="presOf" srcId="{8128725B-399A-49C8-8857-D4FF68BCAC9F}" destId="{2FB5DD2A-EDF7-4641-9128-5D7AEA09DC62}" srcOrd="0" destOrd="0" presId="urn:microsoft.com/office/officeart/2005/8/layout/hierarchy4"/>
+    <dgm:cxn modelId="{93B8BCDE-6D2F-4E86-8B36-D23E77261CF1}" type="presOf" srcId="{51C6D4A4-BD37-4F40-91FC-9BA0170D8C83}" destId="{A9726846-2B98-43B8-8A0C-929CBCDCF36D}" srcOrd="0" destOrd="0" presId="urn:microsoft.com/office/officeart/2005/8/layout/hierarchy4"/>
     <dgm:cxn modelId="{4F2D7D6E-8AE4-4DE6-BEBA-1D9944C63750}" type="presOf" srcId="{ABB022CC-3471-46C2-8631-2A8F62A6AA99}" destId="{EB75BEF2-2564-4993-AC97-C3A8611BB5FD}" srcOrd="0" destOrd="0" presId="urn:microsoft.com/office/officeart/2005/8/layout/hierarchy4"/>
-    <dgm:cxn modelId="{FB9A0B6F-4752-4C18-A4A5-9CC3A7038E1A}" srcId="{10F47C41-8B80-48D7-809C-A7F5E25FE142}" destId="{88C38A2D-488F-4C1D-86B3-7D71C2F07101}" srcOrd="0" destOrd="0" parTransId="{8B75615E-BEDF-47D9-8FD5-9468145FD476}" sibTransId="{8449A992-0040-4A1B-B95E-6A4E89D18EED}"/>
+    <dgm:cxn modelId="{950339E2-0200-420E-AE35-F443540578F6}" srcId="{DFA33DFF-921C-4775-AF14-A0F8C77AD1B6}" destId="{1C4BDFFF-A78E-4E16-A97A-4F25C1EA9501}" srcOrd="0" destOrd="0" parTransId="{8351EAFC-7AB4-45B4-ABC6-DDB55D509C43}" sibTransId="{17A63B98-0D3C-4AB1-BBDD-60E89EB2096C}"/>
+    <dgm:cxn modelId="{5597B682-62EA-42EF-A0D9-6B9B10BDBF87}" type="presOf" srcId="{5349796E-FF1A-42F8-99A0-2B586FB84E73}" destId="{EC4D09AC-122F-422D-850B-2CA1A0B6618E}" srcOrd="0" destOrd="0" presId="urn:microsoft.com/office/officeart/2005/8/layout/hierarchy4"/>
+    <dgm:cxn modelId="{9BC5FE8E-D806-4F4D-953B-868C01E294F0}" srcId="{1C4BDFFF-A78E-4E16-A97A-4F25C1EA9501}" destId="{51C6D4A4-BD37-4F40-91FC-9BA0170D8C83}" srcOrd="0" destOrd="0" parTransId="{1496DC9B-D773-467C-BCFD-737AB80D2141}" sibTransId="{5E7BE244-7C20-4599-990E-32B101FC15FD}"/>
+    <dgm:cxn modelId="{7EF0A8C3-0768-468A-9662-A70B41DCAA38}" srcId="{94F94F85-4CC4-4860-BBD2-C7CF09F41DF4}" destId="{FAF883BD-28DA-4E7F-8626-DC9781A3B177}" srcOrd="2" destOrd="0" parTransId="{883DD016-F9CF-43A4-B148-94FF1450B1BA}" sibTransId="{0ACAD87F-7807-458F-AB7F-768B4390C74E}"/>
     <dgm:cxn modelId="{38167D6F-463B-4491-A90B-10363E34B569}" srcId="{8128725B-399A-49C8-8857-D4FF68BCAC9F}" destId="{10F47C41-8B80-48D7-809C-A7F5E25FE142}" srcOrd="0" destOrd="0" parTransId="{9BF9F490-BAC9-4989-8FEF-CEFDBDACDC21}" sibTransId="{D471BD91-87C7-4072-8F45-4A2B354361BD}"/>
-    <dgm:cxn modelId="{69C73773-B7EB-4C6D-A2C7-1E7D567F26D4}" srcId="{1C4BDFFF-A78E-4E16-A97A-4F25C1EA9501}" destId="{4C27A233-61DF-4BE4-9154-A429BFC57655}" srcOrd="1" destOrd="0" parTransId="{8B7D8A0F-3FDE-404E-9EF9-1924F759F511}" sibTransId="{EC23DE32-00CF-4944-AE3B-0A5D5BA924BC}"/>
-    <dgm:cxn modelId="{F7358B78-5160-434D-9C7C-8EFBD6DE54EC}" srcId="{7642F782-A02D-49BF-AFDA-BA4A7DA811A4}" destId="{5670BE29-F8E0-4C10-82B4-2F47F0F0CD92}" srcOrd="3" destOrd="0" parTransId="{4C95E761-9B75-45FD-9AE8-49B8F75490B1}" sibTransId="{96E4D341-2604-4FF7-933A-95E616E12093}"/>
-    <dgm:cxn modelId="{6AE27F7C-6F2A-4756-BCB6-B282E4953B36}" srcId="{94F94F85-4CC4-4860-BBD2-C7CF09F41DF4}" destId="{8C6EF56E-F24F-484E-923F-8AD388A516A1}" srcOrd="0" destOrd="0" parTransId="{2C4F624D-18B6-4940-BD77-791106237D8B}" sibTransId="{CE1EC047-99FE-457B-8729-930AC68D0334}"/>
-    <dgm:cxn modelId="{8447EE7E-D2DD-40CC-A77A-64D228E1EA8D}" type="presOf" srcId="{DC3813C7-DFA3-4667-B76B-DF5E059931B0}" destId="{C6458FC0-2A65-4F89-A7DF-CBA6AEF960DB}" srcOrd="0" destOrd="0" presId="urn:microsoft.com/office/officeart/2005/8/layout/hierarchy4"/>
-    <dgm:cxn modelId="{F143047F-81E0-41B8-9A8C-7AFD7FCACAD0}" srcId="{53F9EF45-4CD1-4F53-A46E-80A7E495F9D0}" destId="{C610BC4D-D410-4970-AC41-C858A16171CB}" srcOrd="0" destOrd="0" parTransId="{601E5740-C995-4B74-A4D2-9D5D6FC8FA47}" sibTransId="{C7DFBCE8-FE53-435C-BB72-5312109F0C3D}"/>
-    <dgm:cxn modelId="{5597B682-62EA-42EF-A0D9-6B9B10BDBF87}" type="presOf" srcId="{5349796E-FF1A-42F8-99A0-2B586FB84E73}" destId="{EC4D09AC-122F-422D-850B-2CA1A0B6618E}" srcOrd="0" destOrd="0" presId="urn:microsoft.com/office/officeart/2005/8/layout/hierarchy4"/>
-    <dgm:cxn modelId="{F3FB9683-C627-4484-8BAA-5C2B88D08F78}" srcId="{5809878B-8B87-4B5C-ACB2-E80EA3425302}" destId="{AF5F3850-FB20-483B-AE90-0380D37EAF81}" srcOrd="0" destOrd="0" parTransId="{8ABBA2D5-1156-41C0-AADD-3BF3F2048341}" sibTransId="{7978B0CA-CED4-43DA-80D3-0E52DFF0380B}"/>
-    <dgm:cxn modelId="{74FBBA85-A190-48B5-BF00-DAE096559D04}" srcId="{A1646B0B-8AF7-45F5-BB06-2376AC925BEF}" destId="{F05FEA02-193B-42A1-ABB8-C8B04904B61C}" srcOrd="0" destOrd="0" parTransId="{ABC404BF-D639-4CC3-A534-4506F9615E96}" sibTransId="{BD1D1F10-0AFD-4B38-926B-2E7981EF4B04}"/>
+    <dgm:cxn modelId="{DFE7EBFC-98CE-41A2-A9D5-F05D0E8B49C9}" type="presOf" srcId="{F05FEA02-193B-42A1-ABB8-C8B04904B61C}" destId="{273FC8C0-C83A-428A-81D7-8671FB4BC487}" srcOrd="0" destOrd="0" presId="urn:microsoft.com/office/officeart/2005/8/layout/hierarchy4"/>
     <dgm:cxn modelId="{B594E686-6CEC-4DB6-8B42-5F055BAD5257}" srcId="{5349796E-FF1A-42F8-99A0-2B586FB84E73}" destId="{7642F782-A02D-49BF-AFDA-BA4A7DA811A4}" srcOrd="0" destOrd="0" parTransId="{D46A0790-35D4-425D-B68A-20A7688882CD}" sibTransId="{6CE009F0-0BB0-43D0-B0D2-DCE94C9AE710}"/>
-    <dgm:cxn modelId="{9FCBA28A-BF2A-4522-92CA-7BC089C8492E}" type="presOf" srcId="{1C4BDFFF-A78E-4E16-A97A-4F25C1EA9501}" destId="{66665F88-A84A-41C7-957C-E1C16F69F20D}" srcOrd="0" destOrd="0" presId="urn:microsoft.com/office/officeart/2005/8/layout/hierarchy4"/>
-    <dgm:cxn modelId="{3962C58A-9338-4F52-ACB6-1E2DB982F6E5}" type="presOf" srcId="{A1646B0B-8AF7-45F5-BB06-2376AC925BEF}" destId="{49EA169B-E620-4006-AD72-1A185E09D796}" srcOrd="0" destOrd="0" presId="urn:microsoft.com/office/officeart/2005/8/layout/hierarchy4"/>
-    <dgm:cxn modelId="{9BC5FE8E-D806-4F4D-953B-868C01E294F0}" srcId="{1C4BDFFF-A78E-4E16-A97A-4F25C1EA9501}" destId="{51C6D4A4-BD37-4F40-91FC-9BA0170D8C83}" srcOrd="0" destOrd="0" parTransId="{1496DC9B-D773-467C-BCFD-737AB80D2141}" sibTransId="{5E7BE244-7C20-4599-990E-32B101FC15FD}"/>
-    <dgm:cxn modelId="{12A0C698-A061-43D4-B610-7D4475A9980D}" type="presOf" srcId="{C610BC4D-D410-4970-AC41-C858A16171CB}" destId="{BF2B8E90-50D1-4001-B16F-665D499C96D1}" srcOrd="0" destOrd="0" presId="urn:microsoft.com/office/officeart/2005/8/layout/hierarchy4"/>
-    <dgm:cxn modelId="{A0176B9B-E3C5-4A9D-BC33-BC5235AFA092}" type="presOf" srcId="{E195CBD9-D0EE-4950-9966-3C26A4E241E7}" destId="{F17EEE8F-806D-4110-9173-490301349CD0}" srcOrd="0" destOrd="0" presId="urn:microsoft.com/office/officeart/2005/8/layout/hierarchy4"/>
-    <dgm:cxn modelId="{90477CA5-93CA-4758-A530-5E4659C4D965}" type="presOf" srcId="{8128725B-399A-49C8-8857-D4FF68BCAC9F}" destId="{2FB5DD2A-EDF7-4641-9128-5D7AEA09DC62}" srcOrd="0" destOrd="0" presId="urn:microsoft.com/office/officeart/2005/8/layout/hierarchy4"/>
-    <dgm:cxn modelId="{2D5D2EBD-CB40-4553-9E99-4F68063A0918}" srcId="{7642F782-A02D-49BF-AFDA-BA4A7DA811A4}" destId="{8128725B-399A-49C8-8857-D4FF68BCAC9F}" srcOrd="0" destOrd="0" parTransId="{95F58576-720D-43D4-83EC-C6D4B0654B78}" sibTransId="{926E1E26-34D8-4953-88D5-F22B9E60E81D}"/>
     <dgm:cxn modelId="{54D4E6BF-D9FF-4534-9DE2-7A5B7E6FD55B}" type="presOf" srcId="{18C27FF5-1EDF-4402-A535-8E5247FF3230}" destId="{2AB35B30-48CA-4459-886C-EE9C039A0C66}" srcOrd="0" destOrd="0" presId="urn:microsoft.com/office/officeart/2005/8/layout/hierarchy4"/>
-    <dgm:cxn modelId="{D887C4C2-496F-4892-9FB0-B2D8CF2D5AB3}" type="presOf" srcId="{5809878B-8B87-4B5C-ACB2-E80EA3425302}" destId="{DD78A3BF-EE5B-4A68-AA1A-47C5462373D0}" srcOrd="0" destOrd="0" presId="urn:microsoft.com/office/officeart/2005/8/layout/hierarchy4"/>
-    <dgm:cxn modelId="{7EF0A8C3-0768-468A-9662-A70B41DCAA38}" srcId="{94F94F85-4CC4-4860-BBD2-C7CF09F41DF4}" destId="{FAF883BD-28DA-4E7F-8626-DC9781A3B177}" srcOrd="2" destOrd="0" parTransId="{883DD016-F9CF-43A4-B148-94FF1450B1BA}" sibTransId="{0ACAD87F-7807-458F-AB7F-768B4390C74E}"/>
-    <dgm:cxn modelId="{E8234CCA-1313-45AA-9CE6-6B20327179C2}" srcId="{18C27FF5-1EDF-4402-A535-8E5247FF3230}" destId="{A1646B0B-8AF7-45F5-BB06-2376AC925BEF}" srcOrd="1" destOrd="0" parTransId="{C52EA732-8474-4904-B46F-978048534E7D}" sibTransId="{F4D8F035-1F56-4C08-BC5E-BDA655F426A0}"/>
-    <dgm:cxn modelId="{29322DD2-C676-4B44-9D4E-E275026BBE2F}" srcId="{10F47C41-8B80-48D7-809C-A7F5E25FE142}" destId="{0C130065-912E-437F-B2F7-BABE489B799A}" srcOrd="2" destOrd="0" parTransId="{E30F7D5F-8BE2-453C-B354-C23F5C478612}" sibTransId="{1A279C45-E7F6-4BF1-88DF-026EBCA88CEE}"/>
-    <dgm:cxn modelId="{262098D3-F54C-41E7-9A87-5CF0693F2EAF}" type="presOf" srcId="{4AE58508-C27A-4395-AD7C-44981C08238D}" destId="{BF927036-1607-414D-AE44-D0EF37546ECA}" srcOrd="0" destOrd="0" presId="urn:microsoft.com/office/officeart/2005/8/layout/hierarchy4"/>
-    <dgm:cxn modelId="{A8AB2CD5-CE91-4AF3-851B-DADD6ABD2A77}" type="presOf" srcId="{4C27A233-61DF-4BE4-9154-A429BFC57655}" destId="{F309C8B8-C946-43E7-899E-AC889ED3E6D5}" srcOrd="0" destOrd="0" presId="urn:microsoft.com/office/officeart/2005/8/layout/hierarchy4"/>
-    <dgm:cxn modelId="{7DE1C7D5-3D3D-49D6-B1FC-A6DFA11D7B9B}" type="presOf" srcId="{0C130065-912E-437F-B2F7-BABE489B799A}" destId="{614FDF4C-7BBD-4D78-9DFB-67842ABEC3B2}" srcOrd="0" destOrd="0" presId="urn:microsoft.com/office/officeart/2005/8/layout/hierarchy4"/>
-    <dgm:cxn modelId="{F393FED6-27EE-4B89-A4C1-9543EF8F6A91}" srcId="{A1646B0B-8AF7-45F5-BB06-2376AC925BEF}" destId="{35B0B4B7-418B-4E7F-8AC8-0D44BE018552}" srcOrd="2" destOrd="0" parTransId="{5FCF962A-C4A7-4BC0-B823-983B77BA0799}" sibTransId="{94A40238-8C8F-488D-9336-301678A8892C}"/>
-    <dgm:cxn modelId="{BD7C65DA-5265-41E4-ACDD-9FB4D938837E}" srcId="{8128725B-399A-49C8-8857-D4FF68BCAC9F}" destId="{5809878B-8B87-4B5C-ACB2-E80EA3425302}" srcOrd="1" destOrd="0" parTransId="{D20610D4-9166-4DAC-A217-F898BCD5D1BC}" sibTransId="{19415E91-008D-4F8E-9030-40D17150DA62}"/>
-    <dgm:cxn modelId="{DF4365DD-0AD0-40FB-A5D7-65CA0C415FD8}" type="presOf" srcId="{FAF883BD-28DA-4E7F-8626-DC9781A3B177}" destId="{A0CBAF96-4AC1-4AF3-A726-68B8E9DB20DB}" srcOrd="0" destOrd="0" presId="urn:microsoft.com/office/officeart/2005/8/layout/hierarchy4"/>
-    <dgm:cxn modelId="{93B8BCDE-6D2F-4E86-8B36-D23E77261CF1}" type="presOf" srcId="{51C6D4A4-BD37-4F40-91FC-9BA0170D8C83}" destId="{A9726846-2B98-43B8-8A0C-929CBCDCF36D}" srcOrd="0" destOrd="0" presId="urn:microsoft.com/office/officeart/2005/8/layout/hierarchy4"/>
-    <dgm:cxn modelId="{F5DC05DF-A37F-4EC3-B855-4C774E899CAC}" type="presOf" srcId="{AF5F3850-FB20-483B-AE90-0380D37EAF81}" destId="{25F392F6-151B-43BC-9F82-7022DA1E37B2}" srcOrd="0" destOrd="0" presId="urn:microsoft.com/office/officeart/2005/8/layout/hierarchy4"/>
-    <dgm:cxn modelId="{950339E2-0200-420E-AE35-F443540578F6}" srcId="{DFA33DFF-921C-4775-AF14-A0F8C77AD1B6}" destId="{1C4BDFFF-A78E-4E16-A97A-4F25C1EA9501}" srcOrd="0" destOrd="0" parTransId="{8351EAFC-7AB4-45B4-ABC6-DDB55D509C43}" sibTransId="{17A63B98-0D3C-4AB1-BBDD-60E89EB2096C}"/>
-    <dgm:cxn modelId="{EC46FEE3-984A-49D9-9A77-FE9707F3CAAB}" type="presOf" srcId="{A2FDDE3F-2708-477F-9EC2-CF9AB7752E41}" destId="{25524CA6-06C0-4F70-A230-113CFEA3D86A}" srcOrd="0" destOrd="0" presId="urn:microsoft.com/office/officeart/2005/8/layout/hierarchy4"/>
-    <dgm:cxn modelId="{5B10D3E5-CF43-4A4B-9B6A-1C8E6D43AEDE}" srcId="{18C27FF5-1EDF-4402-A535-8E5247FF3230}" destId="{94F94F85-4CC4-4860-BBD2-C7CF09F41DF4}" srcOrd="0" destOrd="0" parTransId="{A6E7437A-6DD8-4344-A8A7-B0B3B4C2D7F1}" sibTransId="{9ABDF9C0-482A-46B6-9723-419C237EE05F}"/>
-    <dgm:cxn modelId="{DA19EDEE-EE77-4B45-806E-D2D58301CE9C}" srcId="{7642F782-A02D-49BF-AFDA-BA4A7DA811A4}" destId="{DFA33DFF-921C-4775-AF14-A0F8C77AD1B6}" srcOrd="2" destOrd="0" parTransId="{EA93CF94-06A3-4475-8824-05DEB72359BA}" sibTransId="{86255EEC-D5D2-43F5-95CC-2DA2F647351C}"/>
-    <dgm:cxn modelId="{6CF4CDF3-CFF2-4FA6-B264-6572E0614A25}" srcId="{53F9EF45-4CD1-4F53-A46E-80A7E495F9D0}" destId="{4AE58508-C27A-4395-AD7C-44981C08238D}" srcOrd="1" destOrd="0" parTransId="{83A282A6-6059-4995-B18A-F20D2EB5E11E}" sibTransId="{C34C3F5C-867D-4684-BBB1-69C749F9345D}"/>
-    <dgm:cxn modelId="{D9F98FF5-648E-4C10-8813-2D44E3AFB5B1}" type="presOf" srcId="{EC8CA80C-EF41-4436-8FF0-8F16A4B96AB6}" destId="{1F76A1E6-4FFB-4188-9FFC-EEB83B03FD45}" srcOrd="0" destOrd="0" presId="urn:microsoft.com/office/officeart/2005/8/layout/hierarchy4"/>
-    <dgm:cxn modelId="{202FA2F5-1596-4420-807A-4AF8472E9C39}" srcId="{5809878B-8B87-4B5C-ACB2-E80EA3425302}" destId="{A637D47E-7ED5-4A64-B08D-251211A91849}" srcOrd="1" destOrd="0" parTransId="{006FCD55-3E2E-4473-B74F-EA5CB6593840}" sibTransId="{BF7CD623-3667-40DB-A1D3-6730A69CF9CA}"/>
-    <dgm:cxn modelId="{2C2D73F7-6A8D-44A2-A947-F7E60C47DEDC}" type="presOf" srcId="{10F47C41-8B80-48D7-809C-A7F5E25FE142}" destId="{5B315DD4-0F26-4ABA-9679-A619C798C1B8}" srcOrd="0" destOrd="0" presId="urn:microsoft.com/office/officeart/2005/8/layout/hierarchy4"/>
-    <dgm:cxn modelId="{DFE7EBFC-98CE-41A2-A9D5-F05D0E8B49C9}" type="presOf" srcId="{F05FEA02-193B-42A1-ABB8-C8B04904B61C}" destId="{273FC8C0-C83A-428A-81D7-8671FB4BC487}" srcOrd="0" destOrd="0" presId="urn:microsoft.com/office/officeart/2005/8/layout/hierarchy4"/>
-    <dgm:cxn modelId="{2A06AEFD-9EC6-4F00-A875-65C09E45CD89}" type="presOf" srcId="{A637D47E-7ED5-4A64-B08D-251211A91849}" destId="{140B43CE-B728-4A02-BF9A-AD448162C99C}" srcOrd="0" destOrd="0" presId="urn:microsoft.com/office/officeart/2005/8/layout/hierarchy4"/>
     <dgm:cxn modelId="{339DB5CE-3051-4CB8-810B-86C5E1291922}" type="presParOf" srcId="{EC4D09AC-122F-422D-850B-2CA1A0B6618E}" destId="{7570A5BA-0FD6-48BD-812C-97B35B09AC29}" srcOrd="0" destOrd="0" presId="urn:microsoft.com/office/officeart/2005/8/layout/hierarchy4"/>
     <dgm:cxn modelId="{F3606D7E-F7A1-4DA3-BE6F-C932E1ED98E5}" type="presParOf" srcId="{7570A5BA-0FD6-48BD-812C-97B35B09AC29}" destId="{8647D42D-2D38-411E-A4CC-12A83EFDB665}" srcOrd="0" destOrd="0" presId="urn:microsoft.com/office/officeart/2005/8/layout/hierarchy4"/>
     <dgm:cxn modelId="{71FDA756-B331-4F25-9EC3-D4BB80E2505A}" type="presParOf" srcId="{7570A5BA-0FD6-48BD-812C-97B35B09AC29}" destId="{B197982F-4C1D-4325-A1FC-A09544C34C1B}" srcOrd="1" destOrd="0" presId="urn:microsoft.com/office/officeart/2005/8/layout/hierarchy4"/>
@@ -2997,7 +3214,7 @@
         </a:bodyPr>
         <a:lstStyle/>
         <a:p>
-          <a:pPr marL="0" lvl="0" indent="0" algn="ctr" defTabSz="1422400">
+          <a:pPr lvl="0" algn="ctr" defTabSz="1422400">
             <a:lnSpc>
               <a:spcPct val="90000"/>
             </a:lnSpc>
@@ -3007,12 +3224,16 @@
             <a:spcAft>
               <a:spcPct val="35000"/>
             </a:spcAft>
-            <a:buNone/>
           </a:pPr>
           <a:r>
             <a:rPr lang="en-US" sz="3200" kern="1200" dirty="0"/>
-            <a:t>Concept Resources</a:t>
+            <a:t>Concept </a:t>
           </a:r>
+          <a:r>
+            <a:rPr lang="en-US" sz="3200" kern="1200" dirty="0" smtClean="0"/>
+            <a:t>Sources</a:t>
+          </a:r>
+          <a:endParaRPr lang="en-US" sz="3200" kern="1200" dirty="0"/>
         </a:p>
       </dsp:txBody>
       <dsp:txXfrm>
@@ -3073,7 +3294,7 @@
         </a:bodyPr>
         <a:lstStyle/>
         <a:p>
-          <a:pPr marL="0" lvl="0" indent="0" algn="ctr" defTabSz="1066800">
+          <a:pPr lvl="0" algn="ctr" defTabSz="1066800">
             <a:lnSpc>
               <a:spcPct val="90000"/>
             </a:lnSpc>
@@ -3083,7 +3304,6 @@
             <a:spcAft>
               <a:spcPct val="35000"/>
             </a:spcAft>
-            <a:buNone/>
           </a:pPr>
           <a:r>
             <a:rPr lang="en-US" sz="2400" kern="1200" dirty="0"/>
@@ -3149,7 +3369,7 @@
         </a:bodyPr>
         <a:lstStyle/>
         <a:p>
-          <a:pPr marL="0" lvl="0" indent="0" algn="ctr" defTabSz="889000">
+          <a:pPr lvl="0" algn="ctr" defTabSz="889000">
             <a:lnSpc>
               <a:spcPct val="90000"/>
             </a:lnSpc>
@@ -3159,12 +3379,12 @@
             <a:spcAft>
               <a:spcPct val="35000"/>
             </a:spcAft>
-            <a:buNone/>
           </a:pPr>
           <a:r>
-            <a:rPr lang="en-US" sz="2000" kern="1200" dirty="0"/>
-            <a:t>Direct Extraction</a:t>
+            <a:rPr lang="en-US" sz="2000" kern="1200" dirty="0" smtClean="0"/>
+            <a:t>Query Terms</a:t>
           </a:r>
+          <a:endParaRPr lang="en-US" sz="2000" kern="1200" dirty="0"/>
         </a:p>
       </dsp:txBody>
       <dsp:txXfrm>
@@ -3225,7 +3445,7 @@
         </a:bodyPr>
         <a:lstStyle/>
         <a:p>
-          <a:pPr marL="0" lvl="0" indent="0" algn="ctr" defTabSz="800100">
+          <a:pPr lvl="0" algn="ctr" defTabSz="800100">
             <a:lnSpc>
               <a:spcPct val="90000"/>
             </a:lnSpc>
@@ -3235,7 +3455,6 @@
             <a:spcAft>
               <a:spcPct val="35000"/>
             </a:spcAft>
-            <a:buNone/>
           </a:pPr>
           <a:r>
             <a:rPr lang="en-US" sz="1800" kern="1200" dirty="0"/>
@@ -3301,7 +3520,7 @@
         </a:bodyPr>
         <a:lstStyle/>
         <a:p>
-          <a:pPr marL="0" lvl="0" indent="0" algn="ctr" defTabSz="800100">
+          <a:pPr lvl="0" algn="ctr" defTabSz="800100">
             <a:lnSpc>
               <a:spcPct val="90000"/>
             </a:lnSpc>
@@ -3311,7 +3530,6 @@
             <a:spcAft>
               <a:spcPct val="35000"/>
             </a:spcAft>
-            <a:buNone/>
           </a:pPr>
           <a:r>
             <a:rPr lang="en-US" sz="1800" kern="1200" dirty="0"/>
@@ -3377,7 +3595,7 @@
         </a:bodyPr>
         <a:lstStyle/>
         <a:p>
-          <a:pPr marL="0" lvl="0" indent="0" algn="ctr" defTabSz="800100">
+          <a:pPr lvl="0" algn="ctr" defTabSz="800100">
             <a:lnSpc>
               <a:spcPct val="90000"/>
             </a:lnSpc>
@@ -3387,7 +3605,6 @@
             <a:spcAft>
               <a:spcPct val="35000"/>
             </a:spcAft>
-            <a:buNone/>
           </a:pPr>
           <a:r>
             <a:rPr lang="en-US" sz="1800" kern="1200" dirty="0"/>
@@ -3453,7 +3670,7 @@
         </a:bodyPr>
         <a:lstStyle/>
         <a:p>
-          <a:pPr marL="0" lvl="0" indent="0" algn="ctr" defTabSz="889000">
+          <a:pPr lvl="0" algn="ctr" defTabSz="889000">
             <a:lnSpc>
               <a:spcPct val="90000"/>
             </a:lnSpc>
@@ -3463,7 +3680,6 @@
             <a:spcAft>
               <a:spcPct val="35000"/>
             </a:spcAft>
-            <a:buNone/>
           </a:pPr>
           <a:r>
             <a:rPr lang="en-US" sz="2000" kern="1200" dirty="0" err="1"/>
@@ -3530,7 +3746,7 @@
         </a:bodyPr>
         <a:lstStyle/>
         <a:p>
-          <a:pPr marL="0" lvl="0" indent="0" algn="ctr" defTabSz="800100">
+          <a:pPr lvl="0" algn="ctr" defTabSz="800100">
             <a:lnSpc>
               <a:spcPct val="90000"/>
             </a:lnSpc>
@@ -3540,7 +3756,6 @@
             <a:spcAft>
               <a:spcPct val="35000"/>
             </a:spcAft>
-            <a:buNone/>
           </a:pPr>
           <a:r>
             <a:rPr lang="en-US" sz="1800" kern="1200" dirty="0"/>
@@ -3606,7 +3821,7 @@
         </a:bodyPr>
         <a:lstStyle/>
         <a:p>
-          <a:pPr marL="0" lvl="0" indent="0" algn="ctr" defTabSz="800100">
+          <a:pPr lvl="0" algn="ctr" defTabSz="800100">
             <a:lnSpc>
               <a:spcPct val="90000"/>
             </a:lnSpc>
@@ -3616,7 +3831,6 @@
             <a:spcAft>
               <a:spcPct val="35000"/>
             </a:spcAft>
-            <a:buNone/>
           </a:pPr>
           <a:r>
             <a:rPr lang="en-US" sz="1800" kern="1200" dirty="0"/>
@@ -3682,7 +3896,7 @@
         </a:bodyPr>
         <a:lstStyle/>
         <a:p>
-          <a:pPr marL="0" lvl="0" indent="0" algn="ctr" defTabSz="800100">
+          <a:pPr lvl="0" algn="ctr" defTabSz="800100">
             <a:lnSpc>
               <a:spcPct val="90000"/>
             </a:lnSpc>
@@ -3692,7 +3906,6 @@
             <a:spcAft>
               <a:spcPct val="35000"/>
             </a:spcAft>
-            <a:buNone/>
           </a:pPr>
           <a:r>
             <a:rPr lang="en-US" sz="1800" kern="1200" dirty="0"/>
@@ -3758,7 +3971,7 @@
         </a:bodyPr>
         <a:lstStyle/>
         <a:p>
-          <a:pPr marL="0" lvl="0" indent="0" algn="ctr" defTabSz="1066800">
+          <a:pPr lvl="0" algn="ctr" defTabSz="1066800">
             <a:lnSpc>
               <a:spcPct val="90000"/>
             </a:lnSpc>
@@ -3768,7 +3981,6 @@
             <a:spcAft>
               <a:spcPct val="35000"/>
             </a:spcAft>
-            <a:buNone/>
           </a:pPr>
           <a:r>
             <a:rPr lang="en-US" sz="2400" kern="1200" dirty="0"/>
@@ -3834,7 +4046,7 @@
         </a:bodyPr>
         <a:lstStyle/>
         <a:p>
-          <a:pPr marL="0" lvl="0" indent="0" algn="ctr" defTabSz="889000">
+          <a:pPr lvl="0" algn="ctr" defTabSz="889000">
             <a:lnSpc>
               <a:spcPct val="90000"/>
             </a:lnSpc>
@@ -3844,12 +4056,12 @@
             <a:spcAft>
               <a:spcPct val="35000"/>
             </a:spcAft>
-            <a:buNone/>
           </a:pPr>
           <a:r>
-            <a:rPr lang="en-US" sz="2000" kern="1200" dirty="0"/>
-            <a:t>Direct Extraction</a:t>
+            <a:rPr lang="en-US" sz="2000" kern="1200" dirty="0" smtClean="0"/>
+            <a:t>Query Terms</a:t>
           </a:r>
+          <a:endParaRPr lang="en-US" sz="2000" kern="1200" dirty="0"/>
         </a:p>
       </dsp:txBody>
       <dsp:txXfrm>
@@ -3910,7 +4122,7 @@
         </a:bodyPr>
         <a:lstStyle/>
         <a:p>
-          <a:pPr marL="0" lvl="0" indent="0" algn="ctr" defTabSz="800100">
+          <a:pPr lvl="0" algn="ctr" defTabSz="800100">
             <a:lnSpc>
               <a:spcPct val="90000"/>
             </a:lnSpc>
@@ -3920,7 +4132,6 @@
             <a:spcAft>
               <a:spcPct val="35000"/>
             </a:spcAft>
-            <a:buNone/>
           </a:pPr>
           <a:r>
             <a:rPr lang="en-US" sz="1800" kern="1200" dirty="0"/>
@@ -3986,7 +4197,7 @@
         </a:bodyPr>
         <a:lstStyle/>
         <a:p>
-          <a:pPr marL="0" lvl="0" indent="0" algn="ctr" defTabSz="800100">
+          <a:pPr lvl="0" algn="ctr" defTabSz="800100">
             <a:lnSpc>
               <a:spcPct val="90000"/>
             </a:lnSpc>
@@ -3996,7 +4207,6 @@
             <a:spcAft>
               <a:spcPct val="35000"/>
             </a:spcAft>
-            <a:buNone/>
           </a:pPr>
           <a:r>
             <a:rPr lang="en-US" sz="1800" kern="1200" dirty="0"/>
@@ -4062,7 +4272,7 @@
         </a:bodyPr>
         <a:lstStyle/>
         <a:p>
-          <a:pPr marL="0" lvl="0" indent="0" algn="ctr" defTabSz="800100">
+          <a:pPr lvl="0" algn="ctr" defTabSz="800100">
             <a:lnSpc>
               <a:spcPct val="90000"/>
             </a:lnSpc>
@@ -4072,7 +4282,6 @@
             <a:spcAft>
               <a:spcPct val="35000"/>
             </a:spcAft>
-            <a:buNone/>
           </a:pPr>
           <a:r>
             <a:rPr lang="en-US" sz="1800" kern="1200" dirty="0"/>
@@ -4138,7 +4347,7 @@
         </a:bodyPr>
         <a:lstStyle/>
         <a:p>
-          <a:pPr marL="0" lvl="0" indent="0" algn="ctr" defTabSz="889000">
+          <a:pPr lvl="0" algn="ctr" defTabSz="889000">
             <a:lnSpc>
               <a:spcPct val="90000"/>
             </a:lnSpc>
@@ -4148,7 +4357,6 @@
             <a:spcAft>
               <a:spcPct val="35000"/>
             </a:spcAft>
-            <a:buNone/>
           </a:pPr>
           <a:r>
             <a:rPr lang="en-US" sz="2000" kern="1200"/>
@@ -4215,7 +4423,7 @@
         </a:bodyPr>
         <a:lstStyle/>
         <a:p>
-          <a:pPr marL="0" lvl="0" indent="0" algn="ctr" defTabSz="666750">
+          <a:pPr lvl="0" algn="ctr" defTabSz="666750">
             <a:lnSpc>
               <a:spcPct val="90000"/>
             </a:lnSpc>
@@ -4225,7 +4433,6 @@
             <a:spcAft>
               <a:spcPct val="35000"/>
             </a:spcAft>
-            <a:buNone/>
           </a:pPr>
           <a:r>
             <a:rPr lang="en-US" sz="1500" kern="1200" dirty="0"/>
@@ -4291,7 +4498,7 @@
         </a:bodyPr>
         <a:lstStyle/>
         <a:p>
-          <a:pPr marL="0" lvl="0" indent="0" algn="ctr" defTabSz="666750">
+          <a:pPr lvl="0" algn="ctr" defTabSz="666750">
             <a:lnSpc>
               <a:spcPct val="90000"/>
             </a:lnSpc>
@@ -4301,7 +4508,6 @@
             <a:spcAft>
               <a:spcPct val="35000"/>
             </a:spcAft>
-            <a:buNone/>
           </a:pPr>
           <a:r>
             <a:rPr lang="en-US" sz="1500" kern="1200" dirty="0"/>
@@ -4367,7 +4573,7 @@
         </a:bodyPr>
         <a:lstStyle/>
         <a:p>
-          <a:pPr marL="0" lvl="0" indent="0" algn="ctr" defTabSz="666750">
+          <a:pPr lvl="0" algn="ctr" defTabSz="666750">
             <a:lnSpc>
               <a:spcPct val="90000"/>
             </a:lnSpc>
@@ -4377,7 +4583,6 @@
             <a:spcAft>
               <a:spcPct val="35000"/>
             </a:spcAft>
-            <a:buNone/>
           </a:pPr>
           <a:r>
             <a:rPr lang="en-US" sz="1500" kern="1200" dirty="0"/>
@@ -4443,7 +4648,7 @@
         </a:bodyPr>
         <a:lstStyle/>
         <a:p>
-          <a:pPr marL="0" lvl="0" indent="0" algn="ctr" defTabSz="1066800">
+          <a:pPr lvl="0" algn="ctr" defTabSz="1066800">
             <a:lnSpc>
               <a:spcPct val="90000"/>
             </a:lnSpc>
@@ -4453,7 +4658,6 @@
             <a:spcAft>
               <a:spcPct val="35000"/>
             </a:spcAft>
-            <a:buNone/>
           </a:pPr>
           <a:r>
             <a:rPr lang="en-US" sz="2400" kern="1200" dirty="0"/>
@@ -4519,7 +4723,7 @@
         </a:bodyPr>
         <a:lstStyle/>
         <a:p>
-          <a:pPr marL="0" lvl="0" indent="0" algn="ctr" defTabSz="800100">
+          <a:pPr lvl="0" algn="ctr" defTabSz="800100">
             <a:lnSpc>
               <a:spcPct val="90000"/>
             </a:lnSpc>
@@ -4529,7 +4733,6 @@
             <a:spcAft>
               <a:spcPct val="35000"/>
             </a:spcAft>
-            <a:buNone/>
           </a:pPr>
           <a:r>
             <a:rPr lang="en-US" sz="1800" kern="1200" dirty="0"/>
@@ -4595,7 +4798,7 @@
         </a:bodyPr>
         <a:lstStyle/>
         <a:p>
-          <a:pPr marL="0" lvl="0" indent="0" algn="ctr" defTabSz="800100">
+          <a:pPr lvl="0" algn="ctr" defTabSz="800100">
             <a:lnSpc>
               <a:spcPct val="90000"/>
             </a:lnSpc>
@@ -4605,7 +4808,6 @@
             <a:spcAft>
               <a:spcPct val="35000"/>
             </a:spcAft>
-            <a:buNone/>
           </a:pPr>
           <a:r>
             <a:rPr lang="en-US" sz="1800" kern="1200" dirty="0"/>
@@ -4671,7 +4873,7 @@
         </a:bodyPr>
         <a:lstStyle/>
         <a:p>
-          <a:pPr marL="0" lvl="0" indent="0" algn="ctr" defTabSz="800100">
+          <a:pPr lvl="0" algn="ctr" defTabSz="800100">
             <a:lnSpc>
               <a:spcPct val="90000"/>
             </a:lnSpc>
@@ -4681,7 +4883,6 @@
             <a:spcAft>
               <a:spcPct val="35000"/>
             </a:spcAft>
-            <a:buNone/>
           </a:pPr>
           <a:r>
             <a:rPr lang="en-US" sz="1800" kern="1200" dirty="0"/>
@@ -4747,7 +4948,7 @@
         </a:bodyPr>
         <a:lstStyle/>
         <a:p>
-          <a:pPr marL="0" lvl="0" indent="0" algn="ctr" defTabSz="800100">
+          <a:pPr lvl="0" algn="ctr" defTabSz="800100">
             <a:lnSpc>
               <a:spcPct val="90000"/>
             </a:lnSpc>
@@ -4757,7 +4958,6 @@
             <a:spcAft>
               <a:spcPct val="35000"/>
             </a:spcAft>
-            <a:buNone/>
           </a:pPr>
           <a:r>
             <a:rPr lang="en-US" sz="1800" kern="1200" dirty="0"/>
@@ -4823,7 +5023,7 @@
         </a:bodyPr>
         <a:lstStyle/>
         <a:p>
-          <a:pPr marL="0" lvl="0" indent="0" algn="ctr" defTabSz="1066800">
+          <a:pPr lvl="0" algn="ctr" defTabSz="1066800">
             <a:lnSpc>
               <a:spcPct val="90000"/>
             </a:lnSpc>
@@ -4833,7 +5033,6 @@
             <a:spcAft>
               <a:spcPct val="35000"/>
             </a:spcAft>
-            <a:buNone/>
           </a:pPr>
           <a:r>
             <a:rPr lang="en-US" sz="2400" kern="1200" dirty="0"/>
@@ -4899,7 +5098,7 @@
         </a:bodyPr>
         <a:lstStyle/>
         <a:p>
-          <a:pPr marL="0" lvl="0" indent="0" algn="ctr" defTabSz="889000">
+          <a:pPr lvl="0" algn="ctr" defTabSz="889000">
             <a:lnSpc>
               <a:spcPct val="90000"/>
             </a:lnSpc>
@@ -4909,7 +5108,6 @@
             <a:spcAft>
               <a:spcPct val="35000"/>
             </a:spcAft>
-            <a:buNone/>
           </a:pPr>
           <a:r>
             <a:rPr lang="en-US" sz="2000" kern="1200" dirty="0"/>
@@ -4975,7 +5173,7 @@
         </a:bodyPr>
         <a:lstStyle/>
         <a:p>
-          <a:pPr marL="0" lvl="0" indent="0" algn="ctr" defTabSz="800100">
+          <a:pPr lvl="0" algn="ctr" defTabSz="800100">
             <a:lnSpc>
               <a:spcPct val="90000"/>
             </a:lnSpc>
@@ -4985,7 +5183,6 @@
             <a:spcAft>
               <a:spcPct val="35000"/>
             </a:spcAft>
-            <a:buNone/>
           </a:pPr>
           <a:r>
             <a:rPr lang="en-US" sz="1800" kern="1200" dirty="0"/>
@@ -5051,7 +5248,7 @@
         </a:bodyPr>
         <a:lstStyle/>
         <a:p>
-          <a:pPr marL="0" lvl="0" indent="0" algn="ctr" defTabSz="800100">
+          <a:pPr lvl="0" algn="ctr" defTabSz="800100">
             <a:lnSpc>
               <a:spcPct val="90000"/>
             </a:lnSpc>
@@ -5061,7 +5258,6 @@
             <a:spcAft>
               <a:spcPct val="35000"/>
             </a:spcAft>
-            <a:buNone/>
           </a:pPr>
           <a:r>
             <a:rPr lang="en-US" sz="1800" kern="1200" dirty="0"/>
@@ -5127,7 +5323,7 @@
         </a:bodyPr>
         <a:lstStyle/>
         <a:p>
-          <a:pPr marL="0" lvl="0" indent="0" algn="ctr" defTabSz="800100">
+          <a:pPr lvl="0" algn="ctr" defTabSz="800100">
             <a:lnSpc>
               <a:spcPct val="90000"/>
             </a:lnSpc>
@@ -5137,7 +5333,6 @@
             <a:spcAft>
               <a:spcPct val="35000"/>
             </a:spcAft>
-            <a:buNone/>
           </a:pPr>
           <a:r>
             <a:rPr lang="en-US" sz="1800" kern="1200" dirty="0"/>
@@ -9027,7 +9222,7 @@
         </p:nvSpPr>
         <p:spPr>
           <a:xfrm>
-            <a:off x="0" y="4515120"/>
+            <a:off x="-32657" y="4515120"/>
             <a:ext cx="43889400" cy="1619280"/>
           </a:xfrm>
           <a:prstGeom prst="rect">
@@ -9058,13 +9253,13 @@
           <a:bodyPr lIns="640080" tIns="45000" rIns="90000" bIns="45000" anchor="ctr"/>
           <a:lstStyle/>
           <a:p>
-            <a:pPr>
+            <a:pPr algn="ctr">
               <a:lnSpc>
                 <a:spcPct val="100000"/>
               </a:lnSpc>
             </a:pPr>
             <a:r>
-              <a:rPr lang="en-US" sz="6400" b="1" i="1" strike="noStrike" spc="-1">
+              <a:rPr lang="en-US" sz="6400" b="1" i="1" strike="noStrike" spc="-1" dirty="0" smtClean="0">
                 <a:solidFill>
                   <a:srgbClr val="FFFFFF"/>
                 </a:solidFill>
@@ -9076,10 +9271,10 @@
                 <a:latin typeface="Arial"/>
                 <a:ea typeface="DejaVu Sans"/>
               </a:rPr>
-              <a:t>Analytic Approach: </a:t>
+              <a:t>Approach</a:t>
             </a:r>
             <a:r>
-              <a:rPr lang="en-US" sz="4800" b="1" i="1" strike="noStrike" spc="-1">
+              <a:rPr lang="en-US" sz="6400" b="1" i="1" strike="noStrike" spc="-1" dirty="0">
                 <a:solidFill>
                   <a:srgbClr val="FFFFFF"/>
                 </a:solidFill>
@@ -9091,9 +9286,99 @@
                 <a:latin typeface="Arial"/>
                 <a:ea typeface="DejaVu Sans"/>
               </a:rPr>
-              <a:t>Graduated Non-convexity Optimization (GNC) method to learn importance of the clinical concepts in query.</a:t>
+              <a:t>: </a:t>
             </a:r>
-            <a:endParaRPr lang="en-US" sz="1800" b="0" strike="noStrike" spc="-1">
+            <a:r>
+              <a:rPr lang="en-US" sz="4800" b="1" i="1" strike="noStrike" spc="-1" dirty="0">
+                <a:solidFill>
+                  <a:srgbClr val="FFFFFF"/>
+                </a:solidFill>
+                <a:uFill>
+                  <a:solidFill>
+                    <a:srgbClr val="FFFFFF"/>
+                  </a:solidFill>
+                </a:uFill>
+                <a:latin typeface="Arial"/>
+                <a:ea typeface="DejaVu Sans"/>
+              </a:rPr>
+              <a:t>Graduated Non-convexity Optimization (GNC) method to learn </a:t>
+            </a:r>
+            <a:r>
+              <a:rPr lang="en-US" sz="4800" b="1" i="1" strike="noStrike" spc="-1" dirty="0" smtClean="0">
+                <a:solidFill>
+                  <a:srgbClr val="FFFFFF"/>
+                </a:solidFill>
+                <a:uFill>
+                  <a:solidFill>
+                    <a:srgbClr val="FFFFFF"/>
+                  </a:solidFill>
+                </a:uFill>
+                <a:latin typeface="Arial"/>
+                <a:ea typeface="DejaVu Sans"/>
+              </a:rPr>
+              <a:t>relative importance </a:t>
+            </a:r>
+            <a:r>
+              <a:rPr lang="en-US" sz="4800" b="1" i="1" strike="noStrike" spc="-1" dirty="0">
+                <a:solidFill>
+                  <a:srgbClr val="FFFFFF"/>
+                </a:solidFill>
+                <a:uFill>
+                  <a:solidFill>
+                    <a:srgbClr val="FFFFFF"/>
+                  </a:solidFill>
+                </a:uFill>
+                <a:latin typeface="Arial"/>
+                <a:ea typeface="DejaVu Sans"/>
+              </a:rPr>
+              <a:t>of </a:t>
+            </a:r>
+            <a:r>
+              <a:rPr lang="en-US" sz="4800" b="1" i="1" strike="noStrike" spc="-1" dirty="0" smtClean="0">
+                <a:solidFill>
+                  <a:srgbClr val="FFFFFF"/>
+                </a:solidFill>
+                <a:uFill>
+                  <a:solidFill>
+                    <a:srgbClr val="FFFFFF"/>
+                  </a:solidFill>
+                </a:uFill>
+                <a:latin typeface="Arial"/>
+                <a:ea typeface="DejaVu Sans"/>
+              </a:rPr>
+              <a:t>clinical </a:t>
+            </a:r>
+            <a:r>
+              <a:rPr lang="en-US" sz="4800" b="1" i="1" strike="noStrike" spc="-1" dirty="0">
+                <a:solidFill>
+                  <a:srgbClr val="FFFFFF"/>
+                </a:solidFill>
+                <a:uFill>
+                  <a:solidFill>
+                    <a:srgbClr val="FFFFFF"/>
+                  </a:solidFill>
+                </a:uFill>
+                <a:latin typeface="Arial"/>
+                <a:ea typeface="DejaVu Sans"/>
+              </a:rPr>
+              <a:t>concepts in </a:t>
+            </a:r>
+            <a:r>
+              <a:rPr lang="en-US" sz="4800" b="1" i="1" strike="noStrike" spc="-1" dirty="0" smtClean="0">
+                <a:solidFill>
+                  <a:srgbClr val="FFFFFF"/>
+                </a:solidFill>
+                <a:uFill>
+                  <a:solidFill>
+                    <a:srgbClr val="FFFFFF"/>
+                  </a:solidFill>
+                </a:uFill>
+                <a:latin typeface="Arial"/>
+                <a:ea typeface="DejaVu Sans"/>
+              </a:rPr>
+              <a:t>case-based queries</a:t>
+            </a:r>
+            <a:endParaRPr lang="en-US" sz="1800" b="0" strike="noStrike" spc="-1" dirty="0">
               <a:solidFill>
                 <a:srgbClr val="000000"/>
               </a:solidFill>
@@ -9115,8 +9400,8 @@
         </p:nvSpPr>
         <p:spPr>
           <a:xfrm>
-            <a:off x="718920" y="7344360"/>
-            <a:ext cx="9873720" cy="12165120"/>
+            <a:off x="784234" y="7670930"/>
+            <a:ext cx="9873720" cy="13772110"/>
           </a:xfrm>
           <a:prstGeom prst="rect">
             <a:avLst/>
@@ -9166,7 +9451,67 @@
                 <a:latin typeface="Trebuchet MS"/>
                 <a:ea typeface="DejaVu Sans"/>
               </a:rPr>
-              <a:t>Information retrieval component that can take a query describing a patient case and find relevant articles from collections of biomedical literature is an important part of clinical decision support systems</a:t>
+              <a:t>Information retrieval component that can take a query describing a patient case and find </a:t>
+            </a:r>
+            <a:r>
+              <a:rPr lang="en-US" sz="3600" b="0" strike="noStrike" spc="-1" dirty="0" smtClean="0">
+                <a:solidFill>
+                  <a:srgbClr val="000000"/>
+                </a:solidFill>
+                <a:uFill>
+                  <a:solidFill>
+                    <a:srgbClr val="FFFFFF"/>
+                  </a:solidFill>
+                </a:uFill>
+                <a:latin typeface="Trebuchet MS"/>
+                <a:ea typeface="DejaVu Sans"/>
+              </a:rPr>
+              <a:t>articles in </a:t>
+            </a:r>
+            <a:r>
+              <a:rPr lang="en-US" sz="3600" b="0" strike="noStrike" spc="-1" dirty="0">
+                <a:solidFill>
+                  <a:srgbClr val="000000"/>
+                </a:solidFill>
+                <a:uFill>
+                  <a:solidFill>
+                    <a:srgbClr val="FFFFFF"/>
+                  </a:solidFill>
+                </a:uFill>
+                <a:latin typeface="Trebuchet MS"/>
+                <a:ea typeface="DejaVu Sans"/>
+              </a:rPr>
+              <a:t>collections of biomedical </a:t>
+            </a:r>
+            <a:r>
+              <a:rPr lang="en-US" sz="3600" b="0" strike="noStrike" spc="-1" dirty="0" smtClean="0">
+                <a:solidFill>
+                  <a:srgbClr val="000000"/>
+                </a:solidFill>
+                <a:uFill>
+                  <a:solidFill>
+                    <a:srgbClr val="FFFFFF"/>
+                  </a:solidFill>
+                </a:uFill>
+                <a:latin typeface="Trebuchet MS"/>
+                <a:ea typeface="DejaVu Sans"/>
+              </a:rPr>
+              <a:t>literature, which are relevant to the given case, </a:t>
+            </a:r>
+            <a:r>
+              <a:rPr lang="en-US" sz="3600" b="0" strike="noStrike" spc="-1" dirty="0">
+                <a:solidFill>
+                  <a:srgbClr val="000000"/>
+                </a:solidFill>
+                <a:uFill>
+                  <a:solidFill>
+                    <a:srgbClr val="FFFFFF"/>
+                  </a:solidFill>
+                </a:uFill>
+                <a:latin typeface="Trebuchet MS"/>
+                <a:ea typeface="DejaVu Sans"/>
+              </a:rPr>
+              <a:t>is an important part of clinical decision support systems</a:t>
             </a:r>
             <a:endParaRPr lang="en-US" sz="1800" b="0" strike="noStrike" spc="-1" dirty="0">
               <a:solidFill>
@@ -9244,7 +9589,97 @@
                 <a:latin typeface="Trebuchet MS"/>
                 <a:ea typeface="DejaVu Sans"/>
               </a:rPr>
-              <a:t>Explicit medical concepts are  found in the query itself, latent concepts can be extracted from top-retrieved documents and medical knowledge bases</a:t>
+              <a:t>Explicit medical concepts are  found in the query itself, </a:t>
+            </a:r>
+            <a:r>
+              <a:rPr lang="en-US" sz="3600" b="0" strike="noStrike" spc="-1" dirty="0" smtClean="0">
+                <a:solidFill>
+                  <a:srgbClr val="000000"/>
+                </a:solidFill>
+                <a:uFill>
+                  <a:solidFill>
+                    <a:srgbClr val="FFFFFF"/>
+                  </a:solidFill>
+                </a:uFill>
+                <a:latin typeface="Trebuchet MS"/>
+                <a:ea typeface="DejaVu Sans"/>
+              </a:rPr>
+              <a:t>while latent </a:t>
+            </a:r>
+            <a:r>
+              <a:rPr lang="en-US" sz="3600" b="0" strike="noStrike" spc="-1" dirty="0">
+                <a:solidFill>
+                  <a:srgbClr val="000000"/>
+                </a:solidFill>
+                <a:uFill>
+                  <a:solidFill>
+                    <a:srgbClr val="FFFFFF"/>
+                  </a:solidFill>
+                </a:uFill>
+                <a:latin typeface="Trebuchet MS"/>
+                <a:ea typeface="DejaVu Sans"/>
+              </a:rPr>
+              <a:t>concepts can be </a:t>
+            </a:r>
+            <a:r>
+              <a:rPr lang="en-US" sz="3600" spc="-1" dirty="0" smtClean="0">
+                <a:solidFill>
+                  <a:srgbClr val="000000"/>
+                </a:solidFill>
+                <a:uFill>
+                  <a:solidFill>
+                    <a:srgbClr val="FFFFFF"/>
+                  </a:solidFill>
+                </a:uFill>
+                <a:latin typeface="Trebuchet MS"/>
+                <a:ea typeface="DejaVu Sans"/>
+              </a:rPr>
+              <a:t>obtained</a:t>
+            </a:r>
+            <a:r>
+              <a:rPr lang="en-US" sz="3600" b="0" strike="noStrike" spc="-1" dirty="0" smtClean="0">
+                <a:solidFill>
+                  <a:srgbClr val="000000"/>
+                </a:solidFill>
+                <a:uFill>
+                  <a:solidFill>
+                    <a:srgbClr val="FFFFFF"/>
+                  </a:solidFill>
+                </a:uFill>
+                <a:latin typeface="Trebuchet MS"/>
+                <a:ea typeface="DejaVu Sans"/>
+              </a:rPr>
+              <a:t> </a:t>
+            </a:r>
+            <a:r>
+              <a:rPr lang="en-US" sz="3600" b="0" strike="noStrike" spc="-1" dirty="0">
+                <a:solidFill>
+                  <a:srgbClr val="000000"/>
+                </a:solidFill>
+                <a:uFill>
+                  <a:solidFill>
+                    <a:srgbClr val="FFFFFF"/>
+                  </a:solidFill>
+                </a:uFill>
+                <a:latin typeface="Trebuchet MS"/>
+                <a:ea typeface="DejaVu Sans"/>
+              </a:rPr>
+              <a:t>from top-retrieved documents and medical knowledge </a:t>
+            </a:r>
+            <a:r>
+              <a:rPr lang="en-US" sz="3600" b="0" strike="noStrike" spc="-1" dirty="0" smtClean="0">
+                <a:solidFill>
+                  <a:srgbClr val="000000"/>
+                </a:solidFill>
+                <a:uFill>
+                  <a:solidFill>
+                    <a:srgbClr val="FFFFFF"/>
+                  </a:solidFill>
+                </a:uFill>
+                <a:latin typeface="Trebuchet MS"/>
+                <a:ea typeface="DejaVu Sans"/>
+              </a:rPr>
+              <a:t>bases:</a:t>
             </a:r>
             <a:endParaRPr lang="en-US" sz="1800" b="0" strike="noStrike" spc="-1" dirty="0">
               <a:solidFill>
@@ -9530,192 +9965,6 @@
               <a:latin typeface="Arial"/>
             </a:endParaRPr>
           </a:p>
-          <a:p>
-            <a:pPr marL="216000" indent="-214560">
-              <a:lnSpc>
-                <a:spcPct val="100000"/>
-              </a:lnSpc>
-              <a:buClr>
-                <a:srgbClr val="000000"/>
-              </a:buClr>
-              <a:buSzPct val="45000"/>
-              <a:buFont typeface="Wingdings" charset="2"/>
-              <a:buChar char=""/>
-            </a:pPr>
-            <a:r>
-              <a:rPr lang="en-US" sz="3600" b="1" strike="noStrike" spc="-1" dirty="0">
-                <a:solidFill>
-                  <a:srgbClr val="000000"/>
-                </a:solidFill>
-                <a:uFill>
-                  <a:solidFill>
-                    <a:srgbClr val="FFFFFF"/>
-                  </a:solidFill>
-                </a:uFill>
-                <a:latin typeface="Trebuchet MS"/>
-                <a:ea typeface="DejaVu Sans"/>
-              </a:rPr>
-              <a:t>Challenges:</a:t>
-            </a:r>
-            <a:r>
-              <a:rPr lang="en-US" sz="3600" b="0" strike="noStrike" spc="-1" dirty="0">
-                <a:solidFill>
-                  <a:srgbClr val="000000"/>
-                </a:solidFill>
-                <a:uFill>
-                  <a:solidFill>
-                    <a:srgbClr val="FFFFFF"/>
-                  </a:solidFill>
-                </a:uFill>
-                <a:latin typeface="Trebuchet MS"/>
-                <a:ea typeface="DejaVu Sans"/>
-              </a:rPr>
-              <a:t> </a:t>
-            </a:r>
-            <a:endParaRPr lang="en-US" sz="1800" b="0" strike="noStrike" spc="-1" dirty="0">
-              <a:solidFill>
-                <a:srgbClr val="000000"/>
-              </a:solidFill>
-              <a:uFill>
-                <a:solidFill>
-                  <a:srgbClr val="FFFFFF"/>
-                </a:solidFill>
-              </a:uFill>
-              <a:latin typeface="Arial"/>
-            </a:endParaRPr>
-          </a:p>
-          <a:p>
-            <a:pPr marL="1080">
-              <a:lnSpc>
-                <a:spcPct val="100000"/>
-              </a:lnSpc>
-            </a:pPr>
-            <a:r>
-              <a:rPr lang="en-US" sz="3600" b="0" strike="noStrike" spc="-1" dirty="0">
-                <a:solidFill>
-                  <a:srgbClr val="000000"/>
-                </a:solidFill>
-                <a:uFill>
-                  <a:solidFill>
-                    <a:srgbClr val="FFFFFF"/>
-                  </a:solidFill>
-                </a:uFill>
-                <a:latin typeface="Trebuchet MS"/>
-                <a:ea typeface="DejaVu Sans"/>
-              </a:rPr>
-              <a:t>1. Dealing with very long queries </a:t>
-            </a:r>
-            <a:endParaRPr lang="en-US" sz="1800" b="0" strike="noStrike" spc="-1" dirty="0">
-              <a:solidFill>
-                <a:srgbClr val="000000"/>
-              </a:solidFill>
-              <a:uFill>
-                <a:solidFill>
-                  <a:srgbClr val="FFFFFF"/>
-                </a:solidFill>
-              </a:uFill>
-              <a:latin typeface="Arial"/>
-            </a:endParaRPr>
-          </a:p>
-          <a:p>
-            <a:pPr marL="1080">
-              <a:lnSpc>
-                <a:spcPct val="100000"/>
-              </a:lnSpc>
-            </a:pPr>
-            <a:r>
-              <a:rPr lang="en-US" sz="3600" b="0" strike="noStrike" spc="-1" dirty="0">
-                <a:solidFill>
-                  <a:srgbClr val="000000"/>
-                </a:solidFill>
-                <a:uFill>
-                  <a:solidFill>
-                    <a:srgbClr val="FFFFFF"/>
-                  </a:solidFill>
-                </a:uFill>
-                <a:latin typeface="Trebuchet MS"/>
-                <a:ea typeface="DejaVu Sans"/>
-              </a:rPr>
-              <a:t>2. Identifying all effective latent concepts in noisy top retrieved documents and dense knowledge graphs</a:t>
-            </a:r>
-            <a:endParaRPr lang="en-US" sz="1800" b="0" strike="noStrike" spc="-1" dirty="0">
-              <a:solidFill>
-                <a:srgbClr val="000000"/>
-              </a:solidFill>
-              <a:uFill>
-                <a:solidFill>
-                  <a:srgbClr val="FFFFFF"/>
-                </a:solidFill>
-              </a:uFill>
-              <a:latin typeface="Arial"/>
-            </a:endParaRPr>
-          </a:p>
-          <a:p>
-            <a:pPr marL="1080">
-              <a:lnSpc>
-                <a:spcPct val="100000"/>
-              </a:lnSpc>
-            </a:pPr>
-            <a:r>
-              <a:rPr lang="en-US" sz="3600" b="0" strike="noStrike" spc="-1" dirty="0">
-                <a:solidFill>
-                  <a:srgbClr val="000000"/>
-                </a:solidFill>
-                <a:uFill>
-                  <a:solidFill>
-                    <a:srgbClr val="FFFFFF"/>
-                  </a:solidFill>
-                </a:uFill>
-                <a:latin typeface="Trebuchet MS"/>
-                <a:ea typeface="DejaVu Sans"/>
-              </a:rPr>
-              <a:t>2. Selecting important unigram, bigram, and multi-term explicit and latent concepts and discarding others </a:t>
-            </a:r>
-            <a:endParaRPr lang="en-US" sz="1800" b="0" strike="noStrike" spc="-1" dirty="0">
-              <a:solidFill>
-                <a:srgbClr val="000000"/>
-              </a:solidFill>
-              <a:uFill>
-                <a:solidFill>
-                  <a:srgbClr val="FFFFFF"/>
-                </a:solidFill>
-              </a:uFill>
-              <a:latin typeface="Arial"/>
-            </a:endParaRPr>
-          </a:p>
-          <a:p>
-            <a:pPr marL="1080">
-              <a:lnSpc>
-                <a:spcPct val="100000"/>
-              </a:lnSpc>
-            </a:pPr>
-            <a:r>
-              <a:rPr lang="en-US" sz="3600" b="0" strike="noStrike" spc="-1" dirty="0">
-                <a:solidFill>
-                  <a:srgbClr val="000000"/>
-                </a:solidFill>
-                <a:uFill>
-                  <a:solidFill>
-                    <a:srgbClr val="FFFFFF"/>
-                  </a:solidFill>
-                </a:uFill>
-                <a:latin typeface="Trebuchet MS"/>
-                <a:ea typeface="DejaVu Sans"/>
-              </a:rPr>
-              <a:t>3. identifying the most important query concepts as well as query transformation by adding new concepts to a query, which can be extracted from the top retrieved documents or medical knowledge bases.</a:t>
-            </a:r>
-            <a:endParaRPr lang="en-US" sz="1800" b="0" strike="noStrike" spc="-1" dirty="0">
-              <a:solidFill>
-                <a:srgbClr val="000000"/>
-              </a:solidFill>
-              <a:uFill>
-                <a:solidFill>
-                  <a:srgbClr val="FFFFFF"/>
-                </a:solidFill>
-              </a:uFill>
-              <a:latin typeface="Arial"/>
-            </a:endParaRPr>
-          </a:p>
         </p:txBody>
       </p:sp>
       <p:sp>
@@ -9795,8 +10044,8 @@
         </p:nvSpPr>
         <p:spPr>
           <a:xfrm>
-            <a:off x="804960" y="28719660"/>
-            <a:ext cx="9873720" cy="6707520"/>
+            <a:off x="890393" y="22187440"/>
+            <a:ext cx="9873720" cy="3493391"/>
           </a:xfrm>
           <a:prstGeom prst="rect">
             <a:avLst/>
@@ -9827,7 +10076,7 @@
                 <a:spcPct val="100000"/>
               </a:lnSpc>
             </a:pPr>
-            <a:endParaRPr lang="en-US" sz="1800" b="0" strike="noStrike" spc="-1">
+            <a:endParaRPr lang="en-US" sz="1800" b="0" strike="noStrike" spc="-1" dirty="0">
               <a:solidFill>
                 <a:srgbClr val="000000"/>
               </a:solidFill>
@@ -9840,7 +10089,7 @@
             </a:endParaRPr>
           </a:p>
           <a:p>
-            <a:pPr marL="216000" indent="-214560">
+            <a:pPr marL="1440">
               <a:lnSpc>
                 <a:spcPct val="100000"/>
               </a:lnSpc>
@@ -9848,11 +10097,9 @@
                 <a:srgbClr val="000000"/>
               </a:buClr>
               <a:buSzPct val="45000"/>
-              <a:buFont typeface="Wingdings" charset="2"/>
-              <a:buChar char=""/>
             </a:pPr>
             <a:r>
-              <a:rPr lang="en-US" sz="3600" b="0" strike="noStrike" spc="-1">
+              <a:rPr lang="en-US" sz="3600" b="0" strike="noStrike" spc="-1" dirty="0" smtClean="0">
                 <a:solidFill>
                   <a:srgbClr val="000000"/>
                 </a:solidFill>
@@ -9864,9 +10111,39 @@
                 <a:latin typeface="Trebuchet MS"/>
                 <a:ea typeface="DejaVu Sans"/>
               </a:rPr>
-              <a:t> Develop an intelligent retrieval system that combines query analysis and expansion by jointly determining the importance weights of explicit and latent query concepts depending on their type and source</a:t>
+              <a:t>Develop </a:t>
             </a:r>
-            <a:endParaRPr lang="en-US" sz="1800" b="0" strike="noStrike" spc="-1">
+            <a:r>
+              <a:rPr lang="en-US" sz="3600" b="0" strike="noStrike" spc="-1" dirty="0">
+                <a:solidFill>
+                  <a:srgbClr val="000000"/>
+                </a:solidFill>
+                <a:uFill>
+                  <a:solidFill>
+                    <a:srgbClr val="FFFFFF"/>
+                  </a:solidFill>
+                </a:uFill>
+                <a:latin typeface="Trebuchet MS"/>
+                <a:ea typeface="DejaVu Sans"/>
+              </a:rPr>
+              <a:t>an intelligent retrieval system that combines query analysis and expansion by jointly determining the importance weights of explicit and latent query concepts depending on their type and </a:t>
+            </a:r>
+            <a:r>
+              <a:rPr lang="en-US" sz="3600" b="0" strike="noStrike" spc="-1" dirty="0" smtClean="0">
+                <a:solidFill>
+                  <a:srgbClr val="000000"/>
+                </a:solidFill>
+                <a:uFill>
+                  <a:solidFill>
+                    <a:srgbClr val="FFFFFF"/>
+                  </a:solidFill>
+                </a:uFill>
+                <a:latin typeface="Trebuchet MS"/>
+                <a:ea typeface="DejaVu Sans"/>
+              </a:rPr>
+              <a:t>source</a:t>
+            </a:r>
+            <a:endParaRPr lang="en-US" sz="1800" b="0" strike="noStrike" spc="-1" dirty="0" smtClean="0">
               <a:solidFill>
                 <a:srgbClr val="000000"/>
               </a:solidFill>
@@ -9884,7 +10161,7 @@
                 <a:spcPct val="100000"/>
               </a:lnSpc>
             </a:pPr>
-            <a:endParaRPr lang="en-US" sz="1800" b="0" strike="noStrike" spc="-1">
+            <a:endParaRPr lang="en-US" sz="1800" b="0" strike="noStrike" spc="-1" dirty="0" smtClean="0">
               <a:solidFill>
                 <a:srgbClr val="000000"/>
               </a:solidFill>
@@ -9902,7 +10179,7 @@
                 <a:spcPct val="100000"/>
               </a:lnSpc>
             </a:pPr>
-            <a:endParaRPr lang="en-US" sz="1800" b="0" strike="noStrike" spc="-1">
+            <a:endParaRPr lang="en-US" sz="1800" b="0" strike="noStrike" spc="-1" dirty="0">
               <a:solidFill>
                 <a:srgbClr val="000000"/>
               </a:solidFill>
@@ -9924,7 +10201,7 @@
         </p:nvSpPr>
         <p:spPr>
           <a:xfrm>
-            <a:off x="209520" y="28228860"/>
+            <a:off x="532183" y="21673901"/>
             <a:ext cx="10383120" cy="926640"/>
           </a:xfrm>
           <a:prstGeom prst="rect">
@@ -9957,7 +10234,7 @@
               </a:lnSpc>
             </a:pPr>
             <a:r>
-              <a:rPr lang="en-US" sz="5400" b="1" u="sng" strike="noStrike" spc="-1" dirty="0">
+              <a:rPr lang="en-US" sz="5400" b="1" u="sng" strike="noStrike" spc="-1" smtClean="0">
                 <a:solidFill>
                   <a:srgbClr val="385623"/>
                 </a:solidFill>
@@ -9969,7 +10246,7 @@
                 <a:latin typeface="Calibri"/>
                 <a:ea typeface="DejaVu Sans"/>
               </a:rPr>
-              <a:t>OBJECTIVES</a:t>
+              <a:t>OBJECTIVE</a:t>
             </a:r>
             <a:endParaRPr lang="en-US" sz="1800" b="0" strike="noStrike" spc="-1" dirty="0">
               <a:solidFill>
@@ -10169,7 +10446,7 @@
               <a:buChar char="•"/>
             </a:pPr>
             <a:r>
-              <a:rPr lang="en-US" sz="3600" b="0" strike="noStrike" spc="-1">
+              <a:rPr lang="en-US" sz="3600" b="0" strike="noStrike" spc="-1" dirty="0">
                 <a:solidFill>
                   <a:srgbClr val="000000"/>
                 </a:solidFill>
@@ -10181,9 +10458,39 @@
                 <a:latin typeface="Trebuchet MS"/>
                 <a:ea typeface="DejaVu Sans"/>
               </a:rPr>
-              <a:t>We proposed an intelligent retrieval system that represents case-based CDS queries using explicit concepts from the original query and the latent concepts from the top retrieved documents and knowledge bases and determined the weight of each query concept based on its type and source </a:t>
+              <a:t>We proposed an intelligent retrieval system that represents case-based CDS queries using explicit concepts from the original query and the latent concepts from the top retrieved documents and knowledge bases and </a:t>
             </a:r>
-            <a:endParaRPr lang="en-US" sz="1800" b="0" strike="noStrike" spc="-1">
+            <a:r>
+              <a:rPr lang="en-US" sz="3600" b="0" strike="noStrike" spc="-1" dirty="0" smtClean="0">
+                <a:solidFill>
+                  <a:srgbClr val="000000"/>
+                </a:solidFill>
+                <a:uFill>
+                  <a:solidFill>
+                    <a:srgbClr val="FFFFFF"/>
+                  </a:solidFill>
+                </a:uFill>
+                <a:latin typeface="Trebuchet MS"/>
+                <a:ea typeface="DejaVu Sans"/>
+              </a:rPr>
+              <a:t>determines </a:t>
+            </a:r>
+            <a:r>
+              <a:rPr lang="en-US" sz="3600" b="0" strike="noStrike" spc="-1" dirty="0">
+                <a:solidFill>
+                  <a:srgbClr val="000000"/>
+                </a:solidFill>
+                <a:uFill>
+                  <a:solidFill>
+                    <a:srgbClr val="FFFFFF"/>
+                  </a:solidFill>
+                </a:uFill>
+                <a:latin typeface="Trebuchet MS"/>
+                <a:ea typeface="DejaVu Sans"/>
+              </a:rPr>
+              <a:t>the weight of each query concept based on its type and source </a:t>
+            </a:r>
+            <a:endParaRPr lang="en-US" sz="1800" b="0" strike="noStrike" spc="-1" dirty="0">
               <a:solidFill>
                 <a:srgbClr val="000000"/>
               </a:solidFill>
@@ -10207,7 +10514,7 @@
               <a:buChar char="•"/>
             </a:pPr>
             <a:r>
-              <a:rPr lang="en-US" sz="3600" b="0" strike="noStrike" spc="-1">
+              <a:rPr lang="en-US" sz="3600" b="0" strike="noStrike" spc="-1" dirty="0">
                 <a:solidFill>
                   <a:srgbClr val="000000"/>
                 </a:solidFill>
@@ -10221,7 +10528,7 @@
               </a:rPr>
               <a:t>We proposed to use graduated optimization method to directly optimize feature weights with respect to the target retrieval metric</a:t>
             </a:r>
-            <a:endParaRPr lang="en-US" sz="1800" b="0" strike="noStrike" spc="-1">
+            <a:endParaRPr lang="en-US" sz="1800" b="0" strike="noStrike" spc="-1" dirty="0">
               <a:solidFill>
                 <a:srgbClr val="000000"/>
               </a:solidFill>
@@ -10245,7 +10552,7 @@
               <a:buChar char="•"/>
             </a:pPr>
             <a:r>
-              <a:rPr lang="en-US" sz="3600" b="0" strike="noStrike" spc="-1">
+              <a:rPr lang="en-US" sz="3600" b="0" strike="noStrike" spc="-1" dirty="0">
                 <a:solidFill>
                   <a:srgbClr val="000000"/>
                 </a:solidFill>
@@ -10259,7 +10566,7 @@
               </a:rPr>
               <a:t>We found out that combining expansion concepts from top document and medical  knowledge bases is more effective that relying only on one of these sources</a:t>
             </a:r>
-            <a:endParaRPr lang="en-US" sz="1800" b="0" strike="noStrike" spc="-1">
+            <a:endParaRPr lang="en-US" sz="1800" b="0" strike="noStrike" spc="-1" dirty="0">
               <a:solidFill>
                 <a:srgbClr val="000000"/>
               </a:solidFill>
@@ -10283,7 +10590,7 @@
               <a:buChar char="•"/>
             </a:pPr>
             <a:r>
-              <a:rPr lang="en-US" sz="3600" b="0" strike="noStrike" spc="-1">
+              <a:rPr lang="en-US" sz="3600" b="0" strike="noStrike" spc="-1" dirty="0">
                 <a:solidFill>
                   <a:srgbClr val="000000"/>
                 </a:solidFill>
@@ -10297,7 +10604,7 @@
               </a:rPr>
               <a:t>We found out that graduated non-convexity optimization is more effective that traditional optimization methods, such as coordinate ascent</a:t>
             </a:r>
-            <a:endParaRPr lang="en-US" sz="1800" b="0" strike="noStrike" spc="-1">
+            <a:endParaRPr lang="en-US" sz="1800" b="0" strike="noStrike" spc="-1" dirty="0">
               <a:solidFill>
                 <a:srgbClr val="000000"/>
               </a:solidFill>
@@ -10321,7 +10628,7 @@
               <a:buChar char="•"/>
             </a:pPr>
             <a:r>
-              <a:rPr lang="en-US" sz="3600" b="0" strike="noStrike" spc="-1">
+              <a:rPr lang="en-US" sz="3600" b="0" strike="noStrike" spc="-1" dirty="0">
                 <a:solidFill>
                   <a:srgbClr val="000000"/>
                 </a:solidFill>
@@ -10335,7 +10642,7 @@
               </a:rPr>
               <a:t>Proposed method significantly outperforms state-of-the-art IR baselines as well as best systems in CDS track of TREC 2014 and 2015</a:t>
             </a:r>
-            <a:endParaRPr lang="en-US" sz="1800" b="0" strike="noStrike" spc="-1">
+            <a:endParaRPr lang="en-US" sz="1800" b="0" strike="noStrike" spc="-1" dirty="0">
               <a:solidFill>
                 <a:srgbClr val="000000"/>
               </a:solidFill>
@@ -10459,7 +10766,7 @@
               </a:lnSpc>
             </a:pPr>
             <a:r>
-              <a:rPr lang="en-US" sz="3600" b="0" strike="noStrike" spc="-1">
+              <a:rPr lang="en-US" sz="3600" b="0" strike="noStrike" spc="-1" dirty="0">
                 <a:solidFill>
                   <a:srgbClr val="000000"/>
                 </a:solidFill>
@@ -10471,9 +10778,69 @@
                 <a:latin typeface="Trebuchet MS"/>
                 <a:ea typeface="DejaVu Sans"/>
               </a:rPr>
-              <a:t>1. Balaneshinkordan, Saeid, Alexander Kotov, and Railan Xisto. "WSU-IR at TREC 2015 Clinical Decision Support Track: Joint Weighting of Explicit and Latent Medical Query Concepts from Diverse Sources." In TREC. 2015.</a:t>
+              <a:t>1. Balaneshinkordan, Saeid, Alexander Kotov, and Railan Xisto. "WSU-IR at TREC 2015 Clinical Decision Support Track: Joint Weighting of Explicit and Latent Medical Query Concepts from Diverse Sources." In </a:t>
             </a:r>
-            <a:endParaRPr lang="en-US" sz="1800" b="0" strike="noStrike" spc="-1">
+            <a:r>
+              <a:rPr lang="en-US" sz="3600" b="0" strike="noStrike" spc="-1" dirty="0" smtClean="0">
+                <a:solidFill>
+                  <a:srgbClr val="000000"/>
+                </a:solidFill>
+                <a:uFill>
+                  <a:solidFill>
+                    <a:srgbClr val="FFFFFF"/>
+                  </a:solidFill>
+                </a:uFill>
+                <a:latin typeface="Trebuchet MS"/>
+                <a:ea typeface="DejaVu Sans"/>
+              </a:rPr>
+              <a:t>Proceedings </a:t>
+            </a:r>
+            <a:r>
+              <a:rPr lang="en-US" sz="3600" spc="-1" dirty="0" smtClean="0">
+                <a:solidFill>
+                  <a:srgbClr val="000000"/>
+                </a:solidFill>
+                <a:uFill>
+                  <a:solidFill>
+                    <a:srgbClr val="FFFFFF"/>
+                  </a:solidFill>
+                </a:uFill>
+                <a:latin typeface="Trebuchet MS"/>
+                <a:ea typeface="DejaVu Sans"/>
+              </a:rPr>
+              <a:t>of </a:t>
+            </a:r>
+            <a:r>
+              <a:rPr lang="en-US" sz="3600" b="0" strike="noStrike" spc="-1" dirty="0" smtClean="0">
+                <a:solidFill>
+                  <a:srgbClr val="000000"/>
+                </a:solidFill>
+                <a:uFill>
+                  <a:solidFill>
+                    <a:srgbClr val="FFFFFF"/>
+                  </a:solidFill>
+                </a:uFill>
+                <a:latin typeface="Trebuchet MS"/>
+                <a:ea typeface="DejaVu Sans"/>
+              </a:rPr>
+              <a:t>TREC </a:t>
+            </a:r>
+            <a:r>
+              <a:rPr lang="en-US" sz="3600" b="0" strike="noStrike" spc="-1" dirty="0">
+                <a:solidFill>
+                  <a:srgbClr val="000000"/>
+                </a:solidFill>
+                <a:uFill>
+                  <a:solidFill>
+                    <a:srgbClr val="FFFFFF"/>
+                  </a:solidFill>
+                </a:uFill>
+                <a:latin typeface="Trebuchet MS"/>
+                <a:ea typeface="DejaVu Sans"/>
+              </a:rPr>
+              <a:t>2015.</a:t>
+            </a:r>
+            <a:endParaRPr lang="en-US" sz="1800" b="0" strike="noStrike" spc="-1" dirty="0">
               <a:solidFill>
                 <a:srgbClr val="000000"/>
               </a:solidFill>
@@ -10492,7 +10859,7 @@
               </a:lnSpc>
             </a:pPr>
             <a:r>
-              <a:rPr lang="en-US" sz="3600" b="0" strike="noStrike" spc="-1">
+              <a:rPr lang="en-US" sz="3600" b="0" strike="noStrike" spc="-1" dirty="0">
                 <a:solidFill>
                   <a:srgbClr val="000000"/>
                 </a:solidFill>
@@ -10506,7 +10873,7 @@
               </a:rPr>
               <a:t> </a:t>
             </a:r>
-            <a:endParaRPr lang="en-US" sz="1800" b="0" strike="noStrike" spc="-1">
+            <a:endParaRPr lang="en-US" sz="1800" b="0" strike="noStrike" spc="-1" dirty="0">
               <a:solidFill>
                 <a:srgbClr val="000000"/>
               </a:solidFill>
@@ -10525,7 +10892,7 @@
               </a:lnSpc>
             </a:pPr>
             <a:r>
-              <a:rPr lang="en-US" sz="3600" b="0" strike="noStrike" spc="-1">
+              <a:rPr lang="en-US" sz="3600" b="0" strike="noStrike" spc="-1" dirty="0">
                 <a:solidFill>
                   <a:srgbClr val="000000"/>
                 </a:solidFill>
@@ -10537,9 +10904,114 @@
                 <a:latin typeface="Trebuchet MS"/>
                 <a:ea typeface="DejaVu Sans"/>
               </a:rPr>
-              <a:t>2. Balaneshin-kordan, Saeid, and Alexander Kotov. "Optimization method for weighting explicit and latent concepts in clinical decision support queries." In Proceedings of the 2016 ACM on International Conference on the Theory of Information Retrieval, pp. 241-250. ACM, 2016.</a:t>
+              <a:t>2. Balaneshin-</a:t>
             </a:r>
-            <a:endParaRPr lang="en-US" sz="1800" b="0" strike="noStrike" spc="-1">
+            <a:r>
+              <a:rPr lang="en-US" sz="3600" b="0" strike="noStrike" spc="-1" dirty="0" err="1">
+                <a:solidFill>
+                  <a:srgbClr val="000000"/>
+                </a:solidFill>
+                <a:uFill>
+                  <a:solidFill>
+                    <a:srgbClr val="FFFFFF"/>
+                  </a:solidFill>
+                </a:uFill>
+                <a:latin typeface="Trebuchet MS"/>
+                <a:ea typeface="DejaVu Sans"/>
+              </a:rPr>
+              <a:t>kordan</a:t>
+            </a:r>
+            <a:r>
+              <a:rPr lang="en-US" sz="3600" b="0" strike="noStrike" spc="-1" dirty="0">
+                <a:solidFill>
+                  <a:srgbClr val="000000"/>
+                </a:solidFill>
+                <a:uFill>
+                  <a:solidFill>
+                    <a:srgbClr val="FFFFFF"/>
+                  </a:solidFill>
+                </a:uFill>
+                <a:latin typeface="Trebuchet MS"/>
+                <a:ea typeface="DejaVu Sans"/>
+              </a:rPr>
+              <a:t>, Saeid, and Alexander Kotov. "Optimization method for weighting explicit and latent concepts in clinical decision support queries." In Proceedings of the </a:t>
+            </a:r>
+            <a:r>
+              <a:rPr lang="en-US" sz="3600" spc="-1" dirty="0" smtClean="0">
+                <a:solidFill>
+                  <a:srgbClr val="000000"/>
+                </a:solidFill>
+                <a:uFill>
+                  <a:solidFill>
+                    <a:srgbClr val="FFFFFF"/>
+                  </a:solidFill>
+                </a:uFill>
+                <a:latin typeface="Trebuchet MS"/>
+                <a:ea typeface="DejaVu Sans"/>
+              </a:rPr>
+              <a:t>2nd</a:t>
+            </a:r>
+            <a:r>
+              <a:rPr lang="en-US" sz="3600" b="0" strike="noStrike" spc="-1" dirty="0" smtClean="0">
+                <a:solidFill>
+                  <a:srgbClr val="000000"/>
+                </a:solidFill>
+                <a:uFill>
+                  <a:solidFill>
+                    <a:srgbClr val="FFFFFF"/>
+                  </a:solidFill>
+                </a:uFill>
+                <a:latin typeface="Trebuchet MS"/>
+                <a:ea typeface="DejaVu Sans"/>
+              </a:rPr>
+              <a:t> </a:t>
+            </a:r>
+            <a:r>
+              <a:rPr lang="en-US" sz="3600" b="0" strike="noStrike" spc="-1" dirty="0">
+                <a:solidFill>
+                  <a:srgbClr val="000000"/>
+                </a:solidFill>
+                <a:uFill>
+                  <a:solidFill>
+                    <a:srgbClr val="FFFFFF"/>
+                  </a:solidFill>
+                </a:uFill>
+                <a:latin typeface="Trebuchet MS"/>
+                <a:ea typeface="DejaVu Sans"/>
+              </a:rPr>
+              <a:t>ACM </a:t>
+            </a:r>
+            <a:r>
+              <a:rPr lang="en-US" sz="3600" b="0" strike="noStrike" spc="-1" dirty="0" smtClean="0">
+                <a:solidFill>
+                  <a:srgbClr val="000000"/>
+                </a:solidFill>
+                <a:uFill>
+                  <a:solidFill>
+                    <a:srgbClr val="FFFFFF"/>
+                  </a:solidFill>
+                </a:uFill>
+                <a:latin typeface="Trebuchet MS"/>
+                <a:ea typeface="DejaVu Sans"/>
+              </a:rPr>
+              <a:t>International </a:t>
+            </a:r>
+            <a:r>
+              <a:rPr lang="en-US" sz="3600" b="0" strike="noStrike" spc="-1" dirty="0">
+                <a:solidFill>
+                  <a:srgbClr val="000000"/>
+                </a:solidFill>
+                <a:uFill>
+                  <a:solidFill>
+                    <a:srgbClr val="FFFFFF"/>
+                  </a:solidFill>
+                </a:uFill>
+                <a:latin typeface="Trebuchet MS"/>
+                <a:ea typeface="DejaVu Sans"/>
+              </a:rPr>
+              <a:t>Conference on the Theory of Information Retrieval, pp. 241-250. ACM, 2016.</a:t>
+            </a:r>
+            <a:endParaRPr lang="en-US" sz="1800" b="0" strike="noStrike" spc="-1" dirty="0">
               <a:solidFill>
                 <a:srgbClr val="000000"/>
               </a:solidFill>
@@ -10557,7 +11029,7 @@
                 <a:spcPct val="100000"/>
               </a:lnSpc>
             </a:pPr>
-            <a:endParaRPr lang="en-US" sz="1800" b="0" strike="noStrike" spc="-1">
+            <a:endParaRPr lang="en-US" sz="1800" b="0" strike="noStrike" spc="-1" dirty="0">
               <a:solidFill>
                 <a:srgbClr val="000000"/>
               </a:solidFill>
@@ -10716,7 +11188,7 @@
         </p:nvSpPr>
         <p:spPr>
           <a:xfrm>
-            <a:off x="33229440" y="29784600"/>
+            <a:off x="33229440" y="29653972"/>
             <a:ext cx="9873720" cy="3003480"/>
           </a:xfrm>
           <a:prstGeom prst="rect">
@@ -10749,7 +11221,7 @@
               </a:lnSpc>
             </a:pPr>
             <a:r>
-              <a:rPr lang="en-US" sz="3600" b="0" strike="noStrike" spc="-1">
+              <a:rPr lang="en-US" sz="3600" b="0" strike="noStrike" spc="-1" dirty="0">
                 <a:solidFill>
                   <a:srgbClr val="000000"/>
                 </a:solidFill>
@@ -10761,9 +11233,39 @@
                 <a:latin typeface="Trebuchet MS"/>
                 <a:ea typeface="DejaVu Sans"/>
               </a:rPr>
-              <a:t>Saeid Balaneshin-kordan and Alexander Kotov</a:t>
+              <a:t>Saeid Balaneshin-</a:t>
             </a:r>
-            <a:endParaRPr lang="en-US" sz="1800" b="0" strike="noStrike" spc="-1">
+            <a:r>
+              <a:rPr lang="en-US" sz="3600" b="0" strike="noStrike" spc="-1" dirty="0" err="1">
+                <a:solidFill>
+                  <a:srgbClr val="000000"/>
+                </a:solidFill>
+                <a:uFill>
+                  <a:solidFill>
+                    <a:srgbClr val="FFFFFF"/>
+                  </a:solidFill>
+                </a:uFill>
+                <a:latin typeface="Trebuchet MS"/>
+                <a:ea typeface="DejaVu Sans"/>
+              </a:rPr>
+              <a:t>kordan</a:t>
+            </a:r>
+            <a:r>
+              <a:rPr lang="en-US" sz="3600" b="0" strike="noStrike" spc="-1" dirty="0">
+                <a:solidFill>
+                  <a:srgbClr val="000000"/>
+                </a:solidFill>
+                <a:uFill>
+                  <a:solidFill>
+                    <a:srgbClr val="FFFFFF"/>
+                  </a:solidFill>
+                </a:uFill>
+                <a:latin typeface="Trebuchet MS"/>
+                <a:ea typeface="DejaVu Sans"/>
+              </a:rPr>
+              <a:t> and Alexander Kotov</a:t>
+            </a:r>
+            <a:endParaRPr lang="en-US" sz="1800" b="0" strike="noStrike" spc="-1" dirty="0">
               <a:solidFill>
                 <a:srgbClr val="000000"/>
               </a:solidFill>
@@ -10782,7 +11284,7 @@
               </a:lnSpc>
             </a:pPr>
             <a:r>
-              <a:rPr lang="en-US" sz="3600" b="0" strike="noStrike" spc="-1">
+              <a:rPr lang="en-US" sz="3600" b="0" strike="noStrike" spc="-1" dirty="0">
                 <a:solidFill>
                   <a:srgbClr val="000000"/>
                 </a:solidFill>
@@ -10796,7 +11298,7 @@
               </a:rPr>
               <a:t>Computer Science Department</a:t>
             </a:r>
-            <a:endParaRPr lang="en-US" sz="1800" b="0" strike="noStrike" spc="-1">
+            <a:endParaRPr lang="en-US" sz="1800" b="0" strike="noStrike" spc="-1" dirty="0">
               <a:solidFill>
                 <a:srgbClr val="000000"/>
               </a:solidFill>
@@ -10815,7 +11317,7 @@
               </a:lnSpc>
             </a:pPr>
             <a:r>
-              <a:rPr lang="en-US" sz="3600" b="0" strike="noStrike" spc="-1">
+              <a:rPr lang="en-US" sz="3600" b="0" strike="noStrike" spc="-1" dirty="0">
                 <a:solidFill>
                   <a:srgbClr val="000000"/>
                 </a:solidFill>
@@ -10829,7 +11331,7 @@
               </a:rPr>
               <a:t>313-316-6723</a:t>
             </a:r>
-            <a:endParaRPr lang="en-US" sz="1800" b="0" strike="noStrike" spc="-1">
+            <a:endParaRPr lang="en-US" sz="1800" b="0" strike="noStrike" spc="-1" dirty="0">
               <a:solidFill>
                 <a:srgbClr val="000000"/>
               </a:solidFill>
@@ -10848,7 +11350,7 @@
               </a:lnSpc>
             </a:pPr>
             <a:r>
-              <a:rPr lang="en-US" sz="3600" b="0" strike="noStrike" spc="-1">
+              <a:rPr lang="en-US" sz="3600" b="0" strike="noStrike" spc="-1" dirty="0">
                 <a:solidFill>
                   <a:srgbClr val="000000"/>
                 </a:solidFill>
@@ -10862,7 +11364,7 @@
               </a:rPr>
               <a:t>E-Mail-saeid@wayne.edu</a:t>
             </a:r>
-            <a:endParaRPr lang="en-US" sz="1800" b="0" strike="noStrike" spc="-1">
+            <a:endParaRPr lang="en-US" sz="1800" b="0" strike="noStrike" spc="-1" dirty="0">
               <a:solidFill>
                 <a:srgbClr val="000000"/>
               </a:solidFill>
@@ -10880,7 +11382,7 @@
                 <a:spcPct val="100000"/>
               </a:lnSpc>
             </a:pPr>
-            <a:endParaRPr lang="en-US" sz="1800" b="0" strike="noStrike" spc="-1">
+            <a:endParaRPr lang="en-US" sz="1800" b="0" strike="noStrike" spc="-1" dirty="0">
               <a:solidFill>
                 <a:srgbClr val="000000"/>
               </a:solidFill>
@@ -12583,7 +13085,7 @@
           <p:nvPr>
             <p:extLst>
               <p:ext uri="{D42A27DB-BD31-4B8C-83A1-F6EECF244321}">
-                <p14:modId xmlns:p14="http://schemas.microsoft.com/office/powerpoint/2010/main" val="2986715167"/>
+                <p14:modId xmlns:p14="http://schemas.microsoft.com/office/powerpoint/2010/main" val="2473590373"/>
               </p:ext>
             </p:extLst>
           </p:nvPr>
@@ -12657,11 +13159,7 @@
             </a:pPr>
             <a:r>
               <a:rPr lang="en-US" sz="2000" b="1" dirty="0"/>
-              <a:t>A</a:t>
-            </a:r>
-            <a:r>
-              <a:rPr lang="en-US" sz="2000" b="1" dirty="0"/>
-              <a:t>verage collection co-occurrence of concept c with other concepts in the query</a:t>
+              <a:t>Average collection co-occurrence of concept c with other concepts in the query</a:t>
             </a:r>
           </a:p>
           <a:p>
@@ -12781,7 +13279,6 @@
               <a:rPr lang="en-US" sz="2000" b="1" dirty="0"/>
               <a:t>Does concept c have a UMLS semantic type that is effective for medical query expansion?</a:t>
             </a:r>
-            <a:endParaRPr lang="en-US" sz="2000" b="1" dirty="0"/>
           </a:p>
         </p:txBody>
       </p:sp>
@@ -12840,6 +13337,315 @@
               <a:rPr lang="en-US" sz="3600" b="1" dirty="0"/>
               <a:t>Optimization Method</a:t>
             </a:r>
+          </a:p>
+        </p:txBody>
+      </p:sp>
+      <p:sp>
+        <p:nvSpPr>
+          <p:cNvPr id="3" name="Rectangle 2"/>
+          <p:cNvSpPr/>
+          <p:nvPr/>
+        </p:nvSpPr>
+        <p:spPr>
+          <a:xfrm>
+            <a:off x="905054" y="26876288"/>
+            <a:ext cx="9746626" cy="5078313"/>
+          </a:xfrm>
+          <a:prstGeom prst="rect">
+            <a:avLst/>
+          </a:prstGeom>
+        </p:spPr>
+        <p:txBody>
+          <a:bodyPr wrap="square">
+            <a:spAutoFit/>
+          </a:bodyPr>
+          <a:lstStyle/>
+          <a:p>
+            <a:pPr marL="1080">
+              <a:lnSpc>
+                <a:spcPct val="100000"/>
+              </a:lnSpc>
+            </a:pPr>
+            <a:r>
+              <a:rPr lang="en-US" sz="3600" spc="-1" dirty="0" smtClean="0">
+                <a:solidFill>
+                  <a:srgbClr val="000000"/>
+                </a:solidFill>
+                <a:uFill>
+                  <a:solidFill>
+                    <a:srgbClr val="FFFFFF"/>
+                  </a:solidFill>
+                </a:uFill>
+                <a:latin typeface="Trebuchet MS" panose="020B0603020202020204" pitchFamily="34" charset="0"/>
+              </a:rPr>
+              <a:t>1. How to identify </a:t>
+            </a:r>
+            <a:r>
+              <a:rPr lang="en-US" sz="3600" spc="-1" dirty="0">
+                <a:solidFill>
+                  <a:srgbClr val="000000"/>
+                </a:solidFill>
+                <a:uFill>
+                  <a:solidFill>
+                    <a:srgbClr val="FFFFFF"/>
+                  </a:solidFill>
+                </a:uFill>
+                <a:latin typeface="Trebuchet MS" panose="020B0603020202020204" pitchFamily="34" charset="0"/>
+              </a:rPr>
+              <a:t>all effective latent concepts in noisy top retrieved documents and dense knowledge </a:t>
+            </a:r>
+            <a:r>
+              <a:rPr lang="en-US" sz="3600" spc="-1" dirty="0" smtClean="0">
+                <a:solidFill>
+                  <a:srgbClr val="000000"/>
+                </a:solidFill>
+                <a:uFill>
+                  <a:solidFill>
+                    <a:srgbClr val="FFFFFF"/>
+                  </a:solidFill>
+                </a:uFill>
+                <a:latin typeface="Trebuchet MS" panose="020B0603020202020204" pitchFamily="34" charset="0"/>
+              </a:rPr>
+              <a:t>graphs? </a:t>
+            </a:r>
+            <a:endParaRPr lang="en-US" sz="3600" spc="-1" dirty="0">
+              <a:solidFill>
+                <a:srgbClr val="000000"/>
+              </a:solidFill>
+              <a:uFill>
+                <a:solidFill>
+                  <a:srgbClr val="FFFFFF"/>
+                </a:solidFill>
+              </a:uFill>
+              <a:latin typeface="Trebuchet MS" panose="020B0603020202020204" pitchFamily="34" charset="0"/>
+            </a:endParaRPr>
+          </a:p>
+          <a:p>
+            <a:pPr marL="1080">
+              <a:lnSpc>
+                <a:spcPct val="100000"/>
+              </a:lnSpc>
+            </a:pPr>
+            <a:r>
+              <a:rPr lang="en-US" sz="3600" spc="-1" dirty="0" smtClean="0">
+                <a:solidFill>
+                  <a:srgbClr val="000000"/>
+                </a:solidFill>
+                <a:uFill>
+                  <a:solidFill>
+                    <a:srgbClr val="FFFFFF"/>
+                  </a:solidFill>
+                </a:uFill>
+                <a:latin typeface="Trebuchet MS" panose="020B0603020202020204" pitchFamily="34" charset="0"/>
+              </a:rPr>
+              <a:t>2. How to determine the relative importance of unigram</a:t>
+            </a:r>
+            <a:r>
+              <a:rPr lang="en-US" sz="3600" spc="-1" dirty="0">
+                <a:solidFill>
+                  <a:srgbClr val="000000"/>
+                </a:solidFill>
+                <a:uFill>
+                  <a:solidFill>
+                    <a:srgbClr val="FFFFFF"/>
+                  </a:solidFill>
+                </a:uFill>
+                <a:latin typeface="Trebuchet MS" panose="020B0603020202020204" pitchFamily="34" charset="0"/>
+              </a:rPr>
+              <a:t>, bigram, and multi-term explicit and latent </a:t>
+            </a:r>
+            <a:r>
+              <a:rPr lang="en-US" sz="3600" spc="-1" dirty="0" smtClean="0">
+                <a:solidFill>
+                  <a:srgbClr val="000000"/>
+                </a:solidFill>
+                <a:uFill>
+                  <a:solidFill>
+                    <a:srgbClr val="FFFFFF"/>
+                  </a:solidFill>
+                </a:uFill>
+                <a:latin typeface="Trebuchet MS" panose="020B0603020202020204" pitchFamily="34" charset="0"/>
+              </a:rPr>
+              <a:t>concepts that are </a:t>
+            </a:r>
+            <a:r>
+              <a:rPr lang="en-US" sz="3600" spc="-1" dirty="0">
+                <a:solidFill>
+                  <a:srgbClr val="000000"/>
+                </a:solidFill>
+                <a:uFill>
+                  <a:solidFill>
+                    <a:srgbClr val="FFFFFF"/>
+                  </a:solidFill>
+                </a:uFill>
+                <a:latin typeface="Trebuchet MS" panose="020B0603020202020204" pitchFamily="34" charset="0"/>
+              </a:rPr>
+              <a:t>extracted from </a:t>
+            </a:r>
+            <a:r>
+              <a:rPr lang="en-US" sz="3600" spc="-1" dirty="0" smtClean="0">
+                <a:solidFill>
+                  <a:srgbClr val="000000"/>
+                </a:solidFill>
+                <a:uFill>
+                  <a:solidFill>
+                    <a:srgbClr val="FFFFFF"/>
+                  </a:solidFill>
+                </a:uFill>
+                <a:latin typeface="Trebuchet MS" panose="020B0603020202020204" pitchFamily="34" charset="0"/>
+              </a:rPr>
+              <a:t>the query itself and </a:t>
+            </a:r>
+            <a:r>
+              <a:rPr lang="en-US" sz="3600" spc="-1" dirty="0">
+                <a:solidFill>
+                  <a:srgbClr val="000000"/>
+                </a:solidFill>
+                <a:uFill>
+                  <a:solidFill>
+                    <a:srgbClr val="FFFFFF"/>
+                  </a:solidFill>
+                </a:uFill>
+                <a:latin typeface="Trebuchet MS" panose="020B0603020202020204" pitchFamily="34" charset="0"/>
+              </a:rPr>
+              <a:t>top documents retrieved based on a given </a:t>
+            </a:r>
+            <a:r>
+              <a:rPr lang="en-US" sz="3600" spc="-1" dirty="0" smtClean="0">
+                <a:solidFill>
+                  <a:srgbClr val="000000"/>
+                </a:solidFill>
+                <a:uFill>
+                  <a:solidFill>
+                    <a:srgbClr val="FFFFFF"/>
+                  </a:solidFill>
+                </a:uFill>
+                <a:latin typeface="Trebuchet MS" panose="020B0603020202020204" pitchFamily="34" charset="0"/>
+              </a:rPr>
+              <a:t>query as well as the ones that are found in medical </a:t>
+            </a:r>
+            <a:r>
+              <a:rPr lang="en-US" sz="3600" spc="-1" dirty="0">
+                <a:solidFill>
+                  <a:srgbClr val="000000"/>
+                </a:solidFill>
+                <a:uFill>
+                  <a:solidFill>
+                    <a:srgbClr val="FFFFFF"/>
+                  </a:solidFill>
+                </a:uFill>
+                <a:latin typeface="Trebuchet MS" panose="020B0603020202020204" pitchFamily="34" charset="0"/>
+              </a:rPr>
+              <a:t>knowledge </a:t>
+            </a:r>
+            <a:r>
+              <a:rPr lang="en-US" sz="3600" spc="-1" dirty="0" smtClean="0">
+                <a:solidFill>
+                  <a:srgbClr val="000000"/>
+                </a:solidFill>
+                <a:uFill>
+                  <a:solidFill>
+                    <a:srgbClr val="FFFFFF"/>
+                  </a:solidFill>
+                </a:uFill>
+                <a:latin typeface="Trebuchet MS" panose="020B0603020202020204" pitchFamily="34" charset="0"/>
+              </a:rPr>
+              <a:t>bases</a:t>
+            </a:r>
+            <a:r>
+              <a:rPr lang="en-US" sz="3600" spc="-1" dirty="0">
+                <a:solidFill>
+                  <a:srgbClr val="000000"/>
+                </a:solidFill>
+                <a:uFill>
+                  <a:solidFill>
+                    <a:srgbClr val="FFFFFF"/>
+                  </a:solidFill>
+                </a:uFill>
+                <a:latin typeface="Trebuchet MS" panose="020B0603020202020204" pitchFamily="34" charset="0"/>
+              </a:rPr>
+              <a:t>?</a:t>
+            </a:r>
+            <a:endParaRPr lang="en-US" sz="3600" spc="-1" dirty="0">
+              <a:solidFill>
+                <a:srgbClr val="000000"/>
+              </a:solidFill>
+              <a:uFill>
+                <a:solidFill>
+                  <a:srgbClr val="FFFFFF"/>
+                </a:solidFill>
+              </a:uFill>
+              <a:latin typeface="Trebuchet MS" panose="020B0603020202020204" pitchFamily="34" charset="0"/>
+            </a:endParaRPr>
+          </a:p>
+        </p:txBody>
+      </p:sp>
+      <p:sp>
+        <p:nvSpPr>
+          <p:cNvPr id="94" name="CustomShape 11"/>
+          <p:cNvSpPr/>
+          <p:nvPr/>
+        </p:nvSpPr>
+        <p:spPr>
+          <a:xfrm>
+            <a:off x="493200" y="25915080"/>
+            <a:ext cx="10383120" cy="926640"/>
+          </a:xfrm>
+          <a:prstGeom prst="rect">
+            <a:avLst/>
+          </a:prstGeom>
+          <a:noFill/>
+          <a:ln>
+            <a:noFill/>
+          </a:ln>
+        </p:spPr>
+        <p:style>
+          <a:lnRef idx="0">
+            <a:scrgbClr r="0" g="0" b="0"/>
+          </a:lnRef>
+          <a:fillRef idx="0">
+            <a:scrgbClr r="0" g="0" b="0"/>
+          </a:fillRef>
+          <a:effectRef idx="0">
+            <a:scrgbClr r="0" g="0" b="0"/>
+          </a:effectRef>
+          <a:fontRef idx="minor"/>
+        </p:style>
+        <p:txBody>
+          <a:bodyPr lIns="52200" tIns="52200" rIns="52200" bIns="52200" anchor="ctr"/>
+          <a:lstStyle/>
+          <a:p>
+            <a:pPr algn="ctr">
+              <a:lnSpc>
+                <a:spcPct val="100000"/>
+              </a:lnSpc>
+            </a:pPr>
+            <a:r>
+              <a:rPr lang="en-US" sz="5400" b="1" u="sng" strike="noStrike" spc="-1" dirty="0" smtClean="0">
+                <a:solidFill>
+                  <a:srgbClr val="385623"/>
+                </a:solidFill>
+                <a:uFill>
+                  <a:solidFill>
+                    <a:srgbClr val="FFFFFF"/>
+                  </a:solidFill>
+                </a:uFill>
+                <a:latin typeface="Calibri"/>
+                <a:ea typeface="DejaVu Sans"/>
+              </a:rPr>
+              <a:t>CHALLENGES</a:t>
+            </a:r>
+            <a:endParaRPr lang="en-US" sz="1800" b="0" strike="noStrike" spc="-1" dirty="0">
+              <a:solidFill>
+                <a:srgbClr val="000000"/>
+              </a:solidFill>
+              <a:uFill>
+                <a:solidFill>
+                  <a:srgbClr val="FFFFFF"/>
+                </a:solidFill>
+              </a:uFill>
+              <a:latin typeface="Arial"/>
+            </a:endParaRPr>
           </a:p>
         </p:txBody>
       </p:sp>
